--- a/Robot Action Anticipation for Collaborative Assembly Tasks.pptx
+++ b/Robot Action Anticipation for Collaborative Assembly Tasks.pptx
@@ -1,17 +1,22 @@
 
 <file path=ppt/presentation.xml><?xml version="1.0" encoding="utf-8"?>
-<p:presentation xmlns:a="http://schemas.openxmlformats.org/drawingml/2006/main" xmlns:r="http://schemas.openxmlformats.org/officeDocument/2006/relationships" xmlns:p="http://schemas.openxmlformats.org/presentationml/2006/main" saveSubsetFonts="1" autoCompressPictures="0">
+<p:presentation xmlns:a="http://schemas.openxmlformats.org/drawingml/2006/main" xmlns:r="http://schemas.openxmlformats.org/officeDocument/2006/relationships" xmlns:p="http://schemas.openxmlformats.org/presentationml/2006/main" showSpecialPlsOnTitleSld="0" saveSubsetFonts="1" autoCompressPictures="0">
   <p:sldMasterIdLst>
     <p:sldMasterId id="2147483660" r:id="rId4"/>
   </p:sldMasterIdLst>
+  <p:notesMasterIdLst>
+    <p:notesMasterId r:id="rId14"/>
+  </p:notesMasterIdLst>
   <p:sldIdLst>
     <p:sldId id="298" r:id="rId5"/>
-    <p:sldId id="301" r:id="rId6"/>
-    <p:sldId id="302" r:id="rId7"/>
-    <p:sldId id="303" r:id="rId8"/>
-    <p:sldId id="304" r:id="rId9"/>
-    <p:sldId id="305" r:id="rId10"/>
-    <p:sldId id="300" r:id="rId11"/>
+    <p:sldId id="306" r:id="rId6"/>
+    <p:sldId id="307" r:id="rId7"/>
+    <p:sldId id="301" r:id="rId8"/>
+    <p:sldId id="302" r:id="rId9"/>
+    <p:sldId id="303" r:id="rId10"/>
+    <p:sldId id="304" r:id="rId11"/>
+    <p:sldId id="305" r:id="rId12"/>
+    <p:sldId id="300" r:id="rId13"/>
   </p:sldIdLst>
   <p:sldSz cx="12192000" cy="6858000"/>
   <p:notesSz cx="6858000" cy="9144000"/>
@@ -118,6 +123,356 @@
 </p:presentation>
 </file>
 
+<file path=ppt/notesMasters/notesMaster1.xml><?xml version="1.0" encoding="utf-8"?>
+<p:notesMaster xmlns:a="http://schemas.openxmlformats.org/drawingml/2006/main" xmlns:r="http://schemas.openxmlformats.org/officeDocument/2006/relationships" xmlns:p="http://schemas.openxmlformats.org/presentationml/2006/main">
+  <p:cSld>
+    <p:bg>
+      <p:bgRef idx="1001">
+        <a:schemeClr val="bg1"/>
+      </p:bgRef>
+    </p:bg>
+    <p:spTree>
+      <p:nvGrpSpPr>
+        <p:cNvPr id="1" name=""/>
+        <p:cNvGrpSpPr/>
+        <p:nvPr/>
+      </p:nvGrpSpPr>
+      <p:grpSpPr>
+        <a:xfrm>
+          <a:off x="0" y="0"/>
+          <a:ext cx="0" cy="0"/>
+          <a:chOff x="0" y="0"/>
+          <a:chExt cx="0" cy="0"/>
+        </a:xfrm>
+      </p:grpSpPr>
+      <p:sp>
+        <p:nvSpPr>
+          <p:cNvPr id="2" name="Header Placeholder 1"/>
+          <p:cNvSpPr>
+            <a:spLocks noGrp="1"/>
+          </p:cNvSpPr>
+          <p:nvPr>
+            <p:ph type="hdr" sz="quarter"/>
+          </p:nvPr>
+        </p:nvSpPr>
+        <p:spPr>
+          <a:xfrm>
+            <a:off x="0" y="0"/>
+            <a:ext cx="2971800" cy="458788"/>
+          </a:xfrm>
+          <a:prstGeom prst="rect">
+            <a:avLst/>
+          </a:prstGeom>
+        </p:spPr>
+        <p:txBody>
+          <a:bodyPr vert="horz" lIns="91440" tIns="45720" rIns="91440" bIns="45720" rtlCol="0"/>
+          <a:lstStyle>
+            <a:lvl1pPr algn="l">
+              <a:defRPr sz="1200"/>
+            </a:lvl1pPr>
+          </a:lstStyle>
+          <a:p>
+            <a:endParaRPr lang="en-GB"/>
+          </a:p>
+        </p:txBody>
+      </p:sp>
+      <p:sp>
+        <p:nvSpPr>
+          <p:cNvPr id="3" name="Date Placeholder 2"/>
+          <p:cNvSpPr>
+            <a:spLocks noGrp="1"/>
+          </p:cNvSpPr>
+          <p:nvPr>
+            <p:ph type="dt" idx="1"/>
+          </p:nvPr>
+        </p:nvSpPr>
+        <p:spPr>
+          <a:xfrm>
+            <a:off x="3884613" y="0"/>
+            <a:ext cx="2971800" cy="458788"/>
+          </a:xfrm>
+          <a:prstGeom prst="rect">
+            <a:avLst/>
+          </a:prstGeom>
+        </p:spPr>
+        <p:txBody>
+          <a:bodyPr vert="horz" lIns="91440" tIns="45720" rIns="91440" bIns="45720" rtlCol="0"/>
+          <a:lstStyle>
+            <a:lvl1pPr algn="r">
+              <a:defRPr sz="1200"/>
+            </a:lvl1pPr>
+          </a:lstStyle>
+          <a:p>
+            <a:fld id="{586C385D-852F-4C75-8C75-52A480E09742}" type="datetimeFigureOut">
+              <a:rPr lang="en-GB" smtClean="0"/>
+              <a:t>03/11/2022</a:t>
+            </a:fld>
+            <a:endParaRPr lang="en-GB"/>
+          </a:p>
+        </p:txBody>
+      </p:sp>
+      <p:sp>
+        <p:nvSpPr>
+          <p:cNvPr id="4" name="Slide Image Placeholder 3"/>
+          <p:cNvSpPr>
+            <a:spLocks noGrp="1" noRot="1" noChangeAspect="1"/>
+          </p:cNvSpPr>
+          <p:nvPr>
+            <p:ph type="sldImg" idx="2"/>
+          </p:nvPr>
+        </p:nvSpPr>
+        <p:spPr>
+          <a:xfrm>
+            <a:off x="685800" y="1143000"/>
+            <a:ext cx="5486400" cy="3086100"/>
+          </a:xfrm>
+          <a:prstGeom prst="rect">
+            <a:avLst/>
+          </a:prstGeom>
+          <a:noFill/>
+          <a:ln w="12700">
+            <a:solidFill>
+              <a:prstClr val="black"/>
+            </a:solidFill>
+          </a:ln>
+        </p:spPr>
+        <p:txBody>
+          <a:bodyPr vert="horz" lIns="91440" tIns="45720" rIns="91440" bIns="45720" rtlCol="0" anchor="ctr"/>
+          <a:lstStyle/>
+          <a:p>
+            <a:endParaRPr lang="en-GB"/>
+          </a:p>
+        </p:txBody>
+      </p:sp>
+      <p:sp>
+        <p:nvSpPr>
+          <p:cNvPr id="5" name="Notes Placeholder 4"/>
+          <p:cNvSpPr>
+            <a:spLocks noGrp="1"/>
+          </p:cNvSpPr>
+          <p:nvPr>
+            <p:ph type="body" sz="quarter" idx="3"/>
+          </p:nvPr>
+        </p:nvSpPr>
+        <p:spPr>
+          <a:xfrm>
+            <a:off x="685800" y="4400550"/>
+            <a:ext cx="5486400" cy="3600450"/>
+          </a:xfrm>
+          <a:prstGeom prst="rect">
+            <a:avLst/>
+          </a:prstGeom>
+        </p:spPr>
+        <p:txBody>
+          <a:bodyPr vert="horz" lIns="91440" tIns="45720" rIns="91440" bIns="45720" rtlCol="0"/>
+          <a:lstStyle/>
+          <a:p>
+            <a:pPr lvl="0"/>
+            <a:r>
+              <a:rPr lang="en-US"/>
+              <a:t>Click to edit Master text styles</a:t>
+            </a:r>
+          </a:p>
+          <a:p>
+            <a:pPr lvl="1"/>
+            <a:r>
+              <a:rPr lang="en-US"/>
+              <a:t>Second level</a:t>
+            </a:r>
+          </a:p>
+          <a:p>
+            <a:pPr lvl="2"/>
+            <a:r>
+              <a:rPr lang="en-US"/>
+              <a:t>Third level</a:t>
+            </a:r>
+          </a:p>
+          <a:p>
+            <a:pPr lvl="3"/>
+            <a:r>
+              <a:rPr lang="en-US"/>
+              <a:t>Fourth level</a:t>
+            </a:r>
+          </a:p>
+          <a:p>
+            <a:pPr lvl="4"/>
+            <a:r>
+              <a:rPr lang="en-US"/>
+              <a:t>Fifth level</a:t>
+            </a:r>
+            <a:endParaRPr lang="en-GB"/>
+          </a:p>
+        </p:txBody>
+      </p:sp>
+      <p:sp>
+        <p:nvSpPr>
+          <p:cNvPr id="6" name="Footer Placeholder 5"/>
+          <p:cNvSpPr>
+            <a:spLocks noGrp="1"/>
+          </p:cNvSpPr>
+          <p:nvPr>
+            <p:ph type="ftr" sz="quarter" idx="4"/>
+          </p:nvPr>
+        </p:nvSpPr>
+        <p:spPr>
+          <a:xfrm>
+            <a:off x="0" y="8685213"/>
+            <a:ext cx="2971800" cy="458787"/>
+          </a:xfrm>
+          <a:prstGeom prst="rect">
+            <a:avLst/>
+          </a:prstGeom>
+        </p:spPr>
+        <p:txBody>
+          <a:bodyPr vert="horz" lIns="91440" tIns="45720" rIns="91440" bIns="45720" rtlCol="0" anchor="b"/>
+          <a:lstStyle>
+            <a:lvl1pPr algn="l">
+              <a:defRPr sz="1200"/>
+            </a:lvl1pPr>
+          </a:lstStyle>
+          <a:p>
+            <a:endParaRPr lang="en-GB"/>
+          </a:p>
+        </p:txBody>
+      </p:sp>
+      <p:sp>
+        <p:nvSpPr>
+          <p:cNvPr id="7" name="Slide Number Placeholder 6"/>
+          <p:cNvSpPr>
+            <a:spLocks noGrp="1"/>
+          </p:cNvSpPr>
+          <p:nvPr>
+            <p:ph type="sldNum" sz="quarter" idx="5"/>
+          </p:nvPr>
+        </p:nvSpPr>
+        <p:spPr>
+          <a:xfrm>
+            <a:off x="3884613" y="8685213"/>
+            <a:ext cx="2971800" cy="458787"/>
+          </a:xfrm>
+          <a:prstGeom prst="rect">
+            <a:avLst/>
+          </a:prstGeom>
+        </p:spPr>
+        <p:txBody>
+          <a:bodyPr vert="horz" lIns="91440" tIns="45720" rIns="91440" bIns="45720" rtlCol="0" anchor="b"/>
+          <a:lstStyle>
+            <a:lvl1pPr algn="r">
+              <a:defRPr sz="1200"/>
+            </a:lvl1pPr>
+          </a:lstStyle>
+          <a:p>
+            <a:fld id="{09FA5124-9F56-4938-9164-7A49AD014A35}" type="slidenum">
+              <a:rPr lang="en-GB" smtClean="0"/>
+              <a:t>‹#›</a:t>
+            </a:fld>
+            <a:endParaRPr lang="en-GB"/>
+          </a:p>
+        </p:txBody>
+      </p:sp>
+    </p:spTree>
+    <p:extLst>
+      <p:ext uri="{BB962C8B-B14F-4D97-AF65-F5344CB8AC3E}">
+        <p14:creationId xmlns:p14="http://schemas.microsoft.com/office/powerpoint/2010/main" val="860306212"/>
+      </p:ext>
+    </p:extLst>
+  </p:cSld>
+  <p:clrMap bg1="lt1" tx1="dk1" bg2="lt2" tx2="dk2" accent1="accent1" accent2="accent2" accent3="accent3" accent4="accent4" accent5="accent5" accent6="accent6" hlink="hlink" folHlink="folHlink"/>
+  <p:notesStyle>
+    <a:lvl1pPr marL="0" algn="l" defTabSz="914400" rtl="0" eaLnBrk="1" latinLnBrk="0" hangingPunct="1">
+      <a:defRPr sz="1200" kern="1200">
+        <a:solidFill>
+          <a:schemeClr val="tx1"/>
+        </a:solidFill>
+        <a:latin typeface="+mn-lt"/>
+        <a:ea typeface="+mn-ea"/>
+        <a:cs typeface="+mn-cs"/>
+      </a:defRPr>
+    </a:lvl1pPr>
+    <a:lvl2pPr marL="457200" algn="l" defTabSz="914400" rtl="0" eaLnBrk="1" latinLnBrk="0" hangingPunct="1">
+      <a:defRPr sz="1200" kern="1200">
+        <a:solidFill>
+          <a:schemeClr val="tx1"/>
+        </a:solidFill>
+        <a:latin typeface="+mn-lt"/>
+        <a:ea typeface="+mn-ea"/>
+        <a:cs typeface="+mn-cs"/>
+      </a:defRPr>
+    </a:lvl2pPr>
+    <a:lvl3pPr marL="914400" algn="l" defTabSz="914400" rtl="0" eaLnBrk="1" latinLnBrk="0" hangingPunct="1">
+      <a:defRPr sz="1200" kern="1200">
+        <a:solidFill>
+          <a:schemeClr val="tx1"/>
+        </a:solidFill>
+        <a:latin typeface="+mn-lt"/>
+        <a:ea typeface="+mn-ea"/>
+        <a:cs typeface="+mn-cs"/>
+      </a:defRPr>
+    </a:lvl3pPr>
+    <a:lvl4pPr marL="1371600" algn="l" defTabSz="914400" rtl="0" eaLnBrk="1" latinLnBrk="0" hangingPunct="1">
+      <a:defRPr sz="1200" kern="1200">
+        <a:solidFill>
+          <a:schemeClr val="tx1"/>
+        </a:solidFill>
+        <a:latin typeface="+mn-lt"/>
+        <a:ea typeface="+mn-ea"/>
+        <a:cs typeface="+mn-cs"/>
+      </a:defRPr>
+    </a:lvl4pPr>
+    <a:lvl5pPr marL="1828800" algn="l" defTabSz="914400" rtl="0" eaLnBrk="1" latinLnBrk="0" hangingPunct="1">
+      <a:defRPr sz="1200" kern="1200">
+        <a:solidFill>
+          <a:schemeClr val="tx1"/>
+        </a:solidFill>
+        <a:latin typeface="+mn-lt"/>
+        <a:ea typeface="+mn-ea"/>
+        <a:cs typeface="+mn-cs"/>
+      </a:defRPr>
+    </a:lvl5pPr>
+    <a:lvl6pPr marL="2286000" algn="l" defTabSz="914400" rtl="0" eaLnBrk="1" latinLnBrk="0" hangingPunct="1">
+      <a:defRPr sz="1200" kern="1200">
+        <a:solidFill>
+          <a:schemeClr val="tx1"/>
+        </a:solidFill>
+        <a:latin typeface="+mn-lt"/>
+        <a:ea typeface="+mn-ea"/>
+        <a:cs typeface="+mn-cs"/>
+      </a:defRPr>
+    </a:lvl6pPr>
+    <a:lvl7pPr marL="2743200" algn="l" defTabSz="914400" rtl="0" eaLnBrk="1" latinLnBrk="0" hangingPunct="1">
+      <a:defRPr sz="1200" kern="1200">
+        <a:solidFill>
+          <a:schemeClr val="tx1"/>
+        </a:solidFill>
+        <a:latin typeface="+mn-lt"/>
+        <a:ea typeface="+mn-ea"/>
+        <a:cs typeface="+mn-cs"/>
+      </a:defRPr>
+    </a:lvl7pPr>
+    <a:lvl8pPr marL="3200400" algn="l" defTabSz="914400" rtl="0" eaLnBrk="1" latinLnBrk="0" hangingPunct="1">
+      <a:defRPr sz="1200" kern="1200">
+        <a:solidFill>
+          <a:schemeClr val="tx1"/>
+        </a:solidFill>
+        <a:latin typeface="+mn-lt"/>
+        <a:ea typeface="+mn-ea"/>
+        <a:cs typeface="+mn-cs"/>
+      </a:defRPr>
+    </a:lvl8pPr>
+    <a:lvl9pPr marL="3657600" algn="l" defTabSz="914400" rtl="0" eaLnBrk="1" latinLnBrk="0" hangingPunct="1">
+      <a:defRPr sz="1200" kern="1200">
+        <a:solidFill>
+          <a:schemeClr val="tx1"/>
+        </a:solidFill>
+        <a:latin typeface="+mn-lt"/>
+        <a:ea typeface="+mn-ea"/>
+        <a:cs typeface="+mn-cs"/>
+      </a:defRPr>
+    </a:lvl9pPr>
+  </p:notesStyle>
+</p:notesMaster>
+</file>
+
 <file path=ppt/slideLayouts/slideLayout1.xml><?xml version="1.0" encoding="utf-8"?>
 <p:sldLayout xmlns:a="http://schemas.openxmlformats.org/drawingml/2006/main" xmlns:r="http://schemas.openxmlformats.org/officeDocument/2006/relationships" xmlns:p="http://schemas.openxmlformats.org/presentationml/2006/main" showMasterSp="0" type="title" preserve="1">
   <p:cSld name="Title Slide">
@@ -360,9 +715,9 @@
           <a:bodyPr/>
           <a:lstStyle/>
           <a:p>
-            <a:fld id="{9184DA70-C731-4C70-880D-CCD4705E623C}" type="datetime1">
+            <a:fld id="{AAF5A51C-C28C-49B3-B1E6-90F76A07B81E}" type="datetime1">
               <a:rPr lang="en-US" smtClean="0"/>
-              <a:t>10/26/2022</a:t>
+              <a:t>11/3/2022</a:t>
             </a:fld>
             <a:endParaRPr lang="en-US" dirty="0"/>
           </a:p>
@@ -548,9 +903,9 @@
           <a:bodyPr/>
           <a:lstStyle/>
           <a:p>
-            <a:fld id="{4BE1D723-8F53-4F53-90B0-1982A396982E}" type="datetime1">
+            <a:fld id="{20880A5E-5C75-4372-A731-E482E32883C5}" type="datetime1">
               <a:rPr lang="en-US" smtClean="0"/>
-              <a:t>10/26/2022</a:t>
+              <a:t>11/3/2022</a:t>
             </a:fld>
             <a:endParaRPr lang="en-US" dirty="0"/>
           </a:p>
@@ -921,9 +1276,9 @@
           <a:bodyPr/>
           <a:lstStyle/>
           <a:p>
-            <a:fld id="{97669AF7-7BEB-44E4-9852-375E34362B5B}" type="datetime1">
+            <a:fld id="{595A859A-35F6-4ACE-B837-F27F0F8BD3C3}" type="datetime1">
               <a:rPr lang="en-US" smtClean="0"/>
-              <a:t>10/26/2022</a:t>
+              <a:t>11/3/2022</a:t>
             </a:fld>
             <a:endParaRPr lang="en-US" dirty="0"/>
           </a:p>
@@ -1176,9 +1531,9 @@
           <a:bodyPr/>
           <a:lstStyle/>
           <a:p>
-            <a:fld id="{BAAAC38D-0552-4C82-B593-E6124DFADBE2}" type="datetime1">
+            <a:fld id="{5064BE53-C38F-40A3-BD6A-3FBCAA4EBE25}" type="datetime1">
               <a:rPr lang="en-US" smtClean="0"/>
-              <a:t>10/26/2022</a:t>
+              <a:t>11/3/2022</a:t>
             </a:fld>
             <a:endParaRPr lang="en-US" dirty="0"/>
           </a:p>
@@ -1573,9 +1928,9 @@
           <a:bodyPr/>
           <a:lstStyle/>
           <a:p>
-            <a:fld id="{D9DF0F1C-5577-4ACB-BB62-DF8F3C494C7E}" type="datetime1">
+            <a:fld id="{56578EE5-CFBB-499F-B8F7-4AFFE0F33EBE}" type="datetime1">
               <a:rPr lang="en-US" smtClean="0"/>
-              <a:t>10/26/2022</a:t>
+              <a:t>11/3/2022</a:t>
             </a:fld>
             <a:endParaRPr lang="en-US" dirty="0"/>
           </a:p>
@@ -1709,9 +2064,9 @@
           <a:bodyPr/>
           <a:lstStyle/>
           <a:p>
-            <a:fld id="{1775B394-D9F9-4F0C-B15D-605F45CB9E9F}" type="datetime1">
+            <a:fld id="{4F965C31-DA84-4958-975E-818A9C25D11A}" type="datetime1">
               <a:rPr lang="en-US" smtClean="0"/>
-              <a:t>10/26/2022</a:t>
+              <a:t>11/3/2022</a:t>
             </a:fld>
             <a:endParaRPr lang="en-US" dirty="0"/>
           </a:p>
@@ -1866,9 +2221,9 @@
           <a:bodyPr/>
           <a:lstStyle/>
           <a:p>
-            <a:fld id="{39667345-2558-425A-8533-9BFDBCE15005}" type="datetime1">
+            <a:fld id="{EDC5802D-1571-4440-9342-29DCCE4BBE51}" type="datetime1">
               <a:rPr lang="en-US" smtClean="0"/>
-              <a:t>10/26/2022</a:t>
+              <a:t>11/3/2022</a:t>
             </a:fld>
             <a:endParaRPr lang="en-US" dirty="0"/>
           </a:p>
@@ -2195,9 +2550,9 @@
             </a:lvl1pPr>
           </a:lstStyle>
           <a:p>
-            <a:fld id="{92BEA474-078D-4E9B-9B14-09A87B19DC46}" type="datetime1">
+            <a:fld id="{E7A3FAFB-8631-4C5B-A5A0-18B70900AB3C}" type="datetime1">
               <a:rPr lang="en-US" smtClean="0"/>
-              <a:t>10/26/2022</a:t>
+              <a:t>11/3/2022</a:t>
             </a:fld>
             <a:endParaRPr lang="en-US" dirty="0"/>
           </a:p>
@@ -2545,9 +2900,9 @@
             </a:lvl1pPr>
           </a:lstStyle>
           <a:p>
-            <a:fld id="{4907D986-8816-4272-A432-0437A28A9828}" type="datetime1">
+            <a:fld id="{D8BE7903-08D2-4324-B287-E7E01A896033}" type="datetime1">
               <a:rPr lang="en-US" smtClean="0"/>
-              <a:t>10/26/2022</a:t>
+              <a:t>11/3/2022</a:t>
             </a:fld>
             <a:endParaRPr lang="en-US" dirty="0"/>
           </a:p>
@@ -2806,9 +3161,9 @@
             </a:lvl1pPr>
           </a:lstStyle>
           <a:p>
-            <a:fld id="{62D6E202-B606-4609-B914-27C9371A1F6D}" type="datetime1">
+            <a:fld id="{FEDF130E-A981-4124-8552-566612790144}" type="datetime1">
               <a:rPr lang="en-US" smtClean="0"/>
-              <a:t>10/26/2022</a:t>
+              <a:t>11/3/2022</a:t>
             </a:fld>
             <a:endParaRPr lang="en-US" dirty="0"/>
           </a:p>
@@ -2951,7 +3306,7 @@
     <p:sldLayoutId id="2147483668" r:id="rId8"/>
     <p:sldLayoutId id="2147483669" r:id="rId9"/>
   </p:sldLayoutIdLst>
-  <p:hf sldNum="0" hdr="0" ftr="0" dt="0"/>
+  <p:hf hdr="0" ftr="0" dt="0"/>
   <p:txStyles>
     <p:titleStyle>
       <a:lvl1pPr algn="l" defTabSz="914400" rtl="0" eaLnBrk="1" latinLnBrk="0" hangingPunct="1">
@@ -3637,7 +3992,7 @@
             </a:pPr>
             <a:r>
               <a:rPr lang="en-US" sz="1600" dirty="0"/>
-              <a:t>Articles Review</a:t>
+              <a:t>literature Review</a:t>
             </a:r>
           </a:p>
         </p:txBody>
@@ -3786,7 +4141,7 @@
           <p:cNvPr id="2" name="Title 1">
             <a:extLst>
               <a:ext uri="{FF2B5EF4-FFF2-40B4-BE49-F238E27FC236}">
-                <a16:creationId xmlns:a16="http://schemas.microsoft.com/office/drawing/2014/main" id="{5542C2D8-2864-205C-3DFE-B82FABC53E63}"/>
+                <a16:creationId xmlns:a16="http://schemas.microsoft.com/office/drawing/2014/main" id="{A9E51AAB-85D1-C3EF-2C68-3FE363E654C4}"/>
               </a:ext>
             </a:extLst>
           </p:cNvPr>
@@ -3797,172 +4152,30 @@
             <p:ph type="title"/>
           </p:nvPr>
         </p:nvSpPr>
-        <p:spPr>
-          <a:xfrm>
-            <a:off x="643466" y="786383"/>
-            <a:ext cx="3517567" cy="2642617"/>
-          </a:xfrm>
-        </p:spPr>
-        <p:txBody>
-          <a:bodyPr>
-            <a:noAutofit/>
-          </a:bodyPr>
-          <a:lstStyle/>
-          <a:p>
-            <a:r>
-              <a:rPr lang="en-GB" sz="2400" dirty="0"/>
-              <a:t>Anticipative interaction primitives for human-robot collaboration</a:t>
-            </a:r>
-          </a:p>
-        </p:txBody>
-      </p:sp>
-      <p:sp>
-        <p:nvSpPr>
-          <p:cNvPr id="3" name="Content Placeholder 2">
-            <a:extLst>
-              <a:ext uri="{FF2B5EF4-FFF2-40B4-BE49-F238E27FC236}">
-                <a16:creationId xmlns:a16="http://schemas.microsoft.com/office/drawing/2014/main" id="{98918E28-0EAA-F8BC-0A2A-8C51BCAA7EF4}"/>
-              </a:ext>
-            </a:extLst>
-          </p:cNvPr>
-          <p:cNvSpPr>
-            <a:spLocks noGrp="1"/>
-          </p:cNvSpPr>
-          <p:nvPr>
-            <p:ph idx="1"/>
-          </p:nvPr>
-        </p:nvSpPr>
-        <p:spPr>
-          <a:xfrm>
-            <a:off x="5458984" y="786384"/>
-            <a:ext cx="5928344" cy="4093524"/>
-          </a:xfrm>
-        </p:spPr>
+        <p:spPr/>
         <p:txBody>
           <a:bodyPr>
             <a:normAutofit/>
           </a:bodyPr>
           <a:lstStyle/>
           <a:p>
-            <a:pPr>
-              <a:buFont typeface="Wingdings" panose="05000000000000000000" pitchFamily="2" charset="2"/>
-              <a:buChar char="Ø"/>
-            </a:pPr>
-            <a:r>
-              <a:rPr lang="en-GB" sz="1600" b="0" dirty="0">
-                <a:solidFill>
-                  <a:schemeClr val="tx1"/>
-                </a:solidFill>
-                <a:effectLst/>
-                <a:latin typeface="Consolas" panose="020B0609020204030204" pitchFamily="49" charset="0"/>
-              </a:rPr>
-              <a:t> The robot should decide whether to hand over a screw or a plate and which plate;</a:t>
-            </a:r>
-          </a:p>
-          <a:p>
-            <a:pPr>
-              <a:buFont typeface="Wingdings" panose="05000000000000000000" pitchFamily="2" charset="2"/>
-              <a:buChar char="Ø"/>
-            </a:pPr>
-            <a:r>
-              <a:rPr lang="en-GB" sz="1600" b="0" dirty="0">
-                <a:solidFill>
-                  <a:schemeClr val="tx1"/>
-                </a:solidFill>
-                <a:effectLst/>
-                <a:latin typeface="Consolas" panose="020B0609020204030204" pitchFamily="49" charset="0"/>
-              </a:rPr>
-              <a:t> As the experience with a given user grows, it learns the pattern in which the parts are being assembled;</a:t>
-            </a:r>
-          </a:p>
-          <a:p>
-            <a:pPr>
-              <a:buFont typeface="Wingdings" panose="05000000000000000000" pitchFamily="2" charset="2"/>
-              <a:buChar char="Ø"/>
-            </a:pPr>
-            <a:r>
-              <a:rPr lang="en-GB" sz="1600" dirty="0">
-                <a:solidFill>
-                  <a:schemeClr val="tx1"/>
-                </a:solidFill>
-                <a:latin typeface="Consolas" panose="020B0609020204030204" pitchFamily="49" charset="0"/>
-              </a:rPr>
-              <a:t> U</a:t>
-            </a:r>
-            <a:r>
-              <a:rPr lang="en-GB" sz="1600" b="0" dirty="0">
-                <a:solidFill>
-                  <a:schemeClr val="tx1"/>
-                </a:solidFill>
-                <a:effectLst/>
-                <a:latin typeface="Consolas" panose="020B0609020204030204" pitchFamily="49" charset="0"/>
-              </a:rPr>
-              <a:t>se a lookup table containing variations of assembly sequences, previously demonstrated by different users;</a:t>
-            </a:r>
-          </a:p>
-          <a:p>
-            <a:pPr>
-              <a:buFont typeface="Wingdings" panose="05000000000000000000" pitchFamily="2" charset="2"/>
-              <a:buChar char="Ø"/>
-            </a:pPr>
-            <a:r>
-              <a:rPr lang="en-GB" sz="1600" b="0" dirty="0">
-                <a:solidFill>
-                  <a:schemeClr val="tx1"/>
-                </a:solidFill>
-                <a:effectLst/>
-                <a:latin typeface="Consolas" panose="020B0609020204030204" pitchFamily="49" charset="0"/>
-              </a:rPr>
-              <a:t> </a:t>
-            </a:r>
-            <a:r>
-              <a:rPr lang="en-GB" sz="1600" dirty="0">
-                <a:solidFill>
-                  <a:schemeClr val="tx1"/>
-                </a:solidFill>
-                <a:latin typeface="Consolas" panose="020B0609020204030204" pitchFamily="49" charset="0"/>
-              </a:rPr>
-              <a:t>U</a:t>
-            </a:r>
-            <a:r>
-              <a:rPr lang="en-GB" sz="1600" b="0" dirty="0">
-                <a:solidFill>
-                  <a:schemeClr val="tx1"/>
-                </a:solidFill>
-                <a:effectLst/>
-                <a:latin typeface="Consolas" panose="020B0609020204030204" pitchFamily="49" charset="0"/>
-              </a:rPr>
-              <a:t>se nearest neighbour sequence in the table that matches the actual sequence of human actions.</a:t>
-            </a:r>
-          </a:p>
-          <a:p>
-            <a:pPr>
-              <a:buFont typeface="Wingdings" panose="05000000000000000000" pitchFamily="2" charset="2"/>
-              <a:buChar char="Ø"/>
-            </a:pPr>
-            <a:endParaRPr lang="en-GB" b="0" dirty="0">
-              <a:solidFill>
-                <a:schemeClr val="tx1"/>
-              </a:solidFill>
-              <a:effectLst/>
-              <a:latin typeface="Consolas" panose="020B0609020204030204" pitchFamily="49" charset="0"/>
-            </a:endParaRPr>
-          </a:p>
-          <a:p>
-            <a:pPr marL="457200" indent="-457200">
-              <a:buFont typeface="+mj-lt"/>
-              <a:buAutoNum type="arabicPeriod"/>
-            </a:pPr>
-            <a:endParaRPr lang="en-GB" dirty="0"/>
-          </a:p>
-        </p:txBody>
-      </p:sp>
-      <p:sp>
-        <p:nvSpPr>
-          <p:cNvPr id="4" name="Text Placeholder 3">
+            <a:r>
+              <a:rPr lang="en-GB" sz="3600" dirty="0"/>
+              <a:t>Definition of </a:t>
+            </a:r>
+            <a:r>
+              <a:rPr lang="en-GB" sz="3600" b="1" dirty="0"/>
+              <a:t>Anticipation</a:t>
+            </a:r>
+          </a:p>
+        </p:txBody>
+      </p:sp>
+      <p:sp>
+        <p:nvSpPr>
+          <p:cNvPr id="3" name="Content Placeholder 2">
             <a:extLst>
               <a:ext uri="{FF2B5EF4-FFF2-40B4-BE49-F238E27FC236}">
-                <a16:creationId xmlns:a16="http://schemas.microsoft.com/office/drawing/2014/main" id="{6869DBAF-3AEA-5715-55CA-9D0C04EDF4F6}"/>
+                <a16:creationId xmlns:a16="http://schemas.microsoft.com/office/drawing/2014/main" id="{D290DAF7-6C66-7380-67B4-886414CC38DC}"/>
               </a:ext>
             </a:extLst>
           </p:cNvPr>
@@ -3970,13 +4183,13 @@
             <a:spLocks noGrp="1"/>
           </p:cNvSpPr>
           <p:nvPr>
-            <p:ph type="body" sz="half" idx="2"/>
+            <p:ph idx="1"/>
           </p:nvPr>
         </p:nvSpPr>
         <p:spPr>
           <a:xfrm>
-            <a:off x="643466" y="3796943"/>
-            <a:ext cx="3517567" cy="2274674"/>
+            <a:off x="1097280" y="2108201"/>
+            <a:ext cx="10058400" cy="4265966"/>
           </a:xfrm>
         </p:spPr>
         <p:txBody>
@@ -3985,83 +4198,284 @@
           </a:bodyPr>
           <a:lstStyle/>
           <a:p>
-            <a:r>
-              <a:rPr lang="en-GB" sz="1600" dirty="0"/>
-              <a:t>Authors: Guilherme Maeda, Aayush </a:t>
-            </a:r>
-            <a:r>
-              <a:rPr lang="en-GB" sz="1600" dirty="0" err="1"/>
-              <a:t>Maloo</a:t>
-            </a:r>
-            <a:r>
-              <a:rPr lang="en-GB" sz="1600" dirty="0"/>
-              <a:t>, Marco </a:t>
-            </a:r>
-            <a:r>
-              <a:rPr lang="en-GB" sz="1600" dirty="0" err="1"/>
-              <a:t>Ewerton</a:t>
-            </a:r>
-            <a:r>
-              <a:rPr lang="en-GB" sz="1600" dirty="0"/>
-              <a:t>, Rudolf </a:t>
-            </a:r>
-            <a:r>
-              <a:rPr lang="en-GB" sz="1600" dirty="0" err="1"/>
-              <a:t>Lioutikov</a:t>
-            </a:r>
-            <a:r>
-              <a:rPr lang="en-GB" sz="1600" dirty="0"/>
-              <a:t>, Jan Peters</a:t>
-            </a:r>
-          </a:p>
-          <a:p>
-            <a:r>
-              <a:rPr lang="en-GB" sz="1600" dirty="0"/>
-              <a:t>Publisher: AAAI Fall Symposium - Technical Report</a:t>
-            </a:r>
-          </a:p>
-          <a:p>
-            <a:r>
-              <a:rPr lang="en-GB" sz="1600" dirty="0"/>
-              <a:t>Year: 2016</a:t>
-            </a:r>
-          </a:p>
-        </p:txBody>
-      </p:sp>
-      <p:pic>
-        <p:nvPicPr>
-          <p:cNvPr id="6" name="Picture 5">
+            <a:pPr algn="l"/>
+            <a:r>
+              <a:rPr lang="en-GB" sz="1600" b="1" dirty="0">
+                <a:latin typeface="Consolas" panose="020B0609020204030204" pitchFamily="49" charset="0"/>
+              </a:rPr>
+              <a:t>A</a:t>
+            </a:r>
+            <a:r>
+              <a:rPr lang="en-GB" sz="1600" b="1" i="0" u="none" strike="noStrike" baseline="0" dirty="0">
+                <a:latin typeface="Consolas" panose="020B0609020204030204" pitchFamily="49" charset="0"/>
+              </a:rPr>
+              <a:t>nticipatory </a:t>
+            </a:r>
+            <a:r>
+              <a:rPr lang="en-GB" sz="1600" b="1" dirty="0">
+                <a:latin typeface="Consolas" panose="020B0609020204030204" pitchFamily="49" charset="0"/>
+              </a:rPr>
+              <a:t>S</a:t>
+            </a:r>
+            <a:r>
+              <a:rPr lang="en-GB" sz="1600" b="1" i="0" u="none" strike="noStrike" baseline="0" dirty="0">
+                <a:latin typeface="Consolas" panose="020B0609020204030204" pitchFamily="49" charset="0"/>
+              </a:rPr>
+              <a:t>ystem: </a:t>
+            </a:r>
+            <a:r>
+              <a:rPr lang="en-GB" sz="1600" b="0" i="0" u="none" strike="noStrike" baseline="0" dirty="0">
+                <a:latin typeface="Consolas" panose="020B0609020204030204" pitchFamily="49" charset="0"/>
+              </a:rPr>
+              <a:t>“a system containing a predictive model of itself and/or of its environment, which allows it to change state at an instant in accord with the model’s predictions pertaining to a later instant”</a:t>
+            </a:r>
+          </a:p>
+          <a:p>
+            <a:pPr algn="l"/>
+            <a:endParaRPr lang="en-GB" sz="1800" dirty="0">
+              <a:latin typeface="Consolas" panose="020B0609020204030204" pitchFamily="49" charset="0"/>
+            </a:endParaRPr>
+          </a:p>
+          <a:p>
+            <a:pPr algn="l"/>
+            <a:endParaRPr lang="en-GB" sz="1800" b="0" i="0" u="none" strike="noStrike" baseline="0" dirty="0">
+              <a:latin typeface="Consolas" panose="020B0609020204030204" pitchFamily="49" charset="0"/>
+            </a:endParaRPr>
+          </a:p>
+          <a:p>
+            <a:pPr algn="l"/>
+            <a:endParaRPr lang="en-GB" sz="1800" dirty="0">
+              <a:latin typeface="Consolas" panose="020B0609020204030204" pitchFamily="49" charset="0"/>
+            </a:endParaRPr>
+          </a:p>
+          <a:p>
+            <a:pPr algn="l"/>
+            <a:endParaRPr lang="en-GB" sz="1800" b="0" i="0" u="none" strike="noStrike" baseline="0" dirty="0">
+              <a:latin typeface="Consolas" panose="020B0609020204030204" pitchFamily="49" charset="0"/>
+            </a:endParaRPr>
+          </a:p>
+          <a:p>
+            <a:pPr marL="0" indent="0" algn="l">
+              <a:buNone/>
+            </a:pPr>
+            <a:endParaRPr lang="en-GB" sz="1800" b="0" i="0" u="none" strike="noStrike" baseline="0" dirty="0">
+              <a:latin typeface="Consolas" panose="020B0609020204030204" pitchFamily="49" charset="0"/>
+            </a:endParaRPr>
+          </a:p>
+          <a:p>
+            <a:pPr algn="r"/>
+            <a:r>
+              <a:rPr lang="en-GB" sz="1100" b="0" i="0" u="none" strike="noStrike" baseline="0" dirty="0">
+                <a:latin typeface="Consolas" panose="020B0609020204030204" pitchFamily="49" charset="0"/>
+              </a:rPr>
+              <a:t>“Anticipation in Robotics”, 2018</a:t>
+            </a:r>
+          </a:p>
+        </p:txBody>
+      </p:sp>
+      <p:sp>
+        <p:nvSpPr>
+          <p:cNvPr id="4" name="Arrow: Down 3">
             <a:extLst>
               <a:ext uri="{FF2B5EF4-FFF2-40B4-BE49-F238E27FC236}">
-                <a16:creationId xmlns:a16="http://schemas.microsoft.com/office/drawing/2014/main" id="{9DDD0601-52BD-C6C1-E5E3-EBB24F881375}"/>
+                <a16:creationId xmlns:a16="http://schemas.microsoft.com/office/drawing/2014/main" id="{8F833DB6-905E-3E01-C577-8BAE0DE030C1}"/>
               </a:ext>
             </a:extLst>
           </p:cNvPr>
-          <p:cNvPicPr>
-            <a:picLocks noChangeAspect="1"/>
-          </p:cNvPicPr>
+          <p:cNvSpPr/>
           <p:nvPr/>
-        </p:nvPicPr>
-        <p:blipFill>
-          <a:blip r:embed="rId2"/>
-          <a:stretch>
-            <a:fillRect/>
-          </a:stretch>
-        </p:blipFill>
+        </p:nvSpPr>
         <p:spPr>
           <a:xfrm>
-            <a:off x="5204423" y="4134182"/>
-            <a:ext cx="6437466" cy="2455298"/>
+            <a:off x="3156010" y="3107182"/>
+            <a:ext cx="532660" cy="568171"/>
+          </a:xfrm>
+          <a:prstGeom prst="downArrow">
+            <a:avLst/>
+          </a:prstGeom>
+        </p:spPr>
+        <p:style>
+          <a:lnRef idx="2">
+            <a:schemeClr val="accent1">
+              <a:shade val="50000"/>
+            </a:schemeClr>
+          </a:lnRef>
+          <a:fillRef idx="1">
+            <a:schemeClr val="accent1"/>
+          </a:fillRef>
+          <a:effectRef idx="0">
+            <a:schemeClr val="accent1"/>
+          </a:effectRef>
+          <a:fontRef idx="minor">
+            <a:schemeClr val="lt1"/>
+          </a:fontRef>
+        </p:style>
+        <p:txBody>
+          <a:bodyPr rtlCol="0" anchor="ctr"/>
+          <a:lstStyle/>
+          <a:p>
+            <a:pPr algn="ctr"/>
+            <a:endParaRPr lang="en-GB"/>
+          </a:p>
+        </p:txBody>
+      </p:sp>
+      <p:sp>
+        <p:nvSpPr>
+          <p:cNvPr id="5" name="Arrow: Down 4">
+            <a:extLst>
+              <a:ext uri="{FF2B5EF4-FFF2-40B4-BE49-F238E27FC236}">
+                <a16:creationId xmlns:a16="http://schemas.microsoft.com/office/drawing/2014/main" id="{B714DD7B-DC34-98D6-D8B0-46ECCAE515D1}"/>
+              </a:ext>
+            </a:extLst>
+          </p:cNvPr>
+          <p:cNvSpPr/>
+          <p:nvPr/>
+        </p:nvSpPr>
+        <p:spPr>
+          <a:xfrm>
+            <a:off x="8503330" y="3107182"/>
+            <a:ext cx="532660" cy="568171"/>
+          </a:xfrm>
+          <a:prstGeom prst="downArrow">
+            <a:avLst/>
+          </a:prstGeom>
+        </p:spPr>
+        <p:style>
+          <a:lnRef idx="2">
+            <a:schemeClr val="accent1">
+              <a:shade val="50000"/>
+            </a:schemeClr>
+          </a:lnRef>
+          <a:fillRef idx="1">
+            <a:schemeClr val="accent1"/>
+          </a:fillRef>
+          <a:effectRef idx="0">
+            <a:schemeClr val="accent1"/>
+          </a:effectRef>
+          <a:fontRef idx="minor">
+            <a:schemeClr val="lt1"/>
+          </a:fontRef>
+        </p:style>
+        <p:txBody>
+          <a:bodyPr rtlCol="0" anchor="ctr"/>
+          <a:lstStyle/>
+          <a:p>
+            <a:pPr algn="ctr"/>
+            <a:endParaRPr lang="en-GB"/>
+          </a:p>
+        </p:txBody>
+      </p:sp>
+      <p:sp>
+        <p:nvSpPr>
+          <p:cNvPr id="6" name="TextBox 5">
+            <a:extLst>
+              <a:ext uri="{FF2B5EF4-FFF2-40B4-BE49-F238E27FC236}">
+                <a16:creationId xmlns:a16="http://schemas.microsoft.com/office/drawing/2014/main" id="{51C013DE-598A-254B-31A0-809123C19481}"/>
+              </a:ext>
+            </a:extLst>
+          </p:cNvPr>
+          <p:cNvSpPr txBox="1"/>
+          <p:nvPr/>
+        </p:nvSpPr>
+        <p:spPr>
+          <a:xfrm>
+            <a:off x="1544712" y="3790521"/>
+            <a:ext cx="3755255" cy="830997"/>
           </a:xfrm>
           <a:prstGeom prst="rect">
             <a:avLst/>
           </a:prstGeom>
+          <a:noFill/>
         </p:spPr>
-      </p:pic>
+        <p:txBody>
+          <a:bodyPr wrap="square" rtlCol="0">
+            <a:spAutoFit/>
+          </a:bodyPr>
+          <a:lstStyle/>
+          <a:p>
+            <a:pPr algn="ctr"/>
+            <a:r>
+              <a:rPr lang="en-GB" sz="1600" dirty="0">
+                <a:latin typeface="Consolas" panose="020B0609020204030204" pitchFamily="49" charset="0"/>
+                <a:ea typeface="Cambria" panose="02040503050406030204" pitchFamily="18" charset="0"/>
+              </a:rPr>
+              <a:t>“robots can use anticipation to learn how to control their own bodies”</a:t>
+            </a:r>
+          </a:p>
+        </p:txBody>
+      </p:sp>
+      <p:sp>
+        <p:nvSpPr>
+          <p:cNvPr id="7" name="TextBox 6">
+            <a:extLst>
+              <a:ext uri="{FF2B5EF4-FFF2-40B4-BE49-F238E27FC236}">
+                <a16:creationId xmlns:a16="http://schemas.microsoft.com/office/drawing/2014/main" id="{AF61D10A-27DA-E5E1-C7B1-A276758377B2}"/>
+              </a:ext>
+            </a:extLst>
+          </p:cNvPr>
+          <p:cNvSpPr txBox="1"/>
+          <p:nvPr/>
+        </p:nvSpPr>
+        <p:spPr>
+          <a:xfrm>
+            <a:off x="6892034" y="3790521"/>
+            <a:ext cx="3755255" cy="1569660"/>
+          </a:xfrm>
+          <a:prstGeom prst="rect">
+            <a:avLst/>
+          </a:prstGeom>
+          <a:noFill/>
+        </p:spPr>
+        <p:txBody>
+          <a:bodyPr wrap="square" rtlCol="0">
+            <a:spAutoFit/>
+          </a:bodyPr>
+          <a:lstStyle/>
+          <a:p>
+            <a:pPr algn="ctr"/>
+            <a:r>
+              <a:rPr lang="en-GB" sz="1600" dirty="0">
+                <a:latin typeface="Consolas" panose="020B0609020204030204" pitchFamily="49" charset="0"/>
+                <a:ea typeface="Cambria" panose="02040503050406030204" pitchFamily="18" charset="0"/>
+              </a:rPr>
+              <a:t>“robots can use anticipation to predict the behaviour of themselves interacting with others, and hence demonstrate improved safety, or simple ethical behaviours”</a:t>
+            </a:r>
+          </a:p>
+        </p:txBody>
+      </p:sp>
+      <p:sp>
+        <p:nvSpPr>
+          <p:cNvPr id="9" name="Slide Number Placeholder 8">
+            <a:extLst>
+              <a:ext uri="{FF2B5EF4-FFF2-40B4-BE49-F238E27FC236}">
+                <a16:creationId xmlns:a16="http://schemas.microsoft.com/office/drawing/2014/main" id="{E70F163C-B4A9-6336-D9C4-4A6E3729A3D5}"/>
+              </a:ext>
+            </a:extLst>
+          </p:cNvPr>
+          <p:cNvSpPr>
+            <a:spLocks noGrp="1"/>
+          </p:cNvSpPr>
+          <p:nvPr>
+            <p:ph type="sldNum" sz="quarter" idx="12"/>
+          </p:nvPr>
+        </p:nvSpPr>
+        <p:spPr/>
+        <p:txBody>
+          <a:bodyPr/>
+          <a:lstStyle/>
+          <a:p>
+            <a:fld id="{3A98EE3D-8CD1-4C3F-BD1C-C98C9596463C}" type="slidenum">
+              <a:rPr lang="en-US" smtClean="0"/>
+              <a:t>2</a:t>
+            </a:fld>
+            <a:endParaRPr lang="en-US" dirty="0"/>
+          </a:p>
+        </p:txBody>
+      </p:sp>
     </p:spTree>
     <p:extLst>
       <p:ext uri="{BB962C8B-B14F-4D97-AF65-F5344CB8AC3E}">
-        <p14:creationId xmlns:p14="http://schemas.microsoft.com/office/powerpoint/2010/main" val="2434270604"/>
+        <p14:creationId xmlns:p14="http://schemas.microsoft.com/office/powerpoint/2010/main" val="4021892446"/>
       </p:ext>
     </p:extLst>
   </p:cSld>
@@ -4093,6 +4507,562 @@
           <p:cNvPr id="2" name="Title 1">
             <a:extLst>
               <a:ext uri="{FF2B5EF4-FFF2-40B4-BE49-F238E27FC236}">
+                <a16:creationId xmlns:a16="http://schemas.microsoft.com/office/drawing/2014/main" id="{A9E51AAB-85D1-C3EF-2C68-3FE363E654C4}"/>
+              </a:ext>
+            </a:extLst>
+          </p:cNvPr>
+          <p:cNvSpPr>
+            <a:spLocks noGrp="1"/>
+          </p:cNvSpPr>
+          <p:nvPr>
+            <p:ph type="title"/>
+          </p:nvPr>
+        </p:nvSpPr>
+        <p:spPr/>
+        <p:txBody>
+          <a:bodyPr>
+            <a:normAutofit/>
+          </a:bodyPr>
+          <a:lstStyle/>
+          <a:p>
+            <a:r>
+              <a:rPr lang="en-GB" sz="3600" dirty="0"/>
+              <a:t>Action </a:t>
+            </a:r>
+            <a:r>
+              <a:rPr lang="en-GB" sz="3600" b="1" dirty="0"/>
+              <a:t>Recognition</a:t>
+            </a:r>
+            <a:r>
+              <a:rPr lang="en-GB" sz="3600" dirty="0"/>
+              <a:t> vs Action </a:t>
+            </a:r>
+            <a:r>
+              <a:rPr lang="en-GB" sz="3600" b="1" dirty="0"/>
+              <a:t>Anticipation</a:t>
+            </a:r>
+          </a:p>
+        </p:txBody>
+      </p:sp>
+      <p:sp>
+        <p:nvSpPr>
+          <p:cNvPr id="3" name="Content Placeholder 2">
+            <a:extLst>
+              <a:ext uri="{FF2B5EF4-FFF2-40B4-BE49-F238E27FC236}">
+                <a16:creationId xmlns:a16="http://schemas.microsoft.com/office/drawing/2014/main" id="{D290DAF7-6C66-7380-67B4-886414CC38DC}"/>
+              </a:ext>
+            </a:extLst>
+          </p:cNvPr>
+          <p:cNvSpPr>
+            <a:spLocks noGrp="1"/>
+          </p:cNvSpPr>
+          <p:nvPr>
+            <p:ph idx="1"/>
+          </p:nvPr>
+        </p:nvSpPr>
+        <p:spPr/>
+        <p:txBody>
+          <a:bodyPr>
+            <a:normAutofit/>
+          </a:bodyPr>
+          <a:lstStyle/>
+          <a:p>
+            <a:pPr algn="l"/>
+            <a:r>
+              <a:rPr lang="en-GB" sz="1600" b="1" dirty="0">
+                <a:latin typeface="Consolas" panose="020B0609020204030204" pitchFamily="49" charset="0"/>
+              </a:rPr>
+              <a:t>A</a:t>
+            </a:r>
+            <a:r>
+              <a:rPr lang="en-GB" sz="1600" b="1" i="0" u="none" strike="noStrike" baseline="0" dirty="0">
+                <a:latin typeface="Consolas" panose="020B0609020204030204" pitchFamily="49" charset="0"/>
+              </a:rPr>
+              <a:t>ction </a:t>
+            </a:r>
+            <a:r>
+              <a:rPr lang="en-GB" sz="1600" b="1" dirty="0">
+                <a:latin typeface="Consolas" panose="020B0609020204030204" pitchFamily="49" charset="0"/>
+              </a:rPr>
+              <a:t>R</a:t>
+            </a:r>
+            <a:r>
+              <a:rPr lang="en-GB" sz="1600" b="1" i="0" u="none" strike="noStrike" baseline="0" dirty="0">
+                <a:latin typeface="Consolas" panose="020B0609020204030204" pitchFamily="49" charset="0"/>
+              </a:rPr>
+              <a:t>ecognition: </a:t>
+            </a:r>
+            <a:r>
+              <a:rPr lang="en-GB" sz="1600" b="0" i="0" u="none" strike="noStrike" baseline="0" dirty="0">
+                <a:latin typeface="Consolas" panose="020B0609020204030204" pitchFamily="49" charset="0"/>
+              </a:rPr>
+              <a:t>“uses</a:t>
+            </a:r>
+            <a:r>
+              <a:rPr lang="en-GB" sz="1600" dirty="0">
+                <a:latin typeface="Consolas" panose="020B0609020204030204" pitchFamily="49" charset="0"/>
+              </a:rPr>
+              <a:t> </a:t>
+            </a:r>
+            <a:r>
+              <a:rPr lang="en-GB" sz="1600" b="0" i="0" u="none" strike="noStrike" baseline="0" dirty="0">
+                <a:latin typeface="Consolas" panose="020B0609020204030204" pitchFamily="49" charset="0"/>
+              </a:rPr>
+              <a:t>an entire sequence of information, which represents one performed action, to associate the observed action to one possible action class”</a:t>
+            </a:r>
+            <a:endParaRPr lang="en-GB" sz="1600" dirty="0">
+              <a:latin typeface="Consolas" panose="020B0609020204030204" pitchFamily="49" charset="0"/>
+            </a:endParaRPr>
+          </a:p>
+          <a:p>
+            <a:pPr algn="l"/>
+            <a:r>
+              <a:rPr lang="en-GB" sz="1600" b="1" i="0" u="none" strike="noStrike" baseline="0" dirty="0">
+                <a:latin typeface="Consolas" panose="020B0609020204030204" pitchFamily="49" charset="0"/>
+              </a:rPr>
+              <a:t>Action Anticipation: </a:t>
+            </a:r>
+            <a:r>
+              <a:rPr lang="en-GB" sz="1600" dirty="0">
+                <a:latin typeface="Consolas" panose="020B0609020204030204" pitchFamily="49" charset="0"/>
+              </a:rPr>
+              <a:t>“</a:t>
+            </a:r>
+            <a:r>
+              <a:rPr lang="en-GB" sz="1600" b="0" i="0" u="none" strike="noStrike" baseline="0" dirty="0">
+                <a:latin typeface="Consolas" panose="020B0609020204030204" pitchFamily="49" charset="0"/>
+              </a:rPr>
+              <a:t>classifying an action even before it occurs, by using the partial information provided up to a certain moment in time”</a:t>
+            </a:r>
+          </a:p>
+          <a:p>
+            <a:pPr algn="r"/>
+            <a:r>
+              <a:rPr lang="en-GB" sz="1100" dirty="0">
+                <a:latin typeface="Consolas" panose="020B0609020204030204" pitchFamily="49" charset="0"/>
+              </a:rPr>
+              <a:t>“Action anticipation for collaborative environments: The impact of contextual information and uncertainty-based prediction”, 2021</a:t>
+            </a:r>
+          </a:p>
+        </p:txBody>
+      </p:sp>
+      <p:sp>
+        <p:nvSpPr>
+          <p:cNvPr id="5" name="Slide Number Placeholder 4">
+            <a:extLst>
+              <a:ext uri="{FF2B5EF4-FFF2-40B4-BE49-F238E27FC236}">
+                <a16:creationId xmlns:a16="http://schemas.microsoft.com/office/drawing/2014/main" id="{7FB2A790-2A49-E070-1469-F550AF06DE8F}"/>
+              </a:ext>
+            </a:extLst>
+          </p:cNvPr>
+          <p:cNvSpPr>
+            <a:spLocks noGrp="1"/>
+          </p:cNvSpPr>
+          <p:nvPr>
+            <p:ph type="sldNum" sz="quarter" idx="12"/>
+          </p:nvPr>
+        </p:nvSpPr>
+        <p:spPr/>
+        <p:txBody>
+          <a:bodyPr/>
+          <a:lstStyle/>
+          <a:p>
+            <a:fld id="{3A98EE3D-8CD1-4C3F-BD1C-C98C9596463C}" type="slidenum">
+              <a:rPr lang="en-US" smtClean="0"/>
+              <a:t>3</a:t>
+            </a:fld>
+            <a:endParaRPr lang="en-US" dirty="0"/>
+          </a:p>
+        </p:txBody>
+      </p:sp>
+    </p:spTree>
+    <p:extLst>
+      <p:ext uri="{BB962C8B-B14F-4D97-AF65-F5344CB8AC3E}">
+        <p14:creationId xmlns:p14="http://schemas.microsoft.com/office/powerpoint/2010/main" val="349328937"/>
+      </p:ext>
+    </p:extLst>
+  </p:cSld>
+  <p:clrMapOvr>
+    <a:masterClrMapping/>
+  </p:clrMapOvr>
+</p:sld>
+</file>
+
+<file path=ppt/slides/slide4.xml><?xml version="1.0" encoding="utf-8"?>
+<p:sld xmlns:a="http://schemas.openxmlformats.org/drawingml/2006/main" xmlns:r="http://schemas.openxmlformats.org/officeDocument/2006/relationships" xmlns:p="http://schemas.openxmlformats.org/presentationml/2006/main">
+  <p:cSld>
+    <p:spTree>
+      <p:nvGrpSpPr>
+        <p:cNvPr id="1" name=""/>
+        <p:cNvGrpSpPr/>
+        <p:nvPr/>
+      </p:nvGrpSpPr>
+      <p:grpSpPr>
+        <a:xfrm>
+          <a:off x="0" y="0"/>
+          <a:ext cx="0" cy="0"/>
+          <a:chOff x="0" y="0"/>
+          <a:chExt cx="0" cy="0"/>
+        </a:xfrm>
+      </p:grpSpPr>
+      <p:sp>
+        <p:nvSpPr>
+          <p:cNvPr id="2" name="Title 1">
+            <a:extLst>
+              <a:ext uri="{FF2B5EF4-FFF2-40B4-BE49-F238E27FC236}">
+                <a16:creationId xmlns:a16="http://schemas.microsoft.com/office/drawing/2014/main" id="{5542C2D8-2864-205C-3DFE-B82FABC53E63}"/>
+              </a:ext>
+            </a:extLst>
+          </p:cNvPr>
+          <p:cNvSpPr>
+            <a:spLocks noGrp="1"/>
+          </p:cNvSpPr>
+          <p:nvPr>
+            <p:ph type="title"/>
+          </p:nvPr>
+        </p:nvSpPr>
+        <p:spPr>
+          <a:xfrm>
+            <a:off x="643466" y="786383"/>
+            <a:ext cx="3517567" cy="2642617"/>
+          </a:xfrm>
+        </p:spPr>
+        <p:txBody>
+          <a:bodyPr>
+            <a:noAutofit/>
+          </a:bodyPr>
+          <a:lstStyle/>
+          <a:p>
+            <a:r>
+              <a:rPr lang="en-GB" sz="2400" dirty="0"/>
+              <a:t>Anticipative interaction primitives for human-robot collaboration</a:t>
+            </a:r>
+          </a:p>
+        </p:txBody>
+      </p:sp>
+      <p:sp>
+        <p:nvSpPr>
+          <p:cNvPr id="3" name="Content Placeholder 2">
+            <a:extLst>
+              <a:ext uri="{FF2B5EF4-FFF2-40B4-BE49-F238E27FC236}">
+                <a16:creationId xmlns:a16="http://schemas.microsoft.com/office/drawing/2014/main" id="{98918E28-0EAA-F8BC-0A2A-8C51BCAA7EF4}"/>
+              </a:ext>
+            </a:extLst>
+          </p:cNvPr>
+          <p:cNvSpPr>
+            <a:spLocks noGrp="1"/>
+          </p:cNvSpPr>
+          <p:nvPr>
+            <p:ph idx="1"/>
+          </p:nvPr>
+        </p:nvSpPr>
+        <p:spPr>
+          <a:xfrm>
+            <a:off x="5378380" y="786383"/>
+            <a:ext cx="6170153" cy="4093524"/>
+          </a:xfrm>
+        </p:spPr>
+        <p:txBody>
+          <a:bodyPr>
+            <a:normAutofit/>
+          </a:bodyPr>
+          <a:lstStyle/>
+          <a:p>
+            <a:pPr>
+              <a:buFont typeface="Wingdings" panose="05000000000000000000" pitchFamily="2" charset="2"/>
+              <a:buChar char="Ø"/>
+            </a:pPr>
+            <a:r>
+              <a:rPr lang="en-GB" sz="1600" b="0" dirty="0">
+                <a:solidFill>
+                  <a:schemeClr val="tx1"/>
+                </a:solidFill>
+                <a:effectLst/>
+                <a:latin typeface="Consolas" panose="020B0609020204030204" pitchFamily="49" charset="0"/>
+              </a:rPr>
+              <a:t> The robot should decide whether to hand over a screw or a plate and which plate;</a:t>
+            </a:r>
+          </a:p>
+          <a:p>
+            <a:pPr>
+              <a:buFont typeface="Wingdings" panose="05000000000000000000" pitchFamily="2" charset="2"/>
+              <a:buChar char="Ø"/>
+            </a:pPr>
+            <a:r>
+              <a:rPr lang="en-GB" sz="1600" b="0" dirty="0">
+                <a:solidFill>
+                  <a:schemeClr val="tx1"/>
+                </a:solidFill>
+                <a:effectLst/>
+                <a:latin typeface="Consolas" panose="020B0609020204030204" pitchFamily="49" charset="0"/>
+              </a:rPr>
+              <a:t> A camera is used and the user has a optical marker on the hand;</a:t>
+            </a:r>
+          </a:p>
+          <a:p>
+            <a:pPr>
+              <a:buFont typeface="Wingdings" panose="05000000000000000000" pitchFamily="2" charset="2"/>
+              <a:buChar char="Ø"/>
+            </a:pPr>
+            <a:r>
+              <a:rPr lang="en-GB" sz="1600" b="0" dirty="0">
+                <a:solidFill>
+                  <a:schemeClr val="tx1"/>
+                </a:solidFill>
+                <a:effectLst/>
+                <a:latin typeface="Consolas" panose="020B0609020204030204" pitchFamily="49" charset="0"/>
+              </a:rPr>
+              <a:t> As the experience with a given user grows, it learns the pattern in which the parts are being assembled;</a:t>
+            </a:r>
+          </a:p>
+          <a:p>
+            <a:pPr>
+              <a:buFont typeface="Wingdings" panose="05000000000000000000" pitchFamily="2" charset="2"/>
+              <a:buChar char="Ø"/>
+            </a:pPr>
+            <a:r>
+              <a:rPr lang="en-GB" sz="1600" dirty="0">
+                <a:solidFill>
+                  <a:schemeClr val="tx1"/>
+                </a:solidFill>
+                <a:latin typeface="Consolas" panose="020B0609020204030204" pitchFamily="49" charset="0"/>
+              </a:rPr>
+              <a:t> U</a:t>
+            </a:r>
+            <a:r>
+              <a:rPr lang="en-GB" sz="1600" b="0" dirty="0">
+                <a:solidFill>
+                  <a:schemeClr val="tx1"/>
+                </a:solidFill>
+                <a:effectLst/>
+                <a:latin typeface="Consolas" panose="020B0609020204030204" pitchFamily="49" charset="0"/>
+              </a:rPr>
+              <a:t>se a lookup table containing variations of assembly sequences, previously demonstrated by different users;</a:t>
+            </a:r>
+          </a:p>
+          <a:p>
+            <a:pPr>
+              <a:buFont typeface="Wingdings" panose="05000000000000000000" pitchFamily="2" charset="2"/>
+              <a:buChar char="Ø"/>
+            </a:pPr>
+            <a:r>
+              <a:rPr lang="en-GB" sz="1600" b="0" dirty="0">
+                <a:solidFill>
+                  <a:schemeClr val="tx1"/>
+                </a:solidFill>
+                <a:effectLst/>
+                <a:latin typeface="Consolas" panose="020B0609020204030204" pitchFamily="49" charset="0"/>
+              </a:rPr>
+              <a:t> </a:t>
+            </a:r>
+            <a:r>
+              <a:rPr lang="en-GB" sz="1600" dirty="0">
+                <a:solidFill>
+                  <a:schemeClr val="tx1"/>
+                </a:solidFill>
+                <a:latin typeface="Consolas" panose="020B0609020204030204" pitchFamily="49" charset="0"/>
+              </a:rPr>
+              <a:t>U</a:t>
+            </a:r>
+            <a:r>
+              <a:rPr lang="en-GB" sz="1600" b="0" dirty="0">
+                <a:solidFill>
+                  <a:schemeClr val="tx1"/>
+                </a:solidFill>
+                <a:effectLst/>
+                <a:latin typeface="Consolas" panose="020B0609020204030204" pitchFamily="49" charset="0"/>
+              </a:rPr>
+              <a:t>se nearest neighbour sequence in the table that matches the actual sequence of human actions.</a:t>
+            </a:r>
+          </a:p>
+          <a:p>
+            <a:pPr>
+              <a:buFont typeface="Wingdings" panose="05000000000000000000" pitchFamily="2" charset="2"/>
+              <a:buChar char="Ø"/>
+            </a:pPr>
+            <a:endParaRPr lang="en-GB" b="0" dirty="0">
+              <a:solidFill>
+                <a:schemeClr val="tx1"/>
+              </a:solidFill>
+              <a:effectLst/>
+              <a:latin typeface="Consolas" panose="020B0609020204030204" pitchFamily="49" charset="0"/>
+            </a:endParaRPr>
+          </a:p>
+          <a:p>
+            <a:pPr marL="457200" indent="-457200">
+              <a:buFont typeface="+mj-lt"/>
+              <a:buAutoNum type="arabicPeriod"/>
+            </a:pPr>
+            <a:endParaRPr lang="en-GB" dirty="0"/>
+          </a:p>
+        </p:txBody>
+      </p:sp>
+      <p:sp>
+        <p:nvSpPr>
+          <p:cNvPr id="4" name="Text Placeholder 3">
+            <a:extLst>
+              <a:ext uri="{FF2B5EF4-FFF2-40B4-BE49-F238E27FC236}">
+                <a16:creationId xmlns:a16="http://schemas.microsoft.com/office/drawing/2014/main" id="{6869DBAF-3AEA-5715-55CA-9D0C04EDF4F6}"/>
+              </a:ext>
+            </a:extLst>
+          </p:cNvPr>
+          <p:cNvSpPr>
+            <a:spLocks noGrp="1"/>
+          </p:cNvSpPr>
+          <p:nvPr>
+            <p:ph type="body" sz="half" idx="2"/>
+          </p:nvPr>
+        </p:nvSpPr>
+        <p:spPr>
+          <a:xfrm>
+            <a:off x="643466" y="3796943"/>
+            <a:ext cx="3517567" cy="2274674"/>
+          </a:xfrm>
+        </p:spPr>
+        <p:txBody>
+          <a:bodyPr>
+            <a:normAutofit/>
+          </a:bodyPr>
+          <a:lstStyle/>
+          <a:p>
+            <a:r>
+              <a:rPr lang="en-GB" sz="1600" dirty="0"/>
+              <a:t>Authors: Guilherme Maeda, Aayush </a:t>
+            </a:r>
+            <a:r>
+              <a:rPr lang="en-GB" sz="1600" dirty="0" err="1"/>
+              <a:t>Maloo</a:t>
+            </a:r>
+            <a:r>
+              <a:rPr lang="en-GB" sz="1600" dirty="0"/>
+              <a:t>, Marco </a:t>
+            </a:r>
+            <a:r>
+              <a:rPr lang="en-GB" sz="1600" dirty="0" err="1"/>
+              <a:t>Ewerton</a:t>
+            </a:r>
+            <a:r>
+              <a:rPr lang="en-GB" sz="1600" dirty="0"/>
+              <a:t>, Rudolf </a:t>
+            </a:r>
+            <a:r>
+              <a:rPr lang="en-GB" sz="1600" dirty="0" err="1"/>
+              <a:t>Lioutikov</a:t>
+            </a:r>
+            <a:r>
+              <a:rPr lang="en-GB" sz="1600" dirty="0"/>
+              <a:t>, Jan Peters</a:t>
+            </a:r>
+          </a:p>
+          <a:p>
+            <a:r>
+              <a:rPr lang="en-GB" sz="1600" dirty="0"/>
+              <a:t>Publisher: AAAI Fall Symposium - Technical Report</a:t>
+            </a:r>
+          </a:p>
+          <a:p>
+            <a:r>
+              <a:rPr lang="en-GB" sz="1600" dirty="0"/>
+              <a:t>Year: 2016</a:t>
+            </a:r>
+          </a:p>
+        </p:txBody>
+      </p:sp>
+      <p:pic>
+        <p:nvPicPr>
+          <p:cNvPr id="6" name="Picture 5">
+            <a:extLst>
+              <a:ext uri="{FF2B5EF4-FFF2-40B4-BE49-F238E27FC236}">
+                <a16:creationId xmlns:a16="http://schemas.microsoft.com/office/drawing/2014/main" id="{9DDD0601-52BD-C6C1-E5E3-EBB24F881375}"/>
+              </a:ext>
+            </a:extLst>
+          </p:cNvPr>
+          <p:cNvPicPr>
+            <a:picLocks noChangeAspect="1"/>
+          </p:cNvPicPr>
+          <p:nvPr/>
+        </p:nvPicPr>
+        <p:blipFill>
+          <a:blip r:embed="rId2"/>
+          <a:stretch>
+            <a:fillRect/>
+          </a:stretch>
+        </p:blipFill>
+        <p:spPr>
+          <a:xfrm>
+            <a:off x="5418680" y="4284633"/>
+            <a:ext cx="6089551" cy="2322601"/>
+          </a:xfrm>
+          <a:prstGeom prst="rect">
+            <a:avLst/>
+          </a:prstGeom>
+        </p:spPr>
+      </p:pic>
+      <p:sp>
+        <p:nvSpPr>
+          <p:cNvPr id="7" name="Slide Number Placeholder 6">
+            <a:extLst>
+              <a:ext uri="{FF2B5EF4-FFF2-40B4-BE49-F238E27FC236}">
+                <a16:creationId xmlns:a16="http://schemas.microsoft.com/office/drawing/2014/main" id="{DCC6FC4F-22DA-4881-F01C-C76A2BD848E1}"/>
+              </a:ext>
+            </a:extLst>
+          </p:cNvPr>
+          <p:cNvSpPr>
+            <a:spLocks noGrp="1"/>
+          </p:cNvSpPr>
+          <p:nvPr>
+            <p:ph type="sldNum" sz="quarter" idx="12"/>
+          </p:nvPr>
+        </p:nvSpPr>
+        <p:spPr/>
+        <p:txBody>
+          <a:bodyPr/>
+          <a:lstStyle/>
+          <a:p>
+            <a:fld id="{3A98EE3D-8CD1-4C3F-BD1C-C98C9596463C}" type="slidenum">
+              <a:rPr lang="en-US" smtClean="0"/>
+              <a:pPr/>
+              <a:t>4</a:t>
+            </a:fld>
+            <a:endParaRPr lang="en-US" dirty="0"/>
+          </a:p>
+        </p:txBody>
+      </p:sp>
+    </p:spTree>
+    <p:extLst>
+      <p:ext uri="{BB962C8B-B14F-4D97-AF65-F5344CB8AC3E}">
+        <p14:creationId xmlns:p14="http://schemas.microsoft.com/office/powerpoint/2010/main" val="2434270604"/>
+      </p:ext>
+    </p:extLst>
+  </p:cSld>
+  <p:clrMapOvr>
+    <a:masterClrMapping/>
+  </p:clrMapOvr>
+</p:sld>
+</file>
+
+<file path=ppt/slides/slide5.xml><?xml version="1.0" encoding="utf-8"?>
+<p:sld xmlns:a="http://schemas.openxmlformats.org/drawingml/2006/main" xmlns:r="http://schemas.openxmlformats.org/officeDocument/2006/relationships" xmlns:p="http://schemas.openxmlformats.org/presentationml/2006/main">
+  <p:cSld>
+    <p:spTree>
+      <p:nvGrpSpPr>
+        <p:cNvPr id="1" name=""/>
+        <p:cNvGrpSpPr/>
+        <p:nvPr/>
+      </p:nvGrpSpPr>
+      <p:grpSpPr>
+        <a:xfrm>
+          <a:off x="0" y="0"/>
+          <a:ext cx="0" cy="0"/>
+          <a:chOff x="0" y="0"/>
+          <a:chExt cx="0" cy="0"/>
+        </a:xfrm>
+      </p:grpSpPr>
+      <p:sp>
+        <p:nvSpPr>
+          <p:cNvPr id="2" name="Title 1">
+            <a:extLst>
+              <a:ext uri="{FF2B5EF4-FFF2-40B4-BE49-F238E27FC236}">
                 <a16:creationId xmlns:a16="http://schemas.microsoft.com/office/drawing/2014/main" id="{5542C2D8-2864-205C-3DFE-B82FABC53E63}"/>
               </a:ext>
             </a:extLst>
@@ -4249,7 +5219,7 @@
                 <a:effectLst/>
                 <a:latin typeface="Consolas" panose="020B0609020204030204" pitchFamily="49" charset="0"/>
               </a:rPr>
-              <a:t>redicting multiple action sequences;</a:t>
+              <a:t>redicts multiple action sequences;</a:t>
             </a:r>
           </a:p>
           <a:p>
@@ -4264,7 +5234,7 @@
                 </a:solidFill>
                 <a:latin typeface="Consolas" panose="020B0609020204030204" pitchFamily="49" charset="0"/>
               </a:rPr>
-              <a:t> Aside from the camera, there were wearable sensors to detect gaze.</a:t>
+              <a:t> 2 datasets were used: the first one contained images with optical markers and data from wearable sensors to detect gaze and the second one contained RGB-D images.</a:t>
             </a:r>
             <a:endParaRPr lang="en-GB" sz="1600" b="0" dirty="0">
               <a:solidFill>
@@ -4393,6 +5363,36 @@
           </a:prstGeom>
         </p:spPr>
       </p:pic>
+      <p:sp>
+        <p:nvSpPr>
+          <p:cNvPr id="6" name="Slide Number Placeholder 5">
+            <a:extLst>
+              <a:ext uri="{FF2B5EF4-FFF2-40B4-BE49-F238E27FC236}">
+                <a16:creationId xmlns:a16="http://schemas.microsoft.com/office/drawing/2014/main" id="{79FAC08C-0883-2C50-9138-83B780CCE9DF}"/>
+              </a:ext>
+            </a:extLst>
+          </p:cNvPr>
+          <p:cNvSpPr>
+            <a:spLocks noGrp="1"/>
+          </p:cNvSpPr>
+          <p:nvPr>
+            <p:ph type="sldNum" sz="quarter" idx="12"/>
+          </p:nvPr>
+        </p:nvSpPr>
+        <p:spPr/>
+        <p:txBody>
+          <a:bodyPr/>
+          <a:lstStyle/>
+          <a:p>
+            <a:fld id="{3A98EE3D-8CD1-4C3F-BD1C-C98C9596463C}" type="slidenum">
+              <a:rPr lang="en-US" smtClean="0"/>
+              <a:pPr/>
+              <a:t>5</a:t>
+            </a:fld>
+            <a:endParaRPr lang="en-US" dirty="0"/>
+          </a:p>
+        </p:txBody>
+      </p:sp>
     </p:spTree>
     <p:extLst>
       <p:ext uri="{BB962C8B-B14F-4D97-AF65-F5344CB8AC3E}">
@@ -4406,7 +5406,7 @@
 </p:sld>
 </file>
 
-<file path=ppt/slides/slide4.xml><?xml version="1.0" encoding="utf-8"?>
+<file path=ppt/slides/slide6.xml><?xml version="1.0" encoding="utf-8"?>
 <p:sld xmlns:a="http://schemas.openxmlformats.org/drawingml/2006/main" xmlns:r="http://schemas.openxmlformats.org/officeDocument/2006/relationships" xmlns:p="http://schemas.openxmlformats.org/presentationml/2006/main">
   <p:cSld>
     <p:spTree>
@@ -4694,6 +5694,36 @@
           </a:prstGeom>
         </p:spPr>
       </p:pic>
+      <p:sp>
+        <p:nvSpPr>
+          <p:cNvPr id="7" name="Slide Number Placeholder 6">
+            <a:extLst>
+              <a:ext uri="{FF2B5EF4-FFF2-40B4-BE49-F238E27FC236}">
+                <a16:creationId xmlns:a16="http://schemas.microsoft.com/office/drawing/2014/main" id="{CE05FA4A-1B95-1082-5701-84FEDE809405}"/>
+              </a:ext>
+            </a:extLst>
+          </p:cNvPr>
+          <p:cNvSpPr>
+            <a:spLocks noGrp="1"/>
+          </p:cNvSpPr>
+          <p:nvPr>
+            <p:ph type="sldNum" sz="quarter" idx="12"/>
+          </p:nvPr>
+        </p:nvSpPr>
+        <p:spPr/>
+        <p:txBody>
+          <a:bodyPr/>
+          <a:lstStyle/>
+          <a:p>
+            <a:fld id="{3A98EE3D-8CD1-4C3F-BD1C-C98C9596463C}" type="slidenum">
+              <a:rPr lang="en-US" smtClean="0"/>
+              <a:pPr/>
+              <a:t>6</a:t>
+            </a:fld>
+            <a:endParaRPr lang="en-US" dirty="0"/>
+          </a:p>
+        </p:txBody>
+      </p:sp>
     </p:spTree>
     <p:extLst>
       <p:ext uri="{BB962C8B-B14F-4D97-AF65-F5344CB8AC3E}">
@@ -4707,7 +5737,7 @@
 </p:sld>
 </file>
 
-<file path=ppt/slides/slide5.xml><?xml version="1.0" encoding="utf-8"?>
+<file path=ppt/slides/slide7.xml><?xml version="1.0" encoding="utf-8"?>
 <p:sld xmlns:a="http://schemas.openxmlformats.org/drawingml/2006/main" xmlns:r="http://schemas.openxmlformats.org/officeDocument/2006/relationships" xmlns:p="http://schemas.openxmlformats.org/presentationml/2006/main">
   <p:cSld>
     <p:spTree>
@@ -4949,6 +5979,36 @@
           </a:prstGeom>
         </p:spPr>
       </p:pic>
+      <p:sp>
+        <p:nvSpPr>
+          <p:cNvPr id="6" name="Slide Number Placeholder 5">
+            <a:extLst>
+              <a:ext uri="{FF2B5EF4-FFF2-40B4-BE49-F238E27FC236}">
+                <a16:creationId xmlns:a16="http://schemas.microsoft.com/office/drawing/2014/main" id="{8C11AB0C-91FF-8EDF-5997-C66E772A50CB}"/>
+              </a:ext>
+            </a:extLst>
+          </p:cNvPr>
+          <p:cNvSpPr>
+            <a:spLocks noGrp="1"/>
+          </p:cNvSpPr>
+          <p:nvPr>
+            <p:ph type="sldNum" sz="quarter" idx="12"/>
+          </p:nvPr>
+        </p:nvSpPr>
+        <p:spPr/>
+        <p:txBody>
+          <a:bodyPr/>
+          <a:lstStyle/>
+          <a:p>
+            <a:fld id="{3A98EE3D-8CD1-4C3F-BD1C-C98C9596463C}" type="slidenum">
+              <a:rPr lang="en-US" smtClean="0"/>
+              <a:pPr/>
+              <a:t>7</a:t>
+            </a:fld>
+            <a:endParaRPr lang="en-US" dirty="0"/>
+          </a:p>
+        </p:txBody>
+      </p:sp>
     </p:spTree>
     <p:extLst>
       <p:ext uri="{BB962C8B-B14F-4D97-AF65-F5344CB8AC3E}">
@@ -4962,7 +6022,7 @@
 </p:sld>
 </file>
 
-<file path=ppt/slides/slide6.xml><?xml version="1.0" encoding="utf-8"?>
+<file path=ppt/slides/slide8.xml><?xml version="1.0" encoding="utf-8"?>
 <p:sld xmlns:a="http://schemas.openxmlformats.org/drawingml/2006/main" xmlns:r="http://schemas.openxmlformats.org/officeDocument/2006/relationships" xmlns:p="http://schemas.openxmlformats.org/presentationml/2006/main">
   <p:cSld>
     <p:spTree>
@@ -5223,6 +6283,36 @@
           </a:prstGeom>
         </p:spPr>
       </p:pic>
+      <p:sp>
+        <p:nvSpPr>
+          <p:cNvPr id="7" name="Slide Number Placeholder 6">
+            <a:extLst>
+              <a:ext uri="{FF2B5EF4-FFF2-40B4-BE49-F238E27FC236}">
+                <a16:creationId xmlns:a16="http://schemas.microsoft.com/office/drawing/2014/main" id="{3B795348-9812-F3B1-11C5-5CF3474C1B16}"/>
+              </a:ext>
+            </a:extLst>
+          </p:cNvPr>
+          <p:cNvSpPr>
+            <a:spLocks noGrp="1"/>
+          </p:cNvSpPr>
+          <p:nvPr>
+            <p:ph type="sldNum" sz="quarter" idx="12"/>
+          </p:nvPr>
+        </p:nvSpPr>
+        <p:spPr/>
+        <p:txBody>
+          <a:bodyPr/>
+          <a:lstStyle/>
+          <a:p>
+            <a:fld id="{3A98EE3D-8CD1-4C3F-BD1C-C98C9596463C}" type="slidenum">
+              <a:rPr lang="en-US" smtClean="0"/>
+              <a:pPr/>
+              <a:t>8</a:t>
+            </a:fld>
+            <a:endParaRPr lang="en-US" dirty="0"/>
+          </a:p>
+        </p:txBody>
+      </p:sp>
     </p:spTree>
     <p:extLst>
       <p:ext uri="{BB962C8B-B14F-4D97-AF65-F5344CB8AC3E}">
@@ -5236,7 +6326,7 @@
 </p:sld>
 </file>
 
-<file path=ppt/slides/slide7.xml><?xml version="1.0" encoding="utf-8"?>
+<file path=ppt/slides/slide9.xml><?xml version="1.0" encoding="utf-8"?>
 <p:sld xmlns:a="http://schemas.openxmlformats.org/drawingml/2006/main" xmlns:r="http://schemas.openxmlformats.org/officeDocument/2006/relationships" xmlns:p="http://schemas.openxmlformats.org/presentationml/2006/main">
   <p:cSld>
     <p:bg>
@@ -5312,14 +6402,14 @@
             <p:ph idx="1"/>
             <p:extLst>
               <p:ext uri="{D42A27DB-BD31-4B8C-83A1-F6EECF244321}">
-                <p14:modId xmlns:p14="http://schemas.microsoft.com/office/powerpoint/2010/main" val="1643406636"/>
+                <p14:modId xmlns:p14="http://schemas.microsoft.com/office/powerpoint/2010/main" val="4109406616"/>
               </p:ext>
             </p:extLst>
           </p:nvPr>
         </p:nvGraphicFramePr>
         <p:xfrm>
           <a:off x="1096963" y="2216879"/>
-          <a:ext cx="10101696" cy="7063808"/>
+          <a:ext cx="10101696" cy="7467049"/>
         </p:xfrm>
         <a:graphic>
           <a:graphicData uri="http://schemas.openxmlformats.org/drawingml/2006/table">
@@ -5582,7 +6672,7 @@
                   </a:ext>
                 </a:extLst>
               </a:tr>
-              <a:tr h="3536162">
+              <a:tr h="3939403">
                 <a:tc gridSpan="2">
                   <a:txBody>
                     <a:bodyPr/>
@@ -6831,6 +7921,35 @@
           </a:graphicData>
         </a:graphic>
       </p:graphicFrame>
+      <p:sp>
+        <p:nvSpPr>
+          <p:cNvPr id="5" name="Slide Number Placeholder 4">
+            <a:extLst>
+              <a:ext uri="{FF2B5EF4-FFF2-40B4-BE49-F238E27FC236}">
+                <a16:creationId xmlns:a16="http://schemas.microsoft.com/office/drawing/2014/main" id="{FB9840C4-5F87-BC13-9FDB-6C9C067A7EE1}"/>
+              </a:ext>
+            </a:extLst>
+          </p:cNvPr>
+          <p:cNvSpPr>
+            <a:spLocks noGrp="1"/>
+          </p:cNvSpPr>
+          <p:nvPr>
+            <p:ph type="sldNum" sz="quarter" idx="12"/>
+          </p:nvPr>
+        </p:nvSpPr>
+        <p:spPr/>
+        <p:txBody>
+          <a:bodyPr/>
+          <a:lstStyle/>
+          <a:p>
+            <a:fld id="{3A98EE3D-8CD1-4C3F-BD1C-C98C9596463C}" type="slidenum">
+              <a:rPr lang="en-US" smtClean="0"/>
+              <a:t>9</a:t>
+            </a:fld>
+            <a:endParaRPr lang="en-US" dirty="0"/>
+          </a:p>
+        </p:txBody>
+      </p:sp>
     </p:spTree>
     <p:extLst>
       <p:ext uri="{BB962C8B-B14F-4D97-AF65-F5344CB8AC3E}">
@@ -7122,6 +8241,301 @@
   <a:extLst>
     <a:ext uri="{05A4C25C-085E-4340-85A3-A5531E510DB2}">
       <thm15:themeFamily xmlns:thm15="http://schemas.microsoft.com/office/thememl/2012/main" name="RetrospectVTI" id="{ABE3C30C-0FC0-4450-828E-52DE70F1BCCB}" vid="{A6E2497D-935A-4CFD-B9FD-6DCB15FA68BF}"/>
+    </a:ext>
+  </a:extLst>
+</a:theme>
+</file>
+
+<file path=ppt/theme/theme2.xml><?xml version="1.0" encoding="utf-8"?>
+<a:theme xmlns:a="http://schemas.openxmlformats.org/drawingml/2006/main" name="Office Theme">
+  <a:themeElements>
+    <a:clrScheme name="Office">
+      <a:dk1>
+        <a:sysClr val="windowText" lastClr="000000"/>
+      </a:dk1>
+      <a:lt1>
+        <a:sysClr val="window" lastClr="FFFFFF"/>
+      </a:lt1>
+      <a:dk2>
+        <a:srgbClr val="44546A"/>
+      </a:dk2>
+      <a:lt2>
+        <a:srgbClr val="E7E6E6"/>
+      </a:lt2>
+      <a:accent1>
+        <a:srgbClr val="4472C4"/>
+      </a:accent1>
+      <a:accent2>
+        <a:srgbClr val="ED7D31"/>
+      </a:accent2>
+      <a:accent3>
+        <a:srgbClr val="A5A5A5"/>
+      </a:accent3>
+      <a:accent4>
+        <a:srgbClr val="FFC000"/>
+      </a:accent4>
+      <a:accent5>
+        <a:srgbClr val="5B9BD5"/>
+      </a:accent5>
+      <a:accent6>
+        <a:srgbClr val="70AD47"/>
+      </a:accent6>
+      <a:hlink>
+        <a:srgbClr val="0563C1"/>
+      </a:hlink>
+      <a:folHlink>
+        <a:srgbClr val="954F72"/>
+      </a:folHlink>
+    </a:clrScheme>
+    <a:fontScheme name="Office">
+      <a:majorFont>
+        <a:latin typeface="Calibri Light" panose="020F0302020204030204"/>
+        <a:ea typeface=""/>
+        <a:cs typeface=""/>
+        <a:font script="Jpan" typeface="游ゴシック Light"/>
+        <a:font script="Hang" typeface="맑은 고딕"/>
+        <a:font script="Hans" typeface="等线 Light"/>
+        <a:font script="Hant" typeface="新細明體"/>
+        <a:font script="Arab" typeface="Times New Roman"/>
+        <a:font script="Hebr" typeface="Times New Roman"/>
+        <a:font script="Thai" typeface="Angsana New"/>
+        <a:font script="Ethi" typeface="Nyala"/>
+        <a:font script="Beng" typeface="Vrinda"/>
+        <a:font script="Gujr" typeface="Shruti"/>
+        <a:font script="Khmr" typeface="MoolBoran"/>
+        <a:font script="Knda" typeface="Tunga"/>
+        <a:font script="Guru" typeface="Raavi"/>
+        <a:font script="Cans" typeface="Euphemia"/>
+        <a:font script="Cher" typeface="Plantagenet Cherokee"/>
+        <a:font script="Yiii" typeface="Microsoft Yi Baiti"/>
+        <a:font script="Tibt" typeface="Microsoft Himalaya"/>
+        <a:font script="Thaa" typeface="MV Boli"/>
+        <a:font script="Deva" typeface="Mangal"/>
+        <a:font script="Telu" typeface="Gautami"/>
+        <a:font script="Taml" typeface="Latha"/>
+        <a:font script="Syrc" typeface="Estrangelo Edessa"/>
+        <a:font script="Orya" typeface="Kalinga"/>
+        <a:font script="Mlym" typeface="Kartika"/>
+        <a:font script="Laoo" typeface="DokChampa"/>
+        <a:font script="Sinh" typeface="Iskoola Pota"/>
+        <a:font script="Mong" typeface="Mongolian Baiti"/>
+        <a:font script="Viet" typeface="Times New Roman"/>
+        <a:font script="Uigh" typeface="Microsoft Uighur"/>
+        <a:font script="Geor" typeface="Sylfaen"/>
+        <a:font script="Armn" typeface="Arial"/>
+        <a:font script="Bugi" typeface="Leelawadee UI"/>
+        <a:font script="Bopo" typeface="Microsoft JhengHei"/>
+        <a:font script="Java" typeface="Javanese Text"/>
+        <a:font script="Lisu" typeface="Segoe UI"/>
+        <a:font script="Mymr" typeface="Myanmar Text"/>
+        <a:font script="Nkoo" typeface="Ebrima"/>
+        <a:font script="Olck" typeface="Nirmala UI"/>
+        <a:font script="Osma" typeface="Ebrima"/>
+        <a:font script="Phag" typeface="Phagspa"/>
+        <a:font script="Syrn" typeface="Estrangelo Edessa"/>
+        <a:font script="Syrj" typeface="Estrangelo Edessa"/>
+        <a:font script="Syre" typeface="Estrangelo Edessa"/>
+        <a:font script="Sora" typeface="Nirmala UI"/>
+        <a:font script="Tale" typeface="Microsoft Tai Le"/>
+        <a:font script="Talu" typeface="Microsoft New Tai Lue"/>
+        <a:font script="Tfng" typeface="Ebrima"/>
+      </a:majorFont>
+      <a:minorFont>
+        <a:latin typeface="Calibri" panose="020F0502020204030204"/>
+        <a:ea typeface=""/>
+        <a:cs typeface=""/>
+        <a:font script="Jpan" typeface="游ゴシック"/>
+        <a:font script="Hang" typeface="맑은 고딕"/>
+        <a:font script="Hans" typeface="等线"/>
+        <a:font script="Hant" typeface="新細明體"/>
+        <a:font script="Arab" typeface="Arial"/>
+        <a:font script="Hebr" typeface="Arial"/>
+        <a:font script="Thai" typeface="Cordia New"/>
+        <a:font script="Ethi" typeface="Nyala"/>
+        <a:font script="Beng" typeface="Vrinda"/>
+        <a:font script="Gujr" typeface="Shruti"/>
+        <a:font script="Khmr" typeface="DaunPenh"/>
+        <a:font script="Knda" typeface="Tunga"/>
+        <a:font script="Guru" typeface="Raavi"/>
+        <a:font script="Cans" typeface="Euphemia"/>
+        <a:font script="Cher" typeface="Plantagenet Cherokee"/>
+        <a:font script="Yiii" typeface="Microsoft Yi Baiti"/>
+        <a:font script="Tibt" typeface="Microsoft Himalaya"/>
+        <a:font script="Thaa" typeface="MV Boli"/>
+        <a:font script="Deva" typeface="Mangal"/>
+        <a:font script="Telu" typeface="Gautami"/>
+        <a:font script="Taml" typeface="Latha"/>
+        <a:font script="Syrc" typeface="Estrangelo Edessa"/>
+        <a:font script="Orya" typeface="Kalinga"/>
+        <a:font script="Mlym" typeface="Kartika"/>
+        <a:font script="Laoo" typeface="DokChampa"/>
+        <a:font script="Sinh" typeface="Iskoola Pota"/>
+        <a:font script="Mong" typeface="Mongolian Baiti"/>
+        <a:font script="Viet" typeface="Arial"/>
+        <a:font script="Uigh" typeface="Microsoft Uighur"/>
+        <a:font script="Geor" typeface="Sylfaen"/>
+        <a:font script="Armn" typeface="Arial"/>
+        <a:font script="Bugi" typeface="Leelawadee UI"/>
+        <a:font script="Bopo" typeface="Microsoft JhengHei"/>
+        <a:font script="Java" typeface="Javanese Text"/>
+        <a:font script="Lisu" typeface="Segoe UI"/>
+        <a:font script="Mymr" typeface="Myanmar Text"/>
+        <a:font script="Nkoo" typeface="Ebrima"/>
+        <a:font script="Olck" typeface="Nirmala UI"/>
+        <a:font script="Osma" typeface="Ebrima"/>
+        <a:font script="Phag" typeface="Phagspa"/>
+        <a:font script="Syrn" typeface="Estrangelo Edessa"/>
+        <a:font script="Syrj" typeface="Estrangelo Edessa"/>
+        <a:font script="Syre" typeface="Estrangelo Edessa"/>
+        <a:font script="Sora" typeface="Nirmala UI"/>
+        <a:font script="Tale" typeface="Microsoft Tai Le"/>
+        <a:font script="Talu" typeface="Microsoft New Tai Lue"/>
+        <a:font script="Tfng" typeface="Ebrima"/>
+      </a:minorFont>
+    </a:fontScheme>
+    <a:fmtScheme name="Office">
+      <a:fillStyleLst>
+        <a:solidFill>
+          <a:schemeClr val="phClr"/>
+        </a:solidFill>
+        <a:gradFill rotWithShape="1">
+          <a:gsLst>
+            <a:gs pos="0">
+              <a:schemeClr val="phClr">
+                <a:lumMod val="110000"/>
+                <a:satMod val="105000"/>
+                <a:tint val="67000"/>
+              </a:schemeClr>
+            </a:gs>
+            <a:gs pos="50000">
+              <a:schemeClr val="phClr">
+                <a:lumMod val="105000"/>
+                <a:satMod val="103000"/>
+                <a:tint val="73000"/>
+              </a:schemeClr>
+            </a:gs>
+            <a:gs pos="100000">
+              <a:schemeClr val="phClr">
+                <a:lumMod val="105000"/>
+                <a:satMod val="109000"/>
+                <a:tint val="81000"/>
+              </a:schemeClr>
+            </a:gs>
+          </a:gsLst>
+          <a:lin ang="5400000" scaled="0"/>
+        </a:gradFill>
+        <a:gradFill rotWithShape="1">
+          <a:gsLst>
+            <a:gs pos="0">
+              <a:schemeClr val="phClr">
+                <a:satMod val="103000"/>
+                <a:lumMod val="102000"/>
+                <a:tint val="94000"/>
+              </a:schemeClr>
+            </a:gs>
+            <a:gs pos="50000">
+              <a:schemeClr val="phClr">
+                <a:satMod val="110000"/>
+                <a:lumMod val="100000"/>
+                <a:shade val="100000"/>
+              </a:schemeClr>
+            </a:gs>
+            <a:gs pos="100000">
+              <a:schemeClr val="phClr">
+                <a:lumMod val="99000"/>
+                <a:satMod val="120000"/>
+                <a:shade val="78000"/>
+              </a:schemeClr>
+            </a:gs>
+          </a:gsLst>
+          <a:lin ang="5400000" scaled="0"/>
+        </a:gradFill>
+      </a:fillStyleLst>
+      <a:lnStyleLst>
+        <a:ln w="6350" cap="flat" cmpd="sng" algn="ctr">
+          <a:solidFill>
+            <a:schemeClr val="phClr"/>
+          </a:solidFill>
+          <a:prstDash val="solid"/>
+          <a:miter lim="800000"/>
+        </a:ln>
+        <a:ln w="12700" cap="flat" cmpd="sng" algn="ctr">
+          <a:solidFill>
+            <a:schemeClr val="phClr"/>
+          </a:solidFill>
+          <a:prstDash val="solid"/>
+          <a:miter lim="800000"/>
+        </a:ln>
+        <a:ln w="19050" cap="flat" cmpd="sng" algn="ctr">
+          <a:solidFill>
+            <a:schemeClr val="phClr"/>
+          </a:solidFill>
+          <a:prstDash val="solid"/>
+          <a:miter lim="800000"/>
+        </a:ln>
+      </a:lnStyleLst>
+      <a:effectStyleLst>
+        <a:effectStyle>
+          <a:effectLst/>
+        </a:effectStyle>
+        <a:effectStyle>
+          <a:effectLst/>
+        </a:effectStyle>
+        <a:effectStyle>
+          <a:effectLst>
+            <a:outerShdw blurRad="57150" dist="19050" dir="5400000" algn="ctr" rotWithShape="0">
+              <a:srgbClr val="000000">
+                <a:alpha val="63000"/>
+              </a:srgbClr>
+            </a:outerShdw>
+          </a:effectLst>
+        </a:effectStyle>
+      </a:effectStyleLst>
+      <a:bgFillStyleLst>
+        <a:solidFill>
+          <a:schemeClr val="phClr"/>
+        </a:solidFill>
+        <a:solidFill>
+          <a:schemeClr val="phClr">
+            <a:tint val="95000"/>
+            <a:satMod val="170000"/>
+          </a:schemeClr>
+        </a:solidFill>
+        <a:gradFill rotWithShape="1">
+          <a:gsLst>
+            <a:gs pos="0">
+              <a:schemeClr val="phClr">
+                <a:tint val="93000"/>
+                <a:satMod val="150000"/>
+                <a:shade val="98000"/>
+                <a:lumMod val="102000"/>
+              </a:schemeClr>
+            </a:gs>
+            <a:gs pos="50000">
+              <a:schemeClr val="phClr">
+                <a:tint val="98000"/>
+                <a:satMod val="130000"/>
+                <a:shade val="90000"/>
+                <a:lumMod val="103000"/>
+              </a:schemeClr>
+            </a:gs>
+            <a:gs pos="100000">
+              <a:schemeClr val="phClr">
+                <a:shade val="63000"/>
+                <a:satMod val="120000"/>
+              </a:schemeClr>
+            </a:gs>
+          </a:gsLst>
+          <a:lin ang="5400000" scaled="0"/>
+        </a:gradFill>
+      </a:bgFillStyleLst>
+    </a:fmtScheme>
+  </a:themeElements>
+  <a:objectDefaults/>
+  <a:extraClrSchemeLst/>
+  <a:extLst>
+    <a:ext uri="{05A4C25C-085E-4340-85A3-A5531E510DB2}">
+      <thm15:themeFamily xmlns:thm15="http://schemas.microsoft.com/office/thememl/2012/main" name="Office Theme" id="{62F939B6-93AF-4DB8-9C6B-D6C7DFDC589F}" vid="{4A3C46E8-61CC-4603-A589-7422A47A8E4A}"/>
     </a:ext>
   </a:extLst>
 </a:theme>
@@ -7435,21 +8849,21 @@
 </file>
 
 <file path=customXml/item2.xml><?xml version="1.0" encoding="utf-8"?>
+<p:properties xmlns:p="http://schemas.microsoft.com/office/2006/metadata/properties" xmlns:xsi="http://www.w3.org/2001/XMLSchema-instance" xmlns:pc="http://schemas.microsoft.com/office/infopath/2007/PartnerControls">
+  <documentManagement>
+    <Status xmlns="71af3243-3dd4-4a8d-8c0d-dd76da1f02a5">Not started</Status>
+    <MediaServiceKeyPoints xmlns="71af3243-3dd4-4a8d-8c0d-dd76da1f02a5" xsi:nil="true"/>
+  </documentManagement>
+</p:properties>
+</file>
+
+<file path=customXml/item3.xml><?xml version="1.0" encoding="utf-8"?>
 <?mso-contentType ?>
 <FormTemplates xmlns="http://schemas.microsoft.com/sharepoint/v3/contenttype/forms">
   <Display>DocumentLibraryForm</Display>
   <Edit>DocumentLibraryForm</Edit>
   <New>DocumentLibraryForm</New>
 </FormTemplates>
-</file>
-
-<file path=customXml/item3.xml><?xml version="1.0" encoding="utf-8"?>
-<p:properties xmlns:p="http://schemas.microsoft.com/office/2006/metadata/properties" xmlns:xsi="http://www.w3.org/2001/XMLSchema-instance" xmlns:pc="http://schemas.microsoft.com/office/infopath/2007/PartnerControls">
-  <documentManagement>
-    <Status xmlns="71af3243-3dd4-4a8d-8c0d-dd76da1f02a5">Not started</Status>
-    <MediaServiceKeyPoints xmlns="71af3243-3dd4-4a8d-8c0d-dd76da1f02a5" xsi:nil="true"/>
-  </documentManagement>
-</p:properties>
 </file>
 
 <file path=customXml/itemProps1.xml><?xml version="1.0" encoding="utf-8"?>
@@ -7472,14 +8886,6 @@
 </file>
 
 <file path=customXml/itemProps2.xml><?xml version="1.0" encoding="utf-8"?>
-<ds:datastoreItem xmlns:ds="http://schemas.openxmlformats.org/officeDocument/2006/customXml" ds:itemID="{AA3F7EDC-E5B4-4BBC-9D2A-CBE6D46C37AD}">
-  <ds:schemaRefs>
-    <ds:schemaRef ds:uri="http://schemas.microsoft.com/sharepoint/v3/contenttype/forms"/>
-  </ds:schemaRefs>
-</ds:datastoreItem>
-</file>
-
-<file path=customXml/itemProps3.xml><?xml version="1.0" encoding="utf-8"?>
 <ds:datastoreItem xmlns:ds="http://schemas.openxmlformats.org/officeDocument/2006/customXml" ds:itemID="{A03EEFF0-FB57-4CB4-8BFC-DF397689E2ED}">
   <ds:schemaRefs>
     <ds:schemaRef ds:uri="http://schemas.microsoft.com/office/2006/metadata/properties"/>
@@ -7487,4 +8893,12 @@
     <ds:schemaRef ds:uri="71af3243-3dd4-4a8d-8c0d-dd76da1f02a5"/>
   </ds:schemaRefs>
 </ds:datastoreItem>
+</file>
+
+<file path=customXml/itemProps3.xml><?xml version="1.0" encoding="utf-8"?>
+<ds:datastoreItem xmlns:ds="http://schemas.openxmlformats.org/officeDocument/2006/customXml" ds:itemID="{AA3F7EDC-E5B4-4BBC-9D2A-CBE6D46C37AD}">
+  <ds:schemaRefs>
+    <ds:schemaRef ds:uri="http://schemas.microsoft.com/sharepoint/v3/contenttype/forms"/>
+  </ds:schemaRefs>
+</ds:datastoreItem>
 </file>
--- a/Robot Action Anticipation for Collaborative Assembly Tasks.pptx
+++ b/Robot Action Anticipation for Collaborative Assembly Tasks.pptx
@@ -5,18 +5,17 @@
     <p:sldMasterId id="2147483660" r:id="rId4"/>
   </p:sldMasterIdLst>
   <p:notesMasterIdLst>
-    <p:notesMasterId r:id="rId14"/>
+    <p:notesMasterId r:id="rId13"/>
   </p:notesMasterIdLst>
   <p:sldIdLst>
     <p:sldId id="298" r:id="rId5"/>
     <p:sldId id="306" r:id="rId6"/>
-    <p:sldId id="307" r:id="rId7"/>
-    <p:sldId id="301" r:id="rId8"/>
-    <p:sldId id="302" r:id="rId9"/>
-    <p:sldId id="303" r:id="rId10"/>
-    <p:sldId id="304" r:id="rId11"/>
-    <p:sldId id="305" r:id="rId12"/>
-    <p:sldId id="300" r:id="rId13"/>
+    <p:sldId id="301" r:id="rId7"/>
+    <p:sldId id="302" r:id="rId8"/>
+    <p:sldId id="303" r:id="rId9"/>
+    <p:sldId id="304" r:id="rId10"/>
+    <p:sldId id="305" r:id="rId11"/>
+    <p:sldId id="300" r:id="rId12"/>
   </p:sldIdLst>
   <p:sldSz cx="12192000" cy="6858000"/>
   <p:notesSz cx="6858000" cy="9144000"/>
@@ -205,7 +204,7 @@
           <a:p>
             <a:fld id="{586C385D-852F-4C75-8C75-52A480E09742}" type="datetimeFigureOut">
               <a:rPr lang="en-GB" smtClean="0"/>
-              <a:t>03/11/2022</a:t>
+              <a:t>16/11/2022</a:t>
             </a:fld>
             <a:endParaRPr lang="en-GB"/>
           </a:p>
@@ -717,7 +716,7 @@
           <a:p>
             <a:fld id="{AAF5A51C-C28C-49B3-B1E6-90F76A07B81E}" type="datetime1">
               <a:rPr lang="en-US" smtClean="0"/>
-              <a:t>11/3/2022</a:t>
+              <a:t>11/16/2022</a:t>
             </a:fld>
             <a:endParaRPr lang="en-US" dirty="0"/>
           </a:p>
@@ -905,7 +904,7 @@
           <a:p>
             <a:fld id="{20880A5E-5C75-4372-A731-E482E32883C5}" type="datetime1">
               <a:rPr lang="en-US" smtClean="0"/>
-              <a:t>11/3/2022</a:t>
+              <a:t>11/16/2022</a:t>
             </a:fld>
             <a:endParaRPr lang="en-US" dirty="0"/>
           </a:p>
@@ -1278,7 +1277,7 @@
           <a:p>
             <a:fld id="{595A859A-35F6-4ACE-B837-F27F0F8BD3C3}" type="datetime1">
               <a:rPr lang="en-US" smtClean="0"/>
-              <a:t>11/3/2022</a:t>
+              <a:t>11/16/2022</a:t>
             </a:fld>
             <a:endParaRPr lang="en-US" dirty="0"/>
           </a:p>
@@ -1533,7 +1532,7 @@
           <a:p>
             <a:fld id="{5064BE53-C38F-40A3-BD6A-3FBCAA4EBE25}" type="datetime1">
               <a:rPr lang="en-US" smtClean="0"/>
-              <a:t>11/3/2022</a:t>
+              <a:t>11/16/2022</a:t>
             </a:fld>
             <a:endParaRPr lang="en-US" dirty="0"/>
           </a:p>
@@ -1930,7 +1929,7 @@
           <a:p>
             <a:fld id="{56578EE5-CFBB-499F-B8F7-4AFFE0F33EBE}" type="datetime1">
               <a:rPr lang="en-US" smtClean="0"/>
-              <a:t>11/3/2022</a:t>
+              <a:t>11/16/2022</a:t>
             </a:fld>
             <a:endParaRPr lang="en-US" dirty="0"/>
           </a:p>
@@ -2066,7 +2065,7 @@
           <a:p>
             <a:fld id="{4F965C31-DA84-4958-975E-818A9C25D11A}" type="datetime1">
               <a:rPr lang="en-US" smtClean="0"/>
-              <a:t>11/3/2022</a:t>
+              <a:t>11/16/2022</a:t>
             </a:fld>
             <a:endParaRPr lang="en-US" dirty="0"/>
           </a:p>
@@ -2223,7 +2222,7 @@
           <a:p>
             <a:fld id="{EDC5802D-1571-4440-9342-29DCCE4BBE51}" type="datetime1">
               <a:rPr lang="en-US" smtClean="0"/>
-              <a:t>11/3/2022</a:t>
+              <a:t>11/16/2022</a:t>
             </a:fld>
             <a:endParaRPr lang="en-US" dirty="0"/>
           </a:p>
@@ -2552,7 +2551,7 @@
           <a:p>
             <a:fld id="{E7A3FAFB-8631-4C5B-A5A0-18B70900AB3C}" type="datetime1">
               <a:rPr lang="en-US" smtClean="0"/>
-              <a:t>11/3/2022</a:t>
+              <a:t>11/16/2022</a:t>
             </a:fld>
             <a:endParaRPr lang="en-US" dirty="0"/>
           </a:p>
@@ -2902,7 +2901,7 @@
           <a:p>
             <a:fld id="{D8BE7903-08D2-4324-B287-E7E01A896033}" type="datetime1">
               <a:rPr lang="en-US" smtClean="0"/>
-              <a:t>11/3/2022</a:t>
+              <a:t>11/16/2022</a:t>
             </a:fld>
             <a:endParaRPr lang="en-US" dirty="0"/>
           </a:p>
@@ -3163,7 +3162,7 @@
           <a:p>
             <a:fld id="{FEDF130E-A981-4124-8552-566612790144}" type="datetime1">
               <a:rPr lang="en-US" smtClean="0"/>
-              <a:t>11/3/2022</a:t>
+              <a:t>11/16/2022</a:t>
             </a:fld>
             <a:endParaRPr lang="en-US" dirty="0"/>
           </a:p>
@@ -4200,245 +4199,33 @@
           <a:p>
             <a:pPr algn="l"/>
             <a:r>
-              <a:rPr lang="en-GB" sz="1600" b="1" dirty="0">
+              <a:rPr lang="en-GB" sz="2400" b="1" dirty="0">
                 <a:latin typeface="Consolas" panose="020B0609020204030204" pitchFamily="49" charset="0"/>
               </a:rPr>
-              <a:t>A</a:t>
-            </a:r>
-            <a:r>
-              <a:rPr lang="en-GB" sz="1600" b="1" i="0" u="none" strike="noStrike" baseline="0" dirty="0">
+              <a:t>Anticipation</a:t>
+            </a:r>
+            <a:r>
+              <a:rPr lang="en-GB" sz="2400" b="1" i="0" u="none" strike="noStrike" baseline="0" dirty="0">
                 <a:latin typeface="Consolas" panose="020B0609020204030204" pitchFamily="49" charset="0"/>
               </a:rPr>
-              <a:t>nticipatory </a:t>
-            </a:r>
-            <a:r>
-              <a:rPr lang="en-GB" sz="1600" b="1" dirty="0">
+              <a:t>: </a:t>
+            </a:r>
+            <a:r>
+              <a:rPr lang="en-GB" sz="2400" b="0" i="0" u="none" strike="noStrike" baseline="0" dirty="0">
                 <a:latin typeface="Consolas" panose="020B0609020204030204" pitchFamily="49" charset="0"/>
               </a:rPr>
-              <a:t>S</a:t>
-            </a:r>
-            <a:r>
-              <a:rPr lang="en-GB" sz="1600" b="1" i="0" u="none" strike="noStrike" baseline="0" dirty="0">
+              <a:t>“predict what is the future action by observing only a few portion of an action in progress.”</a:t>
+            </a:r>
+          </a:p>
+          <a:p>
+            <a:pPr marL="0" indent="0" algn="r">
+              <a:buNone/>
+            </a:pPr>
+            <a:r>
+              <a:rPr lang="en-GB" sz="1200" b="0" i="0" u="none" strike="noStrike" baseline="0" dirty="0">
                 <a:latin typeface="Consolas" panose="020B0609020204030204" pitchFamily="49" charset="0"/>
               </a:rPr>
-              <a:t>ystem: </a:t>
-            </a:r>
-            <a:r>
-              <a:rPr lang="en-GB" sz="1600" b="0" i="0" u="none" strike="noStrike" baseline="0" dirty="0">
-                <a:latin typeface="Consolas" panose="020B0609020204030204" pitchFamily="49" charset="0"/>
-              </a:rPr>
-              <a:t>“a system containing a predictive model of itself and/or of its environment, which allows it to change state at an instant in accord with the model’s predictions pertaining to a later instant”</a:t>
-            </a:r>
-          </a:p>
-          <a:p>
-            <a:pPr algn="l"/>
-            <a:endParaRPr lang="en-GB" sz="1800" dirty="0">
-              <a:latin typeface="Consolas" panose="020B0609020204030204" pitchFamily="49" charset="0"/>
-            </a:endParaRPr>
-          </a:p>
-          <a:p>
-            <a:pPr algn="l"/>
-            <a:endParaRPr lang="en-GB" sz="1800" b="0" i="0" u="none" strike="noStrike" baseline="0" dirty="0">
-              <a:latin typeface="Consolas" panose="020B0609020204030204" pitchFamily="49" charset="0"/>
-            </a:endParaRPr>
-          </a:p>
-          <a:p>
-            <a:pPr algn="l"/>
-            <a:endParaRPr lang="en-GB" sz="1800" dirty="0">
-              <a:latin typeface="Consolas" panose="020B0609020204030204" pitchFamily="49" charset="0"/>
-            </a:endParaRPr>
-          </a:p>
-          <a:p>
-            <a:pPr algn="l"/>
-            <a:endParaRPr lang="en-GB" sz="1800" b="0" i="0" u="none" strike="noStrike" baseline="0" dirty="0">
-              <a:latin typeface="Consolas" panose="020B0609020204030204" pitchFamily="49" charset="0"/>
-            </a:endParaRPr>
-          </a:p>
-          <a:p>
-            <a:pPr marL="0" indent="0" algn="l">
-              <a:buNone/>
-            </a:pPr>
-            <a:endParaRPr lang="en-GB" sz="1800" b="0" i="0" u="none" strike="noStrike" baseline="0" dirty="0">
-              <a:latin typeface="Consolas" panose="020B0609020204030204" pitchFamily="49" charset="0"/>
-            </a:endParaRPr>
-          </a:p>
-          <a:p>
-            <a:pPr algn="r"/>
-            <a:r>
-              <a:rPr lang="en-GB" sz="1100" b="0" i="0" u="none" strike="noStrike" baseline="0" dirty="0">
-                <a:latin typeface="Consolas" panose="020B0609020204030204" pitchFamily="49" charset="0"/>
-              </a:rPr>
-              <a:t>“Anticipation in Robotics”, 2018</a:t>
-            </a:r>
-          </a:p>
-        </p:txBody>
-      </p:sp>
-      <p:sp>
-        <p:nvSpPr>
-          <p:cNvPr id="4" name="Arrow: Down 3">
-            <a:extLst>
-              <a:ext uri="{FF2B5EF4-FFF2-40B4-BE49-F238E27FC236}">
-                <a16:creationId xmlns:a16="http://schemas.microsoft.com/office/drawing/2014/main" id="{8F833DB6-905E-3E01-C577-8BAE0DE030C1}"/>
-              </a:ext>
-            </a:extLst>
-          </p:cNvPr>
-          <p:cNvSpPr/>
-          <p:nvPr/>
-        </p:nvSpPr>
-        <p:spPr>
-          <a:xfrm>
-            <a:off x="3156010" y="3107182"/>
-            <a:ext cx="532660" cy="568171"/>
-          </a:xfrm>
-          <a:prstGeom prst="downArrow">
-            <a:avLst/>
-          </a:prstGeom>
-        </p:spPr>
-        <p:style>
-          <a:lnRef idx="2">
-            <a:schemeClr val="accent1">
-              <a:shade val="50000"/>
-            </a:schemeClr>
-          </a:lnRef>
-          <a:fillRef idx="1">
-            <a:schemeClr val="accent1"/>
-          </a:fillRef>
-          <a:effectRef idx="0">
-            <a:schemeClr val="accent1"/>
-          </a:effectRef>
-          <a:fontRef idx="minor">
-            <a:schemeClr val="lt1"/>
-          </a:fontRef>
-        </p:style>
-        <p:txBody>
-          <a:bodyPr rtlCol="0" anchor="ctr"/>
-          <a:lstStyle/>
-          <a:p>
-            <a:pPr algn="ctr"/>
-            <a:endParaRPr lang="en-GB"/>
-          </a:p>
-        </p:txBody>
-      </p:sp>
-      <p:sp>
-        <p:nvSpPr>
-          <p:cNvPr id="5" name="Arrow: Down 4">
-            <a:extLst>
-              <a:ext uri="{FF2B5EF4-FFF2-40B4-BE49-F238E27FC236}">
-                <a16:creationId xmlns:a16="http://schemas.microsoft.com/office/drawing/2014/main" id="{B714DD7B-DC34-98D6-D8B0-46ECCAE515D1}"/>
-              </a:ext>
-            </a:extLst>
-          </p:cNvPr>
-          <p:cNvSpPr/>
-          <p:nvPr/>
-        </p:nvSpPr>
-        <p:spPr>
-          <a:xfrm>
-            <a:off x="8503330" y="3107182"/>
-            <a:ext cx="532660" cy="568171"/>
-          </a:xfrm>
-          <a:prstGeom prst="downArrow">
-            <a:avLst/>
-          </a:prstGeom>
-        </p:spPr>
-        <p:style>
-          <a:lnRef idx="2">
-            <a:schemeClr val="accent1">
-              <a:shade val="50000"/>
-            </a:schemeClr>
-          </a:lnRef>
-          <a:fillRef idx="1">
-            <a:schemeClr val="accent1"/>
-          </a:fillRef>
-          <a:effectRef idx="0">
-            <a:schemeClr val="accent1"/>
-          </a:effectRef>
-          <a:fontRef idx="minor">
-            <a:schemeClr val="lt1"/>
-          </a:fontRef>
-        </p:style>
-        <p:txBody>
-          <a:bodyPr rtlCol="0" anchor="ctr"/>
-          <a:lstStyle/>
-          <a:p>
-            <a:pPr algn="ctr"/>
-            <a:endParaRPr lang="en-GB"/>
-          </a:p>
-        </p:txBody>
-      </p:sp>
-      <p:sp>
-        <p:nvSpPr>
-          <p:cNvPr id="6" name="TextBox 5">
-            <a:extLst>
-              <a:ext uri="{FF2B5EF4-FFF2-40B4-BE49-F238E27FC236}">
-                <a16:creationId xmlns:a16="http://schemas.microsoft.com/office/drawing/2014/main" id="{51C013DE-598A-254B-31A0-809123C19481}"/>
-              </a:ext>
-            </a:extLst>
-          </p:cNvPr>
-          <p:cNvSpPr txBox="1"/>
-          <p:nvPr/>
-        </p:nvSpPr>
-        <p:spPr>
-          <a:xfrm>
-            <a:off x="1544712" y="3790521"/>
-            <a:ext cx="3755255" cy="830997"/>
-          </a:xfrm>
-          <a:prstGeom prst="rect">
-            <a:avLst/>
-          </a:prstGeom>
-          <a:noFill/>
-        </p:spPr>
-        <p:txBody>
-          <a:bodyPr wrap="square" rtlCol="0">
-            <a:spAutoFit/>
-          </a:bodyPr>
-          <a:lstStyle/>
-          <a:p>
-            <a:pPr algn="ctr"/>
-            <a:r>
-              <a:rPr lang="en-GB" sz="1600" dirty="0">
-                <a:latin typeface="Consolas" panose="020B0609020204030204" pitchFamily="49" charset="0"/>
-                <a:ea typeface="Cambria" panose="02040503050406030204" pitchFamily="18" charset="0"/>
-              </a:rPr>
-              <a:t>“robots can use anticipation to learn how to control their own bodies”</a:t>
-            </a:r>
-          </a:p>
-        </p:txBody>
-      </p:sp>
-      <p:sp>
-        <p:nvSpPr>
-          <p:cNvPr id="7" name="TextBox 6">
-            <a:extLst>
-              <a:ext uri="{FF2B5EF4-FFF2-40B4-BE49-F238E27FC236}">
-                <a16:creationId xmlns:a16="http://schemas.microsoft.com/office/drawing/2014/main" id="{AF61D10A-27DA-E5E1-C7B1-A276758377B2}"/>
-              </a:ext>
-            </a:extLst>
-          </p:cNvPr>
-          <p:cNvSpPr txBox="1"/>
-          <p:nvPr/>
-        </p:nvSpPr>
-        <p:spPr>
-          <a:xfrm>
-            <a:off x="6892034" y="3790521"/>
-            <a:ext cx="3755255" cy="1569660"/>
-          </a:xfrm>
-          <a:prstGeom prst="rect">
-            <a:avLst/>
-          </a:prstGeom>
-          <a:noFill/>
-        </p:spPr>
-        <p:txBody>
-          <a:bodyPr wrap="square" rtlCol="0">
-            <a:spAutoFit/>
-          </a:bodyPr>
-          <a:lstStyle/>
-          <a:p>
-            <a:pPr algn="ctr"/>
-            <a:r>
-              <a:rPr lang="en-GB" sz="1600" dirty="0">
-                <a:latin typeface="Consolas" panose="020B0609020204030204" pitchFamily="49" charset="0"/>
-                <a:ea typeface="Cambria" panose="02040503050406030204" pitchFamily="18" charset="0"/>
-              </a:rPr>
-              <a:t>“robots can use anticipation to predict the behaviour of themselves interacting with others, and hence demonstrate improved safety, or simple ethical behaviours”</a:t>
+              <a:t>(Action Anticipation By Predicting Future Dynamic Images, 2019)</a:t>
             </a:r>
           </a:p>
         </p:txBody>
@@ -4507,7 +4294,7 @@
           <p:cNvPr id="2" name="Title 1">
             <a:extLst>
               <a:ext uri="{FF2B5EF4-FFF2-40B4-BE49-F238E27FC236}">
-                <a16:creationId xmlns:a16="http://schemas.microsoft.com/office/drawing/2014/main" id="{A9E51AAB-85D1-C3EF-2C68-3FE363E654C4}"/>
+                <a16:creationId xmlns:a16="http://schemas.microsoft.com/office/drawing/2014/main" id="{5542C2D8-2864-205C-3DFE-B82FABC53E63}"/>
               </a:ext>
             </a:extLst>
           </p:cNvPr>
@@ -4518,38 +4305,219 @@
             <p:ph type="title"/>
           </p:nvPr>
         </p:nvSpPr>
-        <p:spPr/>
+        <p:spPr>
+          <a:xfrm>
+            <a:off x="643466" y="786383"/>
+            <a:ext cx="3517567" cy="2642617"/>
+          </a:xfrm>
+        </p:spPr>
+        <p:txBody>
+          <a:bodyPr>
+            <a:noAutofit/>
+          </a:bodyPr>
+          <a:lstStyle/>
+          <a:p>
+            <a:r>
+              <a:rPr lang="en-GB" sz="2400" dirty="0"/>
+              <a:t>Anticipative interaction primitives for human-robot collaboration</a:t>
+            </a:r>
+          </a:p>
+        </p:txBody>
+      </p:sp>
+      <p:sp>
+        <p:nvSpPr>
+          <p:cNvPr id="3" name="Content Placeholder 2">
+            <a:extLst>
+              <a:ext uri="{FF2B5EF4-FFF2-40B4-BE49-F238E27FC236}">
+                <a16:creationId xmlns:a16="http://schemas.microsoft.com/office/drawing/2014/main" id="{98918E28-0EAA-F8BC-0A2A-8C51BCAA7EF4}"/>
+              </a:ext>
+            </a:extLst>
+          </p:cNvPr>
+          <p:cNvSpPr>
+            <a:spLocks noGrp="1"/>
+          </p:cNvSpPr>
+          <p:nvPr>
+            <p:ph idx="1"/>
+          </p:nvPr>
+        </p:nvSpPr>
+        <p:spPr>
+          <a:xfrm>
+            <a:off x="5378381" y="641553"/>
+            <a:ext cx="6170153" cy="3965958"/>
+          </a:xfrm>
+        </p:spPr>
         <p:txBody>
           <a:bodyPr>
             <a:normAutofit/>
           </a:bodyPr>
           <a:lstStyle/>
           <a:p>
-            <a:r>
-              <a:rPr lang="en-GB" sz="3600" dirty="0"/>
-              <a:t>Action </a:t>
-            </a:r>
-            <a:r>
-              <a:rPr lang="en-GB" sz="3600" b="1" dirty="0"/>
-              <a:t>Recognition</a:t>
-            </a:r>
-            <a:r>
-              <a:rPr lang="en-GB" sz="3600" dirty="0"/>
-              <a:t> vs Action </a:t>
-            </a:r>
-            <a:r>
-              <a:rPr lang="en-GB" sz="3600" b="1" dirty="0"/>
-              <a:t>Anticipation</a:t>
-            </a:r>
+            <a:pPr>
+              <a:buFont typeface="Arial" panose="020B0604020202020204" pitchFamily="34" charset="0"/>
+              <a:buChar char="•"/>
+            </a:pPr>
+            <a:r>
+              <a:rPr lang="en-GB" sz="1600" b="1" dirty="0">
+                <a:solidFill>
+                  <a:schemeClr val="tx1"/>
+                </a:solidFill>
+                <a:latin typeface="Consolas" panose="020B0609020204030204" pitchFamily="49" charset="0"/>
+              </a:rPr>
+              <a:t> Objective: </a:t>
+            </a:r>
+            <a:r>
+              <a:rPr lang="en-GB" sz="1600" b="0" dirty="0">
+                <a:solidFill>
+                  <a:schemeClr val="tx1"/>
+                </a:solidFill>
+                <a:effectLst/>
+                <a:latin typeface="Consolas" panose="020B0609020204030204" pitchFamily="49" charset="0"/>
+              </a:rPr>
+              <a:t>The robot should decide whether to hand over a screw or a plate and which plate; as the experience with a given user grows, it learns the pattern in which the parts are being assembled;</a:t>
+            </a:r>
+          </a:p>
+          <a:p>
+            <a:pPr>
+              <a:buFont typeface="Arial" panose="020B0604020202020204" pitchFamily="34" charset="0"/>
+              <a:buChar char="•"/>
+            </a:pPr>
+            <a:r>
+              <a:rPr lang="en-GB" sz="1600" b="1" dirty="0">
+                <a:solidFill>
+                  <a:schemeClr val="tx1"/>
+                </a:solidFill>
+                <a:latin typeface="Consolas" panose="020B0609020204030204" pitchFamily="49" charset="0"/>
+              </a:rPr>
+              <a:t> Sensors: </a:t>
+            </a:r>
+            <a:r>
+              <a:rPr lang="en-GB" sz="1600" b="0" dirty="0">
+                <a:solidFill>
+                  <a:schemeClr val="tx1"/>
+                </a:solidFill>
+                <a:effectLst/>
+                <a:latin typeface="Consolas" panose="020B0609020204030204" pitchFamily="49" charset="0"/>
+              </a:rPr>
+              <a:t>A camera is used and the user has a optical marker on the hand;</a:t>
+            </a:r>
+          </a:p>
+          <a:p>
+            <a:pPr>
+              <a:buFont typeface="Arial" panose="020B0604020202020204" pitchFamily="34" charset="0"/>
+              <a:buChar char="•"/>
+            </a:pPr>
+            <a:r>
+              <a:rPr lang="en-GB" sz="1600" dirty="0">
+                <a:solidFill>
+                  <a:schemeClr val="tx1"/>
+                </a:solidFill>
+                <a:latin typeface="Consolas" panose="020B0609020204030204" pitchFamily="49" charset="0"/>
+              </a:rPr>
+              <a:t> </a:t>
+            </a:r>
+            <a:r>
+              <a:rPr lang="en-GB" sz="1600" b="1" dirty="0">
+                <a:solidFill>
+                  <a:schemeClr val="tx1"/>
+                </a:solidFill>
+                <a:latin typeface="Consolas" panose="020B0609020204030204" pitchFamily="49" charset="0"/>
+              </a:rPr>
+              <a:t>Methods: </a:t>
+            </a:r>
+            <a:r>
+              <a:rPr lang="en-GB" sz="1600" dirty="0">
+                <a:solidFill>
+                  <a:schemeClr val="tx1"/>
+                </a:solidFill>
+                <a:latin typeface="Consolas" panose="020B0609020204030204" pitchFamily="49" charset="0"/>
+              </a:rPr>
+              <a:t>U</a:t>
+            </a:r>
+            <a:r>
+              <a:rPr lang="en-GB" sz="1600" b="0" dirty="0">
+                <a:solidFill>
+                  <a:schemeClr val="tx1"/>
+                </a:solidFill>
+                <a:effectLst/>
+                <a:latin typeface="Consolas" panose="020B0609020204030204" pitchFamily="49" charset="0"/>
+              </a:rPr>
+              <a:t>se a lookup table containing variations of assembly sequences, previously demonstrated by different users; use nearest neighbour sequence in the table that matches the actual sequence of human actions</a:t>
+            </a:r>
+            <a:r>
+              <a:rPr lang="en-GB" sz="1600" dirty="0">
+                <a:solidFill>
+                  <a:schemeClr val="tx1"/>
+                </a:solidFill>
+                <a:latin typeface="Consolas" panose="020B0609020204030204" pitchFamily="49" charset="0"/>
+              </a:rPr>
+              <a:t>;</a:t>
+            </a:r>
+            <a:endParaRPr lang="en-GB" sz="1600" b="0" dirty="0">
+              <a:solidFill>
+                <a:schemeClr val="tx1"/>
+              </a:solidFill>
+              <a:effectLst/>
+              <a:latin typeface="Consolas" panose="020B0609020204030204" pitchFamily="49" charset="0"/>
+            </a:endParaRPr>
+          </a:p>
+          <a:p>
+            <a:pPr>
+              <a:buFont typeface="Arial" panose="020B0604020202020204" pitchFamily="34" charset="0"/>
+              <a:buChar char="•"/>
+            </a:pPr>
+            <a:r>
+              <a:rPr lang="en-GB" sz="1600" b="0" dirty="0">
+                <a:solidFill>
+                  <a:schemeClr val="tx1"/>
+                </a:solidFill>
+                <a:effectLst/>
+                <a:latin typeface="Consolas" panose="020B0609020204030204" pitchFamily="49" charset="0"/>
+              </a:rPr>
+              <a:t> </a:t>
+            </a:r>
+            <a:r>
+              <a:rPr lang="en-GB" sz="1600" b="1" dirty="0">
+                <a:solidFill>
+                  <a:schemeClr val="tx1"/>
+                </a:solidFill>
+                <a:effectLst/>
+                <a:latin typeface="Consolas" panose="020B0609020204030204" pitchFamily="49" charset="0"/>
+              </a:rPr>
+              <a:t>Contribution:</a:t>
+            </a:r>
+            <a:r>
+              <a:rPr lang="en-GB" sz="1600" dirty="0">
+                <a:solidFill>
+                  <a:schemeClr val="tx1"/>
+                </a:solidFill>
+                <a:effectLst/>
+                <a:latin typeface="Consolas" panose="020B0609020204030204" pitchFamily="49" charset="0"/>
+              </a:rPr>
+              <a:t> Simple initial example.</a:t>
+            </a:r>
+            <a:endParaRPr lang="en-GB" b="0" dirty="0">
+              <a:solidFill>
+                <a:schemeClr val="tx1"/>
+              </a:solidFill>
+              <a:effectLst/>
+              <a:latin typeface="Consolas" panose="020B0609020204030204" pitchFamily="49" charset="0"/>
+            </a:endParaRPr>
+          </a:p>
+          <a:p>
+            <a:pPr marL="457200" indent="-457200">
+              <a:buFont typeface="+mj-lt"/>
+              <a:buAutoNum type="arabicPeriod"/>
+            </a:pPr>
+            <a:endParaRPr lang="en-GB" dirty="0"/>
           </a:p>
         </p:txBody>
       </p:sp>
       <p:sp>
         <p:nvSpPr>
-          <p:cNvPr id="3" name="Content Placeholder 2">
+          <p:cNvPr id="4" name="Text Placeholder 3">
             <a:extLst>
               <a:ext uri="{FF2B5EF4-FFF2-40B4-BE49-F238E27FC236}">
-                <a16:creationId xmlns:a16="http://schemas.microsoft.com/office/drawing/2014/main" id="{D290DAF7-6C66-7380-67B4-886414CC38DC}"/>
+                <a16:creationId xmlns:a16="http://schemas.microsoft.com/office/drawing/2014/main" id="{6869DBAF-3AEA-5715-55CA-9D0C04EDF4F6}"/>
               </a:ext>
             </a:extLst>
           </p:cNvPr>
@@ -4557,101 +4525,100 @@
             <a:spLocks noGrp="1"/>
           </p:cNvSpPr>
           <p:nvPr>
-            <p:ph idx="1"/>
-          </p:nvPr>
-        </p:nvSpPr>
-        <p:spPr/>
+            <p:ph type="body" sz="half" idx="2"/>
+          </p:nvPr>
+        </p:nvSpPr>
+        <p:spPr>
+          <a:xfrm>
+            <a:off x="643466" y="3796943"/>
+            <a:ext cx="3517567" cy="2274674"/>
+          </a:xfrm>
+        </p:spPr>
         <p:txBody>
           <a:bodyPr>
             <a:normAutofit/>
           </a:bodyPr>
           <a:lstStyle/>
           <a:p>
-            <a:pPr algn="l"/>
-            <a:r>
-              <a:rPr lang="en-GB" sz="1600" b="1" dirty="0">
-                <a:latin typeface="Consolas" panose="020B0609020204030204" pitchFamily="49" charset="0"/>
-              </a:rPr>
-              <a:t>A</a:t>
-            </a:r>
-            <a:r>
-              <a:rPr lang="en-GB" sz="1600" b="1" i="0" u="none" strike="noStrike" baseline="0" dirty="0">
-                <a:latin typeface="Consolas" panose="020B0609020204030204" pitchFamily="49" charset="0"/>
-              </a:rPr>
-              <a:t>ction </a:t>
-            </a:r>
-            <a:r>
-              <a:rPr lang="en-GB" sz="1600" b="1" dirty="0">
-                <a:latin typeface="Consolas" panose="020B0609020204030204" pitchFamily="49" charset="0"/>
-              </a:rPr>
-              <a:t>R</a:t>
-            </a:r>
-            <a:r>
-              <a:rPr lang="en-GB" sz="1600" b="1" i="0" u="none" strike="noStrike" baseline="0" dirty="0">
-                <a:latin typeface="Consolas" panose="020B0609020204030204" pitchFamily="49" charset="0"/>
-              </a:rPr>
-              <a:t>ecognition: </a:t>
-            </a:r>
-            <a:r>
-              <a:rPr lang="en-GB" sz="1600" b="0" i="0" u="none" strike="noStrike" baseline="0" dirty="0">
-                <a:latin typeface="Consolas" panose="020B0609020204030204" pitchFamily="49" charset="0"/>
-              </a:rPr>
-              <a:t>“uses</a:t>
-            </a:r>
-            <a:r>
-              <a:rPr lang="en-GB" sz="1600" dirty="0">
-                <a:latin typeface="Consolas" panose="020B0609020204030204" pitchFamily="49" charset="0"/>
-              </a:rPr>
-              <a:t> </a:t>
-            </a:r>
-            <a:r>
-              <a:rPr lang="en-GB" sz="1600" b="0" i="0" u="none" strike="noStrike" baseline="0" dirty="0">
-                <a:latin typeface="Consolas" panose="020B0609020204030204" pitchFamily="49" charset="0"/>
-              </a:rPr>
-              <a:t>an entire sequence of information, which represents one performed action, to associate the observed action to one possible action class”</a:t>
-            </a:r>
-            <a:endParaRPr lang="en-GB" sz="1600" dirty="0">
-              <a:latin typeface="Consolas" panose="020B0609020204030204" pitchFamily="49" charset="0"/>
-            </a:endParaRPr>
-          </a:p>
-          <a:p>
-            <a:pPr algn="l"/>
-            <a:r>
-              <a:rPr lang="en-GB" sz="1600" b="1" i="0" u="none" strike="noStrike" baseline="0" dirty="0">
-                <a:latin typeface="Consolas" panose="020B0609020204030204" pitchFamily="49" charset="0"/>
-              </a:rPr>
-              <a:t>Action Anticipation: </a:t>
-            </a:r>
-            <a:r>
-              <a:rPr lang="en-GB" sz="1600" dirty="0">
-                <a:latin typeface="Consolas" panose="020B0609020204030204" pitchFamily="49" charset="0"/>
-              </a:rPr>
-              <a:t>“</a:t>
-            </a:r>
-            <a:r>
-              <a:rPr lang="en-GB" sz="1600" b="0" i="0" u="none" strike="noStrike" baseline="0" dirty="0">
-                <a:latin typeface="Consolas" panose="020B0609020204030204" pitchFamily="49" charset="0"/>
-              </a:rPr>
-              <a:t>classifying an action even before it occurs, by using the partial information provided up to a certain moment in time”</a:t>
-            </a:r>
-          </a:p>
-          <a:p>
-            <a:pPr algn="r"/>
-            <a:r>
-              <a:rPr lang="en-GB" sz="1100" dirty="0">
-                <a:latin typeface="Consolas" panose="020B0609020204030204" pitchFamily="49" charset="0"/>
-              </a:rPr>
-              <a:t>“Action anticipation for collaborative environments: The impact of contextual information and uncertainty-based prediction”, 2021</a:t>
+            <a:r>
+              <a:rPr lang="en-GB" sz="1600" dirty="0"/>
+              <a:t>Authors: Guilherme Maeda, Aayush </a:t>
+            </a:r>
+            <a:r>
+              <a:rPr lang="en-GB" sz="1600" dirty="0" err="1"/>
+              <a:t>Maloo</a:t>
+            </a:r>
+            <a:r>
+              <a:rPr lang="en-GB" sz="1600" dirty="0"/>
+              <a:t>, Marco </a:t>
+            </a:r>
+            <a:r>
+              <a:rPr lang="en-GB" sz="1600" dirty="0" err="1"/>
+              <a:t>Ewerton</a:t>
+            </a:r>
+            <a:r>
+              <a:rPr lang="en-GB" sz="1600" dirty="0"/>
+              <a:t>, Rudolf </a:t>
+            </a:r>
+            <a:r>
+              <a:rPr lang="en-GB" sz="1600" dirty="0" err="1"/>
+              <a:t>Lioutikov</a:t>
+            </a:r>
+            <a:r>
+              <a:rPr lang="en-GB" sz="1600" dirty="0"/>
+              <a:t>, Jan Peters</a:t>
+            </a:r>
+          </a:p>
+          <a:p>
+            <a:r>
+              <a:rPr lang="en-GB" sz="1600" dirty="0"/>
+              <a:t>Publisher: AAAI Fall Symposium - Technical Report</a:t>
+            </a:r>
+          </a:p>
+          <a:p>
+            <a:r>
+              <a:rPr lang="en-GB" sz="1600" dirty="0"/>
+              <a:t>Year: 2016</a:t>
             </a:r>
           </a:p>
         </p:txBody>
       </p:sp>
-      <p:sp>
-        <p:nvSpPr>
-          <p:cNvPr id="5" name="Slide Number Placeholder 4">
+      <p:pic>
+        <p:nvPicPr>
+          <p:cNvPr id="6" name="Picture 5">
             <a:extLst>
               <a:ext uri="{FF2B5EF4-FFF2-40B4-BE49-F238E27FC236}">
-                <a16:creationId xmlns:a16="http://schemas.microsoft.com/office/drawing/2014/main" id="{7FB2A790-2A49-E070-1469-F550AF06DE8F}"/>
+                <a16:creationId xmlns:a16="http://schemas.microsoft.com/office/drawing/2014/main" id="{9DDD0601-52BD-C6C1-E5E3-EBB24F881375}"/>
+              </a:ext>
+            </a:extLst>
+          </p:cNvPr>
+          <p:cNvPicPr>
+            <a:picLocks noChangeAspect="1"/>
+          </p:cNvPicPr>
+          <p:nvPr/>
+        </p:nvPicPr>
+        <p:blipFill>
+          <a:blip r:embed="rId2"/>
+          <a:stretch>
+            <a:fillRect/>
+          </a:stretch>
+        </p:blipFill>
+        <p:spPr>
+          <a:xfrm>
+            <a:off x="5734340" y="4486269"/>
+            <a:ext cx="5458233" cy="2081812"/>
+          </a:xfrm>
+          <a:prstGeom prst="rect">
+            <a:avLst/>
+          </a:prstGeom>
+        </p:spPr>
+      </p:pic>
+      <p:sp>
+        <p:nvSpPr>
+          <p:cNvPr id="7" name="Slide Number Placeholder 6">
+            <a:extLst>
+              <a:ext uri="{FF2B5EF4-FFF2-40B4-BE49-F238E27FC236}">
+                <a16:creationId xmlns:a16="http://schemas.microsoft.com/office/drawing/2014/main" id="{DCC6FC4F-22DA-4881-F01C-C76A2BD848E1}"/>
               </a:ext>
             </a:extLst>
           </p:cNvPr>
@@ -4669,6 +4636,7 @@
           <a:p>
             <a:fld id="{3A98EE3D-8CD1-4C3F-BD1C-C98C9596463C}" type="slidenum">
               <a:rPr lang="en-US" smtClean="0"/>
+              <a:pPr/>
               <a:t>3</a:t>
             </a:fld>
             <a:endParaRPr lang="en-US" dirty="0"/>
@@ -4678,7 +4646,7 @@
     </p:spTree>
     <p:extLst>
       <p:ext uri="{BB962C8B-B14F-4D97-AF65-F5344CB8AC3E}">
-        <p14:creationId xmlns:p14="http://schemas.microsoft.com/office/powerpoint/2010/main" val="349328937"/>
+        <p14:creationId xmlns:p14="http://schemas.microsoft.com/office/powerpoint/2010/main" val="2434270604"/>
       </p:ext>
     </p:extLst>
   </p:cSld>
@@ -4735,165 +4703,15 @@
           <a:p>
             <a:r>
               <a:rPr lang="en-GB" sz="2400" dirty="0"/>
-              <a:t>Anticipative interaction primitives for human-robot collaboration</a:t>
-            </a:r>
-          </a:p>
-        </p:txBody>
-      </p:sp>
-      <p:sp>
-        <p:nvSpPr>
-          <p:cNvPr id="3" name="Content Placeholder 2">
-            <a:extLst>
-              <a:ext uri="{FF2B5EF4-FFF2-40B4-BE49-F238E27FC236}">
-                <a16:creationId xmlns:a16="http://schemas.microsoft.com/office/drawing/2014/main" id="{98918E28-0EAA-F8BC-0A2A-8C51BCAA7EF4}"/>
-              </a:ext>
-            </a:extLst>
-          </p:cNvPr>
-          <p:cNvSpPr>
-            <a:spLocks noGrp="1"/>
-          </p:cNvSpPr>
-          <p:nvPr>
-            <p:ph idx="1"/>
-          </p:nvPr>
-        </p:nvSpPr>
-        <p:spPr>
-          <a:xfrm>
-            <a:off x="5378380" y="786383"/>
-            <a:ext cx="6170153" cy="4093524"/>
-          </a:xfrm>
-        </p:spPr>
-        <p:txBody>
-          <a:bodyPr>
-            <a:normAutofit/>
-          </a:bodyPr>
-          <a:lstStyle/>
-          <a:p>
-            <a:pPr>
-              <a:buFont typeface="Wingdings" panose="05000000000000000000" pitchFamily="2" charset="2"/>
-              <a:buChar char="Ø"/>
-            </a:pPr>
-            <a:r>
-              <a:rPr lang="en-GB" sz="1600" b="0" dirty="0">
-                <a:solidFill>
-                  <a:schemeClr val="tx1"/>
-                </a:solidFill>
-                <a:effectLst/>
-                <a:latin typeface="Consolas" panose="020B0609020204030204" pitchFamily="49" charset="0"/>
-              </a:rPr>
-              <a:t> The robot should decide whether to hand over a screw or a plate and which plate;</a:t>
-            </a:r>
-          </a:p>
-          <a:p>
-            <a:pPr>
-              <a:buFont typeface="Wingdings" panose="05000000000000000000" pitchFamily="2" charset="2"/>
-              <a:buChar char="Ø"/>
-            </a:pPr>
-            <a:r>
-              <a:rPr lang="en-GB" sz="1600" b="0" dirty="0">
-                <a:solidFill>
-                  <a:schemeClr val="tx1"/>
-                </a:solidFill>
-                <a:effectLst/>
-                <a:latin typeface="Consolas" panose="020B0609020204030204" pitchFamily="49" charset="0"/>
-              </a:rPr>
-              <a:t> A camera is used and the user has a optical marker on the hand;</a:t>
-            </a:r>
-          </a:p>
-          <a:p>
-            <a:pPr>
-              <a:buFont typeface="Wingdings" panose="05000000000000000000" pitchFamily="2" charset="2"/>
-              <a:buChar char="Ø"/>
-            </a:pPr>
-            <a:r>
-              <a:rPr lang="en-GB" sz="1600" b="0" dirty="0">
-                <a:solidFill>
-                  <a:schemeClr val="tx1"/>
-                </a:solidFill>
-                <a:effectLst/>
-                <a:latin typeface="Consolas" panose="020B0609020204030204" pitchFamily="49" charset="0"/>
-              </a:rPr>
-              <a:t> As the experience with a given user grows, it learns the pattern in which the parts are being assembled;</a:t>
-            </a:r>
-          </a:p>
-          <a:p>
-            <a:pPr>
-              <a:buFont typeface="Wingdings" panose="05000000000000000000" pitchFamily="2" charset="2"/>
-              <a:buChar char="Ø"/>
-            </a:pPr>
-            <a:r>
-              <a:rPr lang="en-GB" sz="1600" dirty="0">
-                <a:solidFill>
-                  <a:schemeClr val="tx1"/>
-                </a:solidFill>
-                <a:latin typeface="Consolas" panose="020B0609020204030204" pitchFamily="49" charset="0"/>
-              </a:rPr>
-              <a:t> U</a:t>
-            </a:r>
-            <a:r>
-              <a:rPr lang="en-GB" sz="1600" b="0" dirty="0">
-                <a:solidFill>
-                  <a:schemeClr val="tx1"/>
-                </a:solidFill>
-                <a:effectLst/>
-                <a:latin typeface="Consolas" panose="020B0609020204030204" pitchFamily="49" charset="0"/>
-              </a:rPr>
-              <a:t>se a lookup table containing variations of assembly sequences, previously demonstrated by different users;</a:t>
-            </a:r>
-          </a:p>
-          <a:p>
-            <a:pPr>
-              <a:buFont typeface="Wingdings" panose="05000000000000000000" pitchFamily="2" charset="2"/>
-              <a:buChar char="Ø"/>
-            </a:pPr>
-            <a:r>
-              <a:rPr lang="en-GB" sz="1600" b="0" dirty="0">
-                <a:solidFill>
-                  <a:schemeClr val="tx1"/>
-                </a:solidFill>
-                <a:effectLst/>
-                <a:latin typeface="Consolas" panose="020B0609020204030204" pitchFamily="49" charset="0"/>
-              </a:rPr>
-              <a:t> </a:t>
-            </a:r>
-            <a:r>
-              <a:rPr lang="en-GB" sz="1600" dirty="0">
-                <a:solidFill>
-                  <a:schemeClr val="tx1"/>
-                </a:solidFill>
-                <a:latin typeface="Consolas" panose="020B0609020204030204" pitchFamily="49" charset="0"/>
-              </a:rPr>
-              <a:t>U</a:t>
-            </a:r>
-            <a:r>
-              <a:rPr lang="en-GB" sz="1600" b="0" dirty="0">
-                <a:solidFill>
-                  <a:schemeClr val="tx1"/>
-                </a:solidFill>
-                <a:effectLst/>
-                <a:latin typeface="Consolas" panose="020B0609020204030204" pitchFamily="49" charset="0"/>
-              </a:rPr>
-              <a:t>se nearest neighbour sequence in the table that matches the actual sequence of human actions.</a:t>
-            </a:r>
-          </a:p>
-          <a:p>
-            <a:pPr>
-              <a:buFont typeface="Wingdings" panose="05000000000000000000" pitchFamily="2" charset="2"/>
-              <a:buChar char="Ø"/>
-            </a:pPr>
-            <a:endParaRPr lang="en-GB" b="0" dirty="0">
-              <a:solidFill>
-                <a:schemeClr val="tx1"/>
-              </a:solidFill>
-              <a:effectLst/>
-              <a:latin typeface="Consolas" panose="020B0609020204030204" pitchFamily="49" charset="0"/>
-            </a:endParaRPr>
-          </a:p>
-          <a:p>
-            <a:pPr marL="457200" indent="-457200">
-              <a:buFont typeface="+mj-lt"/>
-              <a:buAutoNum type="arabicPeriod"/>
-            </a:pPr>
-            <a:endParaRPr lang="en-GB" dirty="0"/>
+              <a:t>Anticipation in Human-Robot Cooperation: A recurrent neural network</a:t>
+            </a:r>
+            <a:br>
+              <a:rPr lang="en-GB" sz="2400" dirty="0"/>
+            </a:br>
+            <a:r>
+              <a:rPr lang="en-GB" sz="2400" dirty="0"/>
+              <a:t>approach for multiple action sequences prediction</a:t>
+            </a:r>
           </a:p>
         </p:txBody>
       </p:sp>
@@ -4927,53 +4745,69 @@
           <a:p>
             <a:r>
               <a:rPr lang="en-GB" sz="1600" dirty="0"/>
-              <a:t>Authors: Guilherme Maeda, Aayush </a:t>
-            </a:r>
-            <a:r>
-              <a:rPr lang="en-GB" sz="1600" dirty="0" err="1"/>
-              <a:t>Maloo</a:t>
+              <a:t>Authors: </a:t>
+            </a:r>
+            <a:r>
+              <a:rPr lang="en-GB" sz="1600" b="0" i="0" u="none" strike="noStrike" baseline="0" dirty="0"/>
+              <a:t>Paul </a:t>
+            </a:r>
+            <a:r>
+              <a:rPr lang="en-GB" sz="1600" b="0" i="0" u="none" strike="noStrike" baseline="0" dirty="0" err="1"/>
+              <a:t>Schydlo</a:t>
+            </a:r>
+            <a:r>
+              <a:rPr lang="en-GB" sz="1600" b="0" i="0" u="none" strike="noStrike" baseline="0" dirty="0"/>
+              <a:t>, Mirko </a:t>
+            </a:r>
+            <a:r>
+              <a:rPr lang="en-GB" sz="1600" b="0" i="0" u="none" strike="noStrike" baseline="0" dirty="0" err="1"/>
+              <a:t>Rakovic</a:t>
+            </a:r>
+            <a:r>
+              <a:rPr lang="en-GB" sz="1600" b="0" i="0" u="none" strike="noStrike" baseline="0" dirty="0"/>
+              <a:t>, Lorenzo </a:t>
+            </a:r>
+            <a:r>
+              <a:rPr lang="en-GB" sz="1600" b="0" i="0" u="none" strike="noStrike" baseline="0" dirty="0" err="1"/>
+              <a:t>Jamone</a:t>
             </a:r>
             <a:r>
               <a:rPr lang="en-GB" sz="1600" dirty="0"/>
-              <a:t>, Marco </a:t>
-            </a:r>
-            <a:r>
-              <a:rPr lang="en-GB" sz="1600" dirty="0" err="1"/>
-              <a:t>Ewerton</a:t>
+              <a:t>,</a:t>
+            </a:r>
+            <a:r>
+              <a:rPr lang="en-GB" sz="1600" b="0" i="0" u="none" strike="noStrike" baseline="0" dirty="0"/>
+              <a:t> Jos</a:t>
             </a:r>
             <a:r>
               <a:rPr lang="en-GB" sz="1600" dirty="0"/>
-              <a:t>, Rudolf </a:t>
-            </a:r>
-            <a:r>
-              <a:rPr lang="en-GB" sz="1600" dirty="0" err="1"/>
-              <a:t>Lioutikov</a:t>
-            </a:r>
+              <a:t>é</a:t>
+            </a:r>
+            <a:r>
+              <a:rPr lang="en-GB" sz="1600" b="0" i="0" u="none" strike="noStrike" baseline="0" dirty="0"/>
+              <a:t> Santos-Victor</a:t>
+            </a:r>
+          </a:p>
+          <a:p>
             <a:r>
               <a:rPr lang="en-GB" sz="1600" dirty="0"/>
-              <a:t>, Jan Peters</a:t>
+              <a:t>Publisher: Proceedings - IEEE International Conference on Robotics and Automation</a:t>
             </a:r>
           </a:p>
           <a:p>
             <a:r>
               <a:rPr lang="en-GB" sz="1600" dirty="0"/>
-              <a:t>Publisher: AAAI Fall Symposium - Technical Report</a:t>
-            </a:r>
-          </a:p>
-          <a:p>
-            <a:r>
-              <a:rPr lang="en-GB" sz="1600" dirty="0"/>
-              <a:t>Year: 2016</a:t>
+              <a:t>Year: 2018</a:t>
             </a:r>
           </a:p>
         </p:txBody>
       </p:sp>
       <p:pic>
         <p:nvPicPr>
-          <p:cNvPr id="6" name="Picture 5">
+          <p:cNvPr id="7" name="Picture 6">
             <a:extLst>
               <a:ext uri="{FF2B5EF4-FFF2-40B4-BE49-F238E27FC236}">
-                <a16:creationId xmlns:a16="http://schemas.microsoft.com/office/drawing/2014/main" id="{9DDD0601-52BD-C6C1-E5E3-EBB24F881375}"/>
+                <a16:creationId xmlns:a16="http://schemas.microsoft.com/office/drawing/2014/main" id="{FC217824-A2BC-CAF2-0856-519FF3982007}"/>
               </a:ext>
             </a:extLst>
           </p:cNvPr>
@@ -4990,8 +4824,8 @@
         </p:blipFill>
         <p:spPr>
           <a:xfrm>
-            <a:off x="5418680" y="4284633"/>
-            <a:ext cx="6089551" cy="2322601"/>
+            <a:off x="5499284" y="4433073"/>
+            <a:ext cx="5928345" cy="1883121"/>
           </a:xfrm>
           <a:prstGeom prst="rect">
             <a:avLst/>
@@ -5000,10 +4834,10 @@
       </p:pic>
       <p:sp>
         <p:nvSpPr>
-          <p:cNvPr id="7" name="Slide Number Placeholder 6">
+          <p:cNvPr id="6" name="Slide Number Placeholder 5">
             <a:extLst>
               <a:ext uri="{FF2B5EF4-FFF2-40B4-BE49-F238E27FC236}">
-                <a16:creationId xmlns:a16="http://schemas.microsoft.com/office/drawing/2014/main" id="{DCC6FC4F-22DA-4881-F01C-C76A2BD848E1}"/>
+                <a16:creationId xmlns:a16="http://schemas.microsoft.com/office/drawing/2014/main" id="{79FAC08C-0883-2C50-9138-83B780CCE9DF}"/>
               </a:ext>
             </a:extLst>
           </p:cNvPr>
@@ -5028,10 +4862,199 @@
           </a:p>
         </p:txBody>
       </p:sp>
+      <p:sp>
+        <p:nvSpPr>
+          <p:cNvPr id="9" name="Content Placeholder 2">
+            <a:extLst>
+              <a:ext uri="{FF2B5EF4-FFF2-40B4-BE49-F238E27FC236}">
+                <a16:creationId xmlns:a16="http://schemas.microsoft.com/office/drawing/2014/main" id="{DF619A40-D266-97A0-8BF6-42F02032995F}"/>
+              </a:ext>
+            </a:extLst>
+          </p:cNvPr>
+          <p:cNvSpPr>
+            <a:spLocks noGrp="1"/>
+          </p:cNvSpPr>
+          <p:nvPr>
+            <p:ph idx="1"/>
+          </p:nvPr>
+        </p:nvSpPr>
+        <p:spPr>
+          <a:xfrm>
+            <a:off x="5378381" y="641553"/>
+            <a:ext cx="6170153" cy="3965958"/>
+          </a:xfrm>
+        </p:spPr>
+        <p:txBody>
+          <a:bodyPr>
+            <a:normAutofit/>
+          </a:bodyPr>
+          <a:lstStyle/>
+          <a:p>
+            <a:pPr>
+              <a:buFont typeface="Arial" panose="020B0604020202020204" pitchFamily="34" charset="0"/>
+              <a:buChar char="•"/>
+            </a:pPr>
+            <a:r>
+              <a:rPr lang="en-GB" sz="1600" b="1" dirty="0">
+                <a:solidFill>
+                  <a:schemeClr val="tx1"/>
+                </a:solidFill>
+                <a:latin typeface="Consolas" panose="020B0609020204030204" pitchFamily="49" charset="0"/>
+              </a:rPr>
+              <a:t> Objective: </a:t>
+            </a:r>
+            <a:r>
+              <a:rPr lang="en-GB" sz="1600" b="0" dirty="0">
+                <a:solidFill>
+                  <a:schemeClr val="tx1"/>
+                </a:solidFill>
+                <a:effectLst/>
+                <a:latin typeface="Consolas" panose="020B0609020204030204" pitchFamily="49" charset="0"/>
+              </a:rPr>
+              <a:t>The robot must predict human actions and intent, and understand human non-verbal cues: gaze and body posture</a:t>
+            </a:r>
+            <a:r>
+              <a:rPr lang="en-GB" sz="1600" dirty="0">
+                <a:solidFill>
+                  <a:schemeClr val="tx1"/>
+                </a:solidFill>
+                <a:latin typeface="Consolas" panose="020B0609020204030204" pitchFamily="49" charset="0"/>
+              </a:rPr>
+              <a:t>;</a:t>
+            </a:r>
+          </a:p>
+          <a:p>
+            <a:pPr>
+              <a:buFont typeface="Arial" panose="020B0604020202020204" pitchFamily="34" charset="0"/>
+              <a:buChar char="•"/>
+            </a:pPr>
+            <a:r>
+              <a:rPr lang="en-GB" sz="1600" b="1" dirty="0">
+                <a:solidFill>
+                  <a:schemeClr val="tx1"/>
+                </a:solidFill>
+                <a:latin typeface="Consolas" panose="020B0609020204030204" pitchFamily="49" charset="0"/>
+              </a:rPr>
+              <a:t> Sensors:</a:t>
+            </a:r>
+            <a:r>
+              <a:rPr lang="en-GB" sz="1600" dirty="0">
+                <a:solidFill>
+                  <a:schemeClr val="tx1"/>
+                </a:solidFill>
+                <a:latin typeface="Consolas" panose="020B0609020204030204" pitchFamily="49" charset="0"/>
+              </a:rPr>
+              <a:t> one dataset containing images with optical markers and data from wearable sensors to detect gaze and another dataset containing RGB-D images;</a:t>
+            </a:r>
+          </a:p>
+          <a:p>
+            <a:pPr>
+              <a:buFont typeface="Arial" panose="020B0604020202020204" pitchFamily="34" charset="0"/>
+              <a:buChar char="•"/>
+            </a:pPr>
+            <a:r>
+              <a:rPr lang="en-GB" sz="1600" dirty="0">
+                <a:solidFill>
+                  <a:schemeClr val="tx1"/>
+                </a:solidFill>
+                <a:latin typeface="Consolas" panose="020B0609020204030204" pitchFamily="49" charset="0"/>
+              </a:rPr>
+              <a:t> </a:t>
+            </a:r>
+            <a:r>
+              <a:rPr lang="en-GB" sz="1600" b="1" dirty="0">
+                <a:solidFill>
+                  <a:schemeClr val="tx1"/>
+                </a:solidFill>
+                <a:latin typeface="Consolas" panose="020B0609020204030204" pitchFamily="49" charset="0"/>
+              </a:rPr>
+              <a:t>Methods: </a:t>
+            </a:r>
+            <a:r>
+              <a:rPr lang="en-GB" sz="1600" dirty="0">
+                <a:solidFill>
+                  <a:schemeClr val="tx1"/>
+                </a:solidFill>
+                <a:latin typeface="Consolas" panose="020B0609020204030204" pitchFamily="49" charset="0"/>
+              </a:rPr>
+              <a:t>P</a:t>
+            </a:r>
+            <a:r>
+              <a:rPr lang="en-GB" sz="1600" b="0" dirty="0">
+                <a:solidFill>
+                  <a:schemeClr val="tx1"/>
+                </a:solidFill>
+                <a:effectLst/>
+                <a:latin typeface="Consolas" panose="020B0609020204030204" pitchFamily="49" charset="0"/>
+              </a:rPr>
+              <a:t>redicts multiple action sequences using a </a:t>
+            </a:r>
+            <a:r>
+              <a:rPr lang="en-GB" sz="1600" dirty="0">
+                <a:solidFill>
+                  <a:schemeClr val="tx1"/>
+                </a:solidFill>
+                <a:latin typeface="Consolas" panose="020B0609020204030204" pitchFamily="49" charset="0"/>
+              </a:rPr>
+              <a:t>E</a:t>
+            </a:r>
+            <a:r>
+              <a:rPr lang="en-GB" sz="1600" b="0" dirty="0">
+                <a:solidFill>
+                  <a:schemeClr val="tx1"/>
+                </a:solidFill>
+                <a:effectLst/>
+                <a:latin typeface="Consolas" panose="020B0609020204030204" pitchFamily="49" charset="0"/>
+              </a:rPr>
+              <a:t>ncoder-decoder recurrent neural network topology; </a:t>
+            </a:r>
+          </a:p>
+          <a:p>
+            <a:pPr>
+              <a:buFont typeface="Arial" panose="020B0604020202020204" pitchFamily="34" charset="0"/>
+              <a:buChar char="•"/>
+            </a:pPr>
+            <a:r>
+              <a:rPr lang="en-GB" sz="1600" b="1" dirty="0">
+                <a:solidFill>
+                  <a:schemeClr val="tx1"/>
+                </a:solidFill>
+                <a:effectLst/>
+                <a:latin typeface="Consolas" panose="020B0609020204030204" pitchFamily="49" charset="0"/>
+              </a:rPr>
+              <a:t> Contribution:</a:t>
+            </a:r>
+            <a:r>
+              <a:rPr lang="en-GB" sz="1600" dirty="0">
+                <a:solidFill>
+                  <a:schemeClr val="tx1"/>
+                </a:solidFill>
+                <a:effectLst/>
+                <a:latin typeface="Consolas" panose="020B0609020204030204" pitchFamily="49" charset="0"/>
+              </a:rPr>
+              <a:t> Example of using deep neural networks and suggests the idea of predicting multiple actions while the model is unsure of the next action.</a:t>
+            </a:r>
+            <a:endParaRPr lang="en-GB" b="0" dirty="0">
+              <a:solidFill>
+                <a:schemeClr val="tx1"/>
+              </a:solidFill>
+              <a:effectLst/>
+              <a:latin typeface="Consolas" panose="020B0609020204030204" pitchFamily="49" charset="0"/>
+            </a:endParaRPr>
+          </a:p>
+          <a:p>
+            <a:pPr marL="457200" indent="-457200">
+              <a:buFont typeface="+mj-lt"/>
+              <a:buAutoNum type="arabicPeriod"/>
+            </a:pPr>
+            <a:endParaRPr lang="en-GB" dirty="0"/>
+          </a:p>
+        </p:txBody>
+      </p:sp>
     </p:spTree>
     <p:extLst>
       <p:ext uri="{BB962C8B-B14F-4D97-AF65-F5344CB8AC3E}">
-        <p14:creationId xmlns:p14="http://schemas.microsoft.com/office/powerpoint/2010/main" val="2434270604"/>
+        <p14:creationId xmlns:p14="http://schemas.microsoft.com/office/powerpoint/2010/main" val="3891288676"/>
       </p:ext>
     </p:extLst>
   </p:cSld>
@@ -5088,161 +5111,8 @@
           <a:p>
             <a:r>
               <a:rPr lang="en-GB" sz="2400" dirty="0"/>
-              <a:t>Anticipation in Human-Robot Cooperation: A recurrent neural network</a:t>
-            </a:r>
-            <a:br>
-              <a:rPr lang="en-GB" sz="2400" dirty="0"/>
-            </a:br>
-            <a:r>
-              <a:rPr lang="en-GB" sz="2400" dirty="0"/>
-              <a:t>approach for multiple action sequences prediction</a:t>
-            </a:r>
-          </a:p>
-        </p:txBody>
-      </p:sp>
-      <p:sp>
-        <p:nvSpPr>
-          <p:cNvPr id="3" name="Content Placeholder 2">
-            <a:extLst>
-              <a:ext uri="{FF2B5EF4-FFF2-40B4-BE49-F238E27FC236}">
-                <a16:creationId xmlns:a16="http://schemas.microsoft.com/office/drawing/2014/main" id="{98918E28-0EAA-F8BC-0A2A-8C51BCAA7EF4}"/>
-              </a:ext>
-            </a:extLst>
-          </p:cNvPr>
-          <p:cNvSpPr>
-            <a:spLocks noGrp="1"/>
-          </p:cNvSpPr>
-          <p:nvPr>
-            <p:ph idx="1"/>
-          </p:nvPr>
-        </p:nvSpPr>
-        <p:spPr>
-          <a:xfrm>
-            <a:off x="5458984" y="786384"/>
-            <a:ext cx="5928344" cy="4093524"/>
-          </a:xfrm>
-        </p:spPr>
-        <p:txBody>
-          <a:bodyPr>
-            <a:normAutofit/>
-          </a:bodyPr>
-          <a:lstStyle/>
-          <a:p>
-            <a:pPr>
-              <a:buFont typeface="Wingdings" panose="05000000000000000000" pitchFamily="2" charset="2"/>
-              <a:buChar char="Ø"/>
-            </a:pPr>
-            <a:r>
-              <a:rPr lang="en-GB" sz="1600" b="0" dirty="0">
-                <a:solidFill>
-                  <a:schemeClr val="tx1"/>
-                </a:solidFill>
-                <a:effectLst/>
-                <a:latin typeface="Consolas" panose="020B0609020204030204" pitchFamily="49" charset="0"/>
-              </a:rPr>
-              <a:t> The robot must predict human actions and intent, and understand human non-verbal cues: gaze and body posture</a:t>
-            </a:r>
-            <a:r>
-              <a:rPr lang="en-GB" sz="1600" dirty="0">
-                <a:solidFill>
-                  <a:schemeClr val="tx1"/>
-                </a:solidFill>
-                <a:latin typeface="Consolas" panose="020B0609020204030204" pitchFamily="49" charset="0"/>
-              </a:rPr>
-              <a:t>;</a:t>
-            </a:r>
-          </a:p>
-          <a:p>
-            <a:pPr>
-              <a:buFont typeface="Wingdings" panose="05000000000000000000" pitchFamily="2" charset="2"/>
-              <a:buChar char="Ø"/>
-            </a:pPr>
-            <a:r>
-              <a:rPr lang="en-GB" sz="1600" b="0" dirty="0">
-                <a:solidFill>
-                  <a:schemeClr val="tx1"/>
-                </a:solidFill>
-                <a:effectLst/>
-                <a:latin typeface="Consolas" panose="020B0609020204030204" pitchFamily="49" charset="0"/>
-              </a:rPr>
-              <a:t> </a:t>
-            </a:r>
-            <a:r>
-              <a:rPr lang="en-GB" sz="1600" dirty="0">
-                <a:solidFill>
-                  <a:schemeClr val="tx1"/>
-                </a:solidFill>
-                <a:latin typeface="Consolas" panose="020B0609020204030204" pitchFamily="49" charset="0"/>
-              </a:rPr>
-              <a:t>E</a:t>
-            </a:r>
-            <a:r>
-              <a:rPr lang="en-GB" sz="1600" b="0" dirty="0">
-                <a:solidFill>
-                  <a:schemeClr val="tx1"/>
-                </a:solidFill>
-                <a:effectLst/>
-                <a:latin typeface="Consolas" panose="020B0609020204030204" pitchFamily="49" charset="0"/>
-              </a:rPr>
-              <a:t>ncoder-decoder recurrent neural network topology;</a:t>
-            </a:r>
-          </a:p>
-          <a:p>
-            <a:pPr>
-              <a:buFont typeface="Wingdings" panose="05000000000000000000" pitchFamily="2" charset="2"/>
-              <a:buChar char="Ø"/>
-            </a:pPr>
-            <a:r>
-              <a:rPr lang="en-GB" sz="1600" b="0" dirty="0">
-                <a:solidFill>
-                  <a:schemeClr val="tx1"/>
-                </a:solidFill>
-                <a:effectLst/>
-                <a:latin typeface="Consolas" panose="020B0609020204030204" pitchFamily="49" charset="0"/>
-              </a:rPr>
-              <a:t> </a:t>
-            </a:r>
-            <a:r>
-              <a:rPr lang="en-GB" sz="1600" dirty="0">
-                <a:solidFill>
-                  <a:schemeClr val="tx1"/>
-                </a:solidFill>
-                <a:latin typeface="Consolas" panose="020B0609020204030204" pitchFamily="49" charset="0"/>
-              </a:rPr>
-              <a:t>P</a:t>
-            </a:r>
-            <a:r>
-              <a:rPr lang="en-GB" sz="1600" b="0" dirty="0">
-                <a:solidFill>
-                  <a:schemeClr val="tx1"/>
-                </a:solidFill>
-                <a:effectLst/>
-                <a:latin typeface="Consolas" panose="020B0609020204030204" pitchFamily="49" charset="0"/>
-              </a:rPr>
-              <a:t>redicts multiple action sequences;</a:t>
-            </a:r>
-          </a:p>
-          <a:p>
-            <a:pPr>
-              <a:buFont typeface="Wingdings" panose="05000000000000000000" pitchFamily="2" charset="2"/>
-              <a:buChar char="Ø"/>
-            </a:pPr>
-            <a:r>
-              <a:rPr lang="en-GB" sz="1600" dirty="0">
-                <a:solidFill>
-                  <a:schemeClr val="tx1"/>
-                </a:solidFill>
-                <a:latin typeface="Consolas" panose="020B0609020204030204" pitchFamily="49" charset="0"/>
-              </a:rPr>
-              <a:t> 2 datasets were used: the first one contained images with optical markers and data from wearable sensors to detect gaze and the second one contained RGB-D images.</a:t>
-            </a:r>
-            <a:endParaRPr lang="en-GB" sz="1600" b="0" dirty="0">
-              <a:solidFill>
-                <a:schemeClr val="tx1"/>
-              </a:solidFill>
-              <a:effectLst/>
-              <a:latin typeface="Consolas" panose="020B0609020204030204" pitchFamily="49" charset="0"/>
-            </a:endParaRPr>
+              <a:t>Prediction‐Based Human‐Robot Collaboration in Assembly Tasks Using a Learning from Demonstration Model</a:t>
+            </a:r>
           </a:p>
         </p:txBody>
       </p:sp>
@@ -5279,66 +5149,66 @@
               <a:t>Authors: </a:t>
             </a:r>
             <a:r>
+              <a:rPr lang="en-GB" sz="1600" b="0" i="0" u="none" strike="noStrike" baseline="0" dirty="0" err="1"/>
+              <a:t>Zhujun</a:t>
+            </a:r>
+            <a:r>
               <a:rPr lang="en-GB" sz="1600" b="0" i="0" u="none" strike="noStrike" baseline="0" dirty="0"/>
-              <a:t>Paul </a:t>
+              <a:t> Zhang, </a:t>
             </a:r>
             <a:r>
               <a:rPr lang="en-GB" sz="1600" b="0" i="0" u="none" strike="noStrike" baseline="0" dirty="0" err="1"/>
-              <a:t>Schydlo</a:t>
+              <a:t>Gaoliang</a:t>
             </a:r>
             <a:r>
               <a:rPr lang="en-GB" sz="1600" b="0" i="0" u="none" strike="noStrike" baseline="0" dirty="0"/>
-              <a:t>, Mirko </a:t>
+              <a:t> Peng, </a:t>
             </a:r>
             <a:r>
               <a:rPr lang="en-GB" sz="1600" b="0" i="0" u="none" strike="noStrike" baseline="0" dirty="0" err="1"/>
-              <a:t>Rakovic</a:t>
+              <a:t>Weitian</a:t>
             </a:r>
             <a:r>
               <a:rPr lang="en-GB" sz="1600" b="0" i="0" u="none" strike="noStrike" baseline="0" dirty="0"/>
-              <a:t>, Lorenzo </a:t>
+              <a:t> Wang, Yi Chen, </a:t>
             </a:r>
             <a:r>
               <a:rPr lang="en-GB" sz="1600" b="0" i="0" u="none" strike="noStrike" baseline="0" dirty="0" err="1"/>
-              <a:t>Jamone</a:t>
-            </a:r>
+              <a:t>Yunyi</a:t>
+            </a:r>
+            <a:r>
+              <a:rPr lang="en-GB" sz="1600" b="0" i="0" u="none" strike="noStrike" baseline="0" dirty="0"/>
+              <a:t> Jia, </a:t>
+            </a:r>
+            <a:r>
+              <a:rPr lang="en-GB" sz="1600" b="0" i="0" u="none" strike="noStrike" baseline="0" dirty="0" err="1"/>
+              <a:t>Shaohui</a:t>
+            </a:r>
+            <a:r>
+              <a:rPr lang="en-GB" sz="1600" b="0" i="0" u="none" strike="noStrike" baseline="0" dirty="0"/>
+              <a:t> Liu</a:t>
+            </a:r>
+          </a:p>
+          <a:p>
             <a:r>
               <a:rPr lang="en-GB" sz="1600" dirty="0"/>
-              <a:t>,</a:t>
-            </a:r>
-            <a:r>
-              <a:rPr lang="en-GB" sz="1600" b="0" i="0" u="none" strike="noStrike" baseline="0" dirty="0"/>
-              <a:t> Jos</a:t>
-            </a:r>
+              <a:t>Publisher: Sensors</a:t>
+            </a:r>
+          </a:p>
+          <a:p>
             <a:r>
               <a:rPr lang="en-GB" sz="1600" dirty="0"/>
-              <a:t>é</a:t>
-            </a:r>
-            <a:r>
-              <a:rPr lang="en-GB" sz="1600" b="0" i="0" u="none" strike="noStrike" baseline="0" dirty="0"/>
-              <a:t> Santos-Victor</a:t>
-            </a:r>
-          </a:p>
-          <a:p>
-            <a:r>
-              <a:rPr lang="en-GB" sz="1600" dirty="0"/>
-              <a:t>Publisher: Proceedings - IEEE International Conference on Robotics and Automation</a:t>
-            </a:r>
-          </a:p>
-          <a:p>
-            <a:r>
-              <a:rPr lang="en-GB" sz="1600" dirty="0"/>
-              <a:t>Year: 2018</a:t>
+              <a:t>Year: 2022</a:t>
             </a:r>
           </a:p>
         </p:txBody>
       </p:sp>
       <p:pic>
         <p:nvPicPr>
-          <p:cNvPr id="7" name="Picture 6">
+          <p:cNvPr id="6" name="Picture 5">
             <a:extLst>
               <a:ext uri="{FF2B5EF4-FFF2-40B4-BE49-F238E27FC236}">
-                <a16:creationId xmlns:a16="http://schemas.microsoft.com/office/drawing/2014/main" id="{FC217824-A2BC-CAF2-0856-519FF3982007}"/>
+                <a16:creationId xmlns:a16="http://schemas.microsoft.com/office/drawing/2014/main" id="{2526A42F-9BFF-E9AB-56EF-1480EFBB17D7}"/>
               </a:ext>
             </a:extLst>
           </p:cNvPr>
@@ -5355,8 +5225,8 @@
         </p:blipFill>
         <p:spPr>
           <a:xfrm>
-            <a:off x="5458981" y="4299908"/>
-            <a:ext cx="5928345" cy="1883121"/>
+            <a:off x="6449380" y="4216893"/>
+            <a:ext cx="4028153" cy="2463584"/>
           </a:xfrm>
           <a:prstGeom prst="rect">
             <a:avLst/>
@@ -5365,10 +5235,10 @@
       </p:pic>
       <p:sp>
         <p:nvSpPr>
-          <p:cNvPr id="6" name="Slide Number Placeholder 5">
+          <p:cNvPr id="7" name="Slide Number Placeholder 6">
             <a:extLst>
               <a:ext uri="{FF2B5EF4-FFF2-40B4-BE49-F238E27FC236}">
-                <a16:creationId xmlns:a16="http://schemas.microsoft.com/office/drawing/2014/main" id="{79FAC08C-0883-2C50-9138-83B780CCE9DF}"/>
+                <a16:creationId xmlns:a16="http://schemas.microsoft.com/office/drawing/2014/main" id="{CE05FA4A-1B95-1082-5701-84FEDE809405}"/>
               </a:ext>
             </a:extLst>
           </p:cNvPr>
@@ -5393,10 +5263,205 @@
           </a:p>
         </p:txBody>
       </p:sp>
+      <p:sp>
+        <p:nvSpPr>
+          <p:cNvPr id="9" name="Content Placeholder 2">
+            <a:extLst>
+              <a:ext uri="{FF2B5EF4-FFF2-40B4-BE49-F238E27FC236}">
+                <a16:creationId xmlns:a16="http://schemas.microsoft.com/office/drawing/2014/main" id="{F7E5DDCA-D586-C498-6C67-820C409F8D08}"/>
+              </a:ext>
+            </a:extLst>
+          </p:cNvPr>
+          <p:cNvSpPr>
+            <a:spLocks noGrp="1"/>
+          </p:cNvSpPr>
+          <p:nvPr>
+            <p:ph idx="1"/>
+          </p:nvPr>
+        </p:nvSpPr>
+        <p:spPr>
+          <a:xfrm>
+            <a:off x="5378381" y="641553"/>
+            <a:ext cx="6170153" cy="3575340"/>
+          </a:xfrm>
+        </p:spPr>
+        <p:txBody>
+          <a:bodyPr>
+            <a:normAutofit/>
+          </a:bodyPr>
+          <a:lstStyle/>
+          <a:p>
+            <a:pPr>
+              <a:buFont typeface="Arial" panose="020B0604020202020204" pitchFamily="34" charset="0"/>
+              <a:buChar char="•"/>
+            </a:pPr>
+            <a:r>
+              <a:rPr lang="en-GB" sz="1600" b="1" dirty="0">
+                <a:solidFill>
+                  <a:schemeClr val="tx1"/>
+                </a:solidFill>
+                <a:latin typeface="Consolas" panose="020B0609020204030204" pitchFamily="49" charset="0"/>
+              </a:rPr>
+              <a:t> Objective: </a:t>
+            </a:r>
+            <a:r>
+              <a:rPr lang="en-GB" sz="1600" dirty="0">
+                <a:solidFill>
+                  <a:schemeClr val="tx1"/>
+                </a:solidFill>
+                <a:latin typeface="Consolas" panose="020B0609020204030204" pitchFamily="49" charset="0"/>
+              </a:rPr>
+              <a:t>H</a:t>
+            </a:r>
+            <a:r>
+              <a:rPr lang="en-GB" sz="1600" b="0" dirty="0">
+                <a:solidFill>
+                  <a:schemeClr val="tx1"/>
+                </a:solidFill>
+                <a:effectLst/>
+                <a:latin typeface="Consolas" panose="020B0609020204030204" pitchFamily="49" charset="0"/>
+              </a:rPr>
+              <a:t>uman intention prediction providing the required pieces to the human worker; learn from user demonstration;</a:t>
+            </a:r>
+          </a:p>
+          <a:p>
+            <a:pPr>
+              <a:buFont typeface="Arial" panose="020B0604020202020204" pitchFamily="34" charset="0"/>
+              <a:buChar char="•"/>
+            </a:pPr>
+            <a:r>
+              <a:rPr lang="en-GB" sz="1600" b="1" dirty="0">
+                <a:solidFill>
+                  <a:schemeClr val="tx1"/>
+                </a:solidFill>
+                <a:latin typeface="Consolas" panose="020B0609020204030204" pitchFamily="49" charset="0"/>
+              </a:rPr>
+              <a:t> Sensors: </a:t>
+            </a:r>
+            <a:r>
+              <a:rPr lang="en-GB" sz="1600" dirty="0">
+                <a:solidFill>
+                  <a:schemeClr val="tx1"/>
+                </a:solidFill>
+                <a:latin typeface="Consolas" panose="020B0609020204030204" pitchFamily="49" charset="0"/>
+              </a:rPr>
+              <a:t>C</a:t>
+            </a:r>
+            <a:r>
+              <a:rPr lang="en-GB" sz="1600" b="0" dirty="0">
+                <a:solidFill>
+                  <a:schemeClr val="tx1"/>
+                </a:solidFill>
+                <a:effectLst/>
+                <a:latin typeface="Consolas" panose="020B0609020204030204" pitchFamily="49" charset="0"/>
+              </a:rPr>
+              <a:t>amera;</a:t>
+            </a:r>
+          </a:p>
+          <a:p>
+            <a:pPr>
+              <a:buFont typeface="Arial" panose="020B0604020202020204" pitchFamily="34" charset="0"/>
+              <a:buChar char="•"/>
+            </a:pPr>
+            <a:r>
+              <a:rPr lang="en-GB" sz="1600" dirty="0">
+                <a:solidFill>
+                  <a:schemeClr val="tx1"/>
+                </a:solidFill>
+                <a:latin typeface="Consolas" panose="020B0609020204030204" pitchFamily="49" charset="0"/>
+              </a:rPr>
+              <a:t> </a:t>
+            </a:r>
+            <a:r>
+              <a:rPr lang="en-GB" sz="1600" b="1" dirty="0">
+                <a:solidFill>
+                  <a:schemeClr val="tx1"/>
+                </a:solidFill>
+                <a:latin typeface="Consolas" panose="020B0609020204030204" pitchFamily="49" charset="0"/>
+              </a:rPr>
+              <a:t>Methods: </a:t>
+            </a:r>
+            <a:r>
+              <a:rPr lang="en-GB" sz="1600" dirty="0" err="1">
+                <a:solidFill>
+                  <a:schemeClr val="tx1"/>
+                </a:solidFill>
+                <a:latin typeface="Consolas" panose="020B0609020204030204" pitchFamily="49" charset="0"/>
+              </a:rPr>
+              <a:t>ConvLSTM</a:t>
+            </a:r>
+            <a:r>
+              <a:rPr lang="en-GB" sz="1600" dirty="0">
+                <a:solidFill>
+                  <a:schemeClr val="tx1"/>
+                </a:solidFill>
+                <a:latin typeface="Consolas" panose="020B0609020204030204" pitchFamily="49" charset="0"/>
+              </a:rPr>
+              <a:t> to predict human intention, </a:t>
+            </a:r>
+            <a:r>
+              <a:rPr lang="en-GB" sz="1600" b="0" dirty="0">
+                <a:solidFill>
+                  <a:schemeClr val="tx1"/>
+                </a:solidFill>
+                <a:effectLst/>
+                <a:latin typeface="Consolas" panose="020B0609020204030204" pitchFamily="49" charset="0"/>
+              </a:rPr>
+              <a:t>CNN to recognize the part needed, tracking module based on an extended Kalman filter, ROS Open Motion Planning Library (OMPL) to handle the trajectory planning jobs, speed limits on the robot when close to the human;</a:t>
+            </a:r>
+          </a:p>
+          <a:p>
+            <a:pPr>
+              <a:buFont typeface="Arial" panose="020B0604020202020204" pitchFamily="34" charset="0"/>
+              <a:buChar char="•"/>
+            </a:pPr>
+            <a:r>
+              <a:rPr lang="en-GB" sz="1600" b="0" dirty="0">
+                <a:solidFill>
+                  <a:schemeClr val="tx1"/>
+                </a:solidFill>
+                <a:effectLst/>
+                <a:latin typeface="Consolas" panose="020B0609020204030204" pitchFamily="49" charset="0"/>
+              </a:rPr>
+              <a:t> </a:t>
+            </a:r>
+            <a:r>
+              <a:rPr lang="en-GB" sz="1600" b="1" dirty="0">
+                <a:solidFill>
+                  <a:schemeClr val="tx1"/>
+                </a:solidFill>
+                <a:effectLst/>
+                <a:latin typeface="Consolas" panose="020B0609020204030204" pitchFamily="49" charset="0"/>
+              </a:rPr>
+              <a:t>Contribution: </a:t>
+            </a:r>
+            <a:r>
+              <a:rPr lang="en-GB" sz="1600" dirty="0">
+                <a:solidFill>
+                  <a:schemeClr val="tx1"/>
+                </a:solidFill>
+                <a:latin typeface="Consolas" panose="020B0609020204030204" pitchFamily="49" charset="0"/>
+              </a:rPr>
+              <a:t>Contains details about the entire</a:t>
+            </a:r>
+            <a:r>
+              <a:rPr lang="en-GB" sz="1600" dirty="0">
+                <a:solidFill>
+                  <a:schemeClr val="tx1"/>
+                </a:solidFill>
+                <a:effectLst/>
+                <a:latin typeface="Consolas" panose="020B0609020204030204" pitchFamily="49" charset="0"/>
+              </a:rPr>
+              <a:t> system including collaboration security.</a:t>
+            </a:r>
+            <a:endParaRPr lang="en-GB" dirty="0"/>
+          </a:p>
+        </p:txBody>
+      </p:sp>
     </p:spTree>
     <p:extLst>
       <p:ext uri="{BB962C8B-B14F-4D97-AF65-F5344CB8AC3E}">
-        <p14:creationId xmlns:p14="http://schemas.microsoft.com/office/powerpoint/2010/main" val="3891288676"/>
+        <p14:creationId xmlns:p14="http://schemas.microsoft.com/office/powerpoint/2010/main" val="3407763205"/>
       </p:ext>
     </p:extLst>
   </p:cSld>
@@ -5453,126 +5518,15 @@
           <a:p>
             <a:r>
               <a:rPr lang="en-GB" sz="2400" dirty="0"/>
-              <a:t>Prediction‐Based Human‐Robot Collaboration in Assembly Tasks Using a Learning from Demonstration Model</a:t>
-            </a:r>
-          </a:p>
-        </p:txBody>
-      </p:sp>
-      <p:sp>
-        <p:nvSpPr>
-          <p:cNvPr id="3" name="Content Placeholder 2">
-            <a:extLst>
-              <a:ext uri="{FF2B5EF4-FFF2-40B4-BE49-F238E27FC236}">
-                <a16:creationId xmlns:a16="http://schemas.microsoft.com/office/drawing/2014/main" id="{98918E28-0EAA-F8BC-0A2A-8C51BCAA7EF4}"/>
-              </a:ext>
-            </a:extLst>
-          </p:cNvPr>
-          <p:cNvSpPr>
-            <a:spLocks noGrp="1"/>
-          </p:cNvSpPr>
-          <p:nvPr>
-            <p:ph idx="1"/>
-          </p:nvPr>
-        </p:nvSpPr>
-        <p:spPr>
-          <a:xfrm>
-            <a:off x="5458984" y="786384"/>
-            <a:ext cx="5928344" cy="4093524"/>
-          </a:xfrm>
-        </p:spPr>
-        <p:txBody>
-          <a:bodyPr>
-            <a:normAutofit/>
-          </a:bodyPr>
-          <a:lstStyle/>
-          <a:p>
-            <a:pPr>
-              <a:buFont typeface="Wingdings" panose="05000000000000000000" pitchFamily="2" charset="2"/>
-              <a:buChar char="Ø"/>
-            </a:pPr>
-            <a:r>
-              <a:rPr lang="en-GB" sz="1600" b="0" dirty="0">
-                <a:solidFill>
-                  <a:schemeClr val="tx1"/>
-                </a:solidFill>
-                <a:effectLst/>
-                <a:latin typeface="Consolas" panose="020B0609020204030204" pitchFamily="49" charset="0"/>
-              </a:rPr>
-              <a:t> Human intention prediction providing the required pieces to the human worker;</a:t>
-            </a:r>
-          </a:p>
-          <a:p>
-            <a:pPr>
-              <a:buFont typeface="Wingdings" panose="05000000000000000000" pitchFamily="2" charset="2"/>
-              <a:buChar char="Ø"/>
-            </a:pPr>
-            <a:r>
-              <a:rPr lang="en-GB" sz="1600" dirty="0">
-                <a:solidFill>
-                  <a:schemeClr val="tx1"/>
-                </a:solidFill>
-                <a:latin typeface="Consolas" panose="020B0609020204030204" pitchFamily="49" charset="0"/>
-              </a:rPr>
-              <a:t> </a:t>
-            </a:r>
-            <a:r>
-              <a:rPr lang="en-GB" sz="1600" dirty="0" err="1">
-                <a:solidFill>
-                  <a:schemeClr val="tx1"/>
-                </a:solidFill>
-                <a:latin typeface="Consolas" panose="020B0609020204030204" pitchFamily="49" charset="0"/>
-              </a:rPr>
-              <a:t>ConvLSTM</a:t>
-            </a:r>
-            <a:r>
-              <a:rPr lang="en-GB" sz="1600" dirty="0">
-                <a:solidFill>
-                  <a:schemeClr val="tx1"/>
-                </a:solidFill>
-                <a:latin typeface="Consolas" panose="020B0609020204030204" pitchFamily="49" charset="0"/>
-              </a:rPr>
-              <a:t> to predict intention and </a:t>
-            </a:r>
-            <a:r>
-              <a:rPr lang="en-GB" sz="1600" b="0" dirty="0">
-                <a:solidFill>
-                  <a:schemeClr val="tx1"/>
-                </a:solidFill>
-                <a:effectLst/>
-                <a:latin typeface="Consolas" panose="020B0609020204030204" pitchFamily="49" charset="0"/>
-              </a:rPr>
-              <a:t>CNN to recognize the part needed;</a:t>
-            </a:r>
-          </a:p>
-          <a:p>
-            <a:pPr>
-              <a:buFont typeface="Wingdings" panose="05000000000000000000" pitchFamily="2" charset="2"/>
-              <a:buChar char="Ø"/>
-            </a:pPr>
-            <a:r>
-              <a:rPr lang="en-GB" sz="1600" dirty="0">
-                <a:solidFill>
-                  <a:schemeClr val="tx1"/>
-                </a:solidFill>
-                <a:latin typeface="Consolas" panose="020B0609020204030204" pitchFamily="49" charset="0"/>
-              </a:rPr>
-              <a:t> There are speed limits on the robot, it normally stays out of the human safety zone and when moving close to the human, the robot moves at a speed that is slow enough to raise no risk;</a:t>
-            </a:r>
-          </a:p>
-          <a:p>
-            <a:pPr>
-              <a:buFont typeface="Wingdings" panose="05000000000000000000" pitchFamily="2" charset="2"/>
-              <a:buChar char="Ø"/>
-            </a:pPr>
-            <a:r>
-              <a:rPr lang="en-GB" sz="1600" b="0" dirty="0">
-                <a:solidFill>
-                  <a:schemeClr val="tx1"/>
-                </a:solidFill>
-                <a:effectLst/>
-                <a:latin typeface="Consolas" panose="020B0609020204030204" pitchFamily="49" charset="0"/>
-              </a:rPr>
-              <a:t> The users shows first the assembly order.</a:t>
+              <a:t>Fostering short-term human anticipatory </a:t>
+            </a:r>
+            <a:r>
+              <a:rPr lang="en-GB" sz="2400" dirty="0" err="1"/>
+              <a:t>behavior</a:t>
+            </a:r>
+            <a:r>
+              <a:rPr lang="en-GB" sz="2400" dirty="0"/>
+              <a:t> in human-robot collaboration</a:t>
             </a:r>
           </a:p>
         </p:txBody>
@@ -5610,50 +5564,14 @@
               <a:t>Authors: </a:t>
             </a:r>
             <a:r>
-              <a:rPr lang="en-GB" sz="1600" b="0" i="0" u="none" strike="noStrike" baseline="0" dirty="0" err="1"/>
-              <a:t>Zhujun</a:t>
-            </a:r>
-            <a:r>
-              <a:rPr lang="en-GB" sz="1600" b="0" i="0" u="none" strike="noStrike" baseline="0" dirty="0"/>
-              <a:t> Zhang, </a:t>
-            </a:r>
-            <a:r>
-              <a:rPr lang="en-GB" sz="1600" b="0" i="0" u="none" strike="noStrike" baseline="0" dirty="0" err="1"/>
-              <a:t>Gaoliang</a:t>
-            </a:r>
-            <a:r>
-              <a:rPr lang="en-GB" sz="1600" b="0" i="0" u="none" strike="noStrike" baseline="0" dirty="0"/>
-              <a:t> Peng, </a:t>
-            </a:r>
-            <a:r>
-              <a:rPr lang="en-GB" sz="1600" b="0" i="0" u="none" strike="noStrike" baseline="0" dirty="0" err="1"/>
-              <a:t>Weitian</a:t>
-            </a:r>
-            <a:r>
-              <a:rPr lang="en-GB" sz="1600" b="0" i="0" u="none" strike="noStrike" baseline="0" dirty="0"/>
-              <a:t> Wang, Yi Chen, </a:t>
-            </a:r>
-            <a:r>
-              <a:rPr lang="en-GB" sz="1600" b="0" i="0" u="none" strike="noStrike" baseline="0" dirty="0" err="1"/>
-              <a:t>Yunyi</a:t>
-            </a:r>
-            <a:r>
-              <a:rPr lang="en-GB" sz="1600" b="0" i="0" u="none" strike="noStrike" baseline="0" dirty="0"/>
-              <a:t> Jia, </a:t>
-            </a:r>
-            <a:r>
-              <a:rPr lang="en-GB" sz="1600" b="0" i="0" u="none" strike="noStrike" baseline="0" dirty="0" err="1"/>
-              <a:t>Shaohui</a:t>
-            </a:r>
-            <a:r>
-              <a:rPr lang="en-GB" sz="1600" b="0" i="0" u="none" strike="noStrike" baseline="0" dirty="0"/>
-              <a:t> Liu</a:t>
+              <a:rPr lang="pt-BR" sz="1600" b="0" i="0" u="none" strike="noStrike" baseline="0" dirty="0"/>
+              <a:t>Loizos Psarakis, Dimitris Nathanael, Nicolas Marmaras</a:t>
             </a:r>
           </a:p>
           <a:p>
             <a:r>
               <a:rPr lang="en-GB" sz="1600" dirty="0"/>
-              <a:t>Publisher: Sensors</a:t>
+              <a:t>Publisher: International Journal of Industrial Ergonomics</a:t>
             </a:r>
           </a:p>
           <a:p>
@@ -5666,10 +5584,10 @@
       </p:sp>
       <p:pic>
         <p:nvPicPr>
-          <p:cNvPr id="6" name="Picture 5">
+          <p:cNvPr id="7" name="Picture 6">
             <a:extLst>
               <a:ext uri="{FF2B5EF4-FFF2-40B4-BE49-F238E27FC236}">
-                <a16:creationId xmlns:a16="http://schemas.microsoft.com/office/drawing/2014/main" id="{2526A42F-9BFF-E9AB-56EF-1480EFBB17D7}"/>
+                <a16:creationId xmlns:a16="http://schemas.microsoft.com/office/drawing/2014/main" id="{703D5B61-7770-DF66-3FDE-D1ADDFF156C3}"/>
               </a:ext>
             </a:extLst>
           </p:cNvPr>
@@ -5686,8 +5604,8 @@
         </p:blipFill>
         <p:spPr>
           <a:xfrm>
-            <a:off x="6071130" y="3796943"/>
-            <a:ext cx="4704052" cy="2876959"/>
+            <a:off x="6465710" y="3796943"/>
+            <a:ext cx="3995494" cy="2708243"/>
           </a:xfrm>
           <a:prstGeom prst="rect">
             <a:avLst/>
@@ -5696,10 +5614,10 @@
       </p:pic>
       <p:sp>
         <p:nvSpPr>
-          <p:cNvPr id="7" name="Slide Number Placeholder 6">
+          <p:cNvPr id="6" name="Slide Number Placeholder 5">
             <a:extLst>
               <a:ext uri="{FF2B5EF4-FFF2-40B4-BE49-F238E27FC236}">
-                <a16:creationId xmlns:a16="http://schemas.microsoft.com/office/drawing/2014/main" id="{CE05FA4A-1B95-1082-5701-84FEDE809405}"/>
+                <a16:creationId xmlns:a16="http://schemas.microsoft.com/office/drawing/2014/main" id="{8C11AB0C-91FF-8EDF-5997-C66E772A50CB}"/>
               </a:ext>
             </a:extLst>
           </p:cNvPr>
@@ -5724,10 +5642,156 @@
           </a:p>
         </p:txBody>
       </p:sp>
+      <p:sp>
+        <p:nvSpPr>
+          <p:cNvPr id="9" name="Content Placeholder 2">
+            <a:extLst>
+              <a:ext uri="{FF2B5EF4-FFF2-40B4-BE49-F238E27FC236}">
+                <a16:creationId xmlns:a16="http://schemas.microsoft.com/office/drawing/2014/main" id="{BEFDF454-DCB3-E699-2786-0FF8D4ABB172}"/>
+              </a:ext>
+            </a:extLst>
+          </p:cNvPr>
+          <p:cNvSpPr>
+            <a:spLocks noGrp="1"/>
+          </p:cNvSpPr>
+          <p:nvPr>
+            <p:ph idx="1"/>
+          </p:nvPr>
+        </p:nvSpPr>
+        <p:spPr>
+          <a:xfrm>
+            <a:off x="5378381" y="641553"/>
+            <a:ext cx="6170153" cy="3965958"/>
+          </a:xfrm>
+        </p:spPr>
+        <p:txBody>
+          <a:bodyPr>
+            <a:normAutofit/>
+          </a:bodyPr>
+          <a:lstStyle/>
+          <a:p>
+            <a:pPr>
+              <a:buFont typeface="Arial" panose="020B0604020202020204" pitchFamily="34" charset="0"/>
+              <a:buChar char="•"/>
+            </a:pPr>
+            <a:r>
+              <a:rPr lang="en-GB" sz="1600" b="1" dirty="0">
+                <a:solidFill>
+                  <a:schemeClr val="tx1"/>
+                </a:solidFill>
+                <a:latin typeface="Consolas" panose="020B0609020204030204" pitchFamily="49" charset="0"/>
+              </a:rPr>
+              <a:t> Objective: </a:t>
+            </a:r>
+            <a:r>
+              <a:rPr lang="en-GB" sz="1600" dirty="0">
+                <a:solidFill>
+                  <a:schemeClr val="tx1"/>
+                </a:solidFill>
+                <a:latin typeface="Consolas" panose="020B0609020204030204" pitchFamily="49" charset="0"/>
+              </a:rPr>
+              <a:t>fostering human anticipatory </a:t>
+            </a:r>
+            <a:r>
+              <a:rPr lang="en-GB" sz="1600" dirty="0" err="1">
+                <a:solidFill>
+                  <a:schemeClr val="tx1"/>
+                </a:solidFill>
+                <a:latin typeface="Consolas" panose="020B0609020204030204" pitchFamily="49" charset="0"/>
+              </a:rPr>
+              <a:t>behavior</a:t>
+            </a:r>
+            <a:r>
+              <a:rPr lang="en-GB" sz="1600" dirty="0">
+                <a:solidFill>
+                  <a:schemeClr val="tx1"/>
+                </a:solidFill>
+                <a:latin typeface="Consolas" panose="020B0609020204030204" pitchFamily="49" charset="0"/>
+              </a:rPr>
+              <a:t> towards the robot, through visual cues of the robot’s next move</a:t>
+            </a:r>
+            <a:r>
+              <a:rPr lang="en-GB" sz="1600" dirty="0">
+                <a:solidFill>
+                  <a:schemeClr val="tx1"/>
+                </a:solidFill>
+                <a:effectLst/>
+                <a:latin typeface="Consolas" panose="020B0609020204030204" pitchFamily="49" charset="0"/>
+              </a:rPr>
+              <a:t>; robot adaptiveness to the human actions;</a:t>
+            </a:r>
+          </a:p>
+          <a:p>
+            <a:pPr>
+              <a:buFont typeface="Arial" panose="020B0604020202020204" pitchFamily="34" charset="0"/>
+              <a:buChar char="•"/>
+            </a:pPr>
+            <a:r>
+              <a:rPr lang="en-GB" sz="1600" b="1" dirty="0">
+                <a:solidFill>
+                  <a:schemeClr val="tx1"/>
+                </a:solidFill>
+                <a:latin typeface="Consolas" panose="020B0609020204030204" pitchFamily="49" charset="0"/>
+              </a:rPr>
+              <a:t> Sensors/Methods: </a:t>
+            </a:r>
+            <a:r>
+              <a:rPr lang="en-GB" sz="1600" b="0" dirty="0">
+                <a:solidFill>
+                  <a:schemeClr val="tx1"/>
+                </a:solidFill>
+                <a:effectLst/>
+                <a:latin typeface="Consolas" panose="020B0609020204030204" pitchFamily="49" charset="0"/>
+              </a:rPr>
+              <a:t>Virtual Reality simulation environment along with a human arm motion tracking system;</a:t>
+            </a:r>
+          </a:p>
+          <a:p>
+            <a:pPr>
+              <a:buFont typeface="Arial" panose="020B0604020202020204" pitchFamily="34" charset="0"/>
+              <a:buChar char="•"/>
+            </a:pPr>
+            <a:r>
+              <a:rPr lang="en-GB" sz="1600" b="1" dirty="0">
+                <a:solidFill>
+                  <a:schemeClr val="tx1"/>
+                </a:solidFill>
+                <a:effectLst/>
+                <a:latin typeface="Consolas" panose="020B0609020204030204" pitchFamily="49" charset="0"/>
+              </a:rPr>
+              <a:t> Contribution:</a:t>
+            </a:r>
+            <a:r>
+              <a:rPr lang="en-GB" sz="1600" dirty="0">
+                <a:solidFill>
+                  <a:schemeClr val="tx1"/>
+                </a:solidFill>
+                <a:effectLst/>
+                <a:latin typeface="Consolas" panose="020B0609020204030204" pitchFamily="49" charset="0"/>
+              </a:rPr>
+              <a:t> Suggests the idea of making the user know the robot's intent, helping the user have more trust in the robot and therefore decrease task completion time.</a:t>
+            </a:r>
+            <a:endParaRPr lang="en-GB" b="0" dirty="0">
+              <a:solidFill>
+                <a:schemeClr val="tx1"/>
+              </a:solidFill>
+              <a:effectLst/>
+              <a:latin typeface="Consolas" panose="020B0609020204030204" pitchFamily="49" charset="0"/>
+            </a:endParaRPr>
+          </a:p>
+          <a:p>
+            <a:pPr marL="457200" indent="-457200">
+              <a:buFont typeface="+mj-lt"/>
+              <a:buAutoNum type="arabicPeriod"/>
+            </a:pPr>
+            <a:endParaRPr lang="en-GB" dirty="0"/>
+          </a:p>
+        </p:txBody>
+      </p:sp>
     </p:spTree>
     <p:extLst>
       <p:ext uri="{BB962C8B-B14F-4D97-AF65-F5344CB8AC3E}">
-        <p14:creationId xmlns:p14="http://schemas.microsoft.com/office/powerpoint/2010/main" val="3407763205"/>
+        <p14:creationId xmlns:p14="http://schemas.microsoft.com/office/powerpoint/2010/main" val="3143959040"/>
       </p:ext>
     </p:extLst>
   </p:cSld>
@@ -5784,291 +5848,6 @@
           <a:p>
             <a:r>
               <a:rPr lang="en-GB" sz="2400" dirty="0"/>
-              <a:t>Fostering short-term human anticipatory </a:t>
-            </a:r>
-            <a:r>
-              <a:rPr lang="en-GB" sz="2400" dirty="0" err="1"/>
-              <a:t>behavior</a:t>
-            </a:r>
-            <a:r>
-              <a:rPr lang="en-GB" sz="2400" dirty="0"/>
-              <a:t> in human-robot collaboration</a:t>
-            </a:r>
-          </a:p>
-        </p:txBody>
-      </p:sp>
-      <p:sp>
-        <p:nvSpPr>
-          <p:cNvPr id="3" name="Content Placeholder 2">
-            <a:extLst>
-              <a:ext uri="{FF2B5EF4-FFF2-40B4-BE49-F238E27FC236}">
-                <a16:creationId xmlns:a16="http://schemas.microsoft.com/office/drawing/2014/main" id="{98918E28-0EAA-F8BC-0A2A-8C51BCAA7EF4}"/>
-              </a:ext>
-            </a:extLst>
-          </p:cNvPr>
-          <p:cNvSpPr>
-            <a:spLocks noGrp="1"/>
-          </p:cNvSpPr>
-          <p:nvPr>
-            <p:ph idx="1"/>
-          </p:nvPr>
-        </p:nvSpPr>
-        <p:spPr>
-          <a:xfrm>
-            <a:off x="5458984" y="786384"/>
-            <a:ext cx="5928344" cy="4093524"/>
-          </a:xfrm>
-        </p:spPr>
-        <p:txBody>
-          <a:bodyPr>
-            <a:normAutofit/>
-          </a:bodyPr>
-          <a:lstStyle/>
-          <a:p>
-            <a:pPr>
-              <a:buFont typeface="Wingdings" panose="05000000000000000000" pitchFamily="2" charset="2"/>
-              <a:buChar char="Ø"/>
-            </a:pPr>
-            <a:r>
-              <a:rPr lang="en-GB" sz="1600" b="0" dirty="0">
-                <a:solidFill>
-                  <a:schemeClr val="tx1"/>
-                </a:solidFill>
-                <a:effectLst/>
-                <a:latin typeface="Consolas" panose="020B0609020204030204" pitchFamily="49" charset="0"/>
-              </a:rPr>
-              <a:t> Tried to foster human anticipatory behaviour towards the robot, through visual cues of the robot’s next move</a:t>
-            </a:r>
-            <a:r>
-              <a:rPr lang="en-GB" sz="1600" dirty="0">
-                <a:solidFill>
-                  <a:schemeClr val="tx1"/>
-                </a:solidFill>
-                <a:latin typeface="Consolas" panose="020B0609020204030204" pitchFamily="49" charset="0"/>
-              </a:rPr>
-              <a:t>;</a:t>
-            </a:r>
-          </a:p>
-          <a:p>
-            <a:pPr>
-              <a:buFont typeface="Wingdings" panose="05000000000000000000" pitchFamily="2" charset="2"/>
-              <a:buChar char="Ø"/>
-            </a:pPr>
-            <a:r>
-              <a:rPr lang="en-GB" sz="1600" b="0" dirty="0">
-                <a:solidFill>
-                  <a:schemeClr val="tx1"/>
-                </a:solidFill>
-                <a:effectLst/>
-                <a:latin typeface="Consolas" panose="020B0609020204030204" pitchFamily="49" charset="0"/>
-              </a:rPr>
-              <a:t> The user has more trust in the robot and therefore the task completion time is decreased;</a:t>
-            </a:r>
-          </a:p>
-          <a:p>
-            <a:pPr>
-              <a:buFont typeface="Wingdings" panose="05000000000000000000" pitchFamily="2" charset="2"/>
-              <a:buChar char="Ø"/>
-            </a:pPr>
-            <a:r>
-              <a:rPr lang="en-GB" sz="1600" dirty="0">
-                <a:solidFill>
-                  <a:schemeClr val="tx1"/>
-                </a:solidFill>
-                <a:latin typeface="Consolas" panose="020B0609020204030204" pitchFamily="49" charset="0"/>
-              </a:rPr>
-              <a:t> The testing remained limited to VR;</a:t>
-            </a:r>
-          </a:p>
-          <a:p>
-            <a:pPr>
-              <a:buFont typeface="Wingdings" panose="05000000000000000000" pitchFamily="2" charset="2"/>
-              <a:buChar char="Ø"/>
-            </a:pPr>
-            <a:r>
-              <a:rPr lang="en-GB" sz="1600" b="0" dirty="0">
-                <a:solidFill>
-                  <a:schemeClr val="tx1"/>
-                </a:solidFill>
-                <a:effectLst/>
-                <a:latin typeface="Consolas" panose="020B0609020204030204" pitchFamily="49" charset="0"/>
-              </a:rPr>
-              <a:t> The user movement was detected using wearables.</a:t>
-            </a:r>
-          </a:p>
-        </p:txBody>
-      </p:sp>
-      <p:sp>
-        <p:nvSpPr>
-          <p:cNvPr id="4" name="Text Placeholder 3">
-            <a:extLst>
-              <a:ext uri="{FF2B5EF4-FFF2-40B4-BE49-F238E27FC236}">
-                <a16:creationId xmlns:a16="http://schemas.microsoft.com/office/drawing/2014/main" id="{6869DBAF-3AEA-5715-55CA-9D0C04EDF4F6}"/>
-              </a:ext>
-            </a:extLst>
-          </p:cNvPr>
-          <p:cNvSpPr>
-            <a:spLocks noGrp="1"/>
-          </p:cNvSpPr>
-          <p:nvPr>
-            <p:ph type="body" sz="half" idx="2"/>
-          </p:nvPr>
-        </p:nvSpPr>
-        <p:spPr>
-          <a:xfrm>
-            <a:off x="643466" y="3796943"/>
-            <a:ext cx="3517567" cy="2274674"/>
-          </a:xfrm>
-        </p:spPr>
-        <p:txBody>
-          <a:bodyPr>
-            <a:normAutofit/>
-          </a:bodyPr>
-          <a:lstStyle/>
-          <a:p>
-            <a:r>
-              <a:rPr lang="en-GB" sz="1600" dirty="0"/>
-              <a:t>Authors: </a:t>
-            </a:r>
-            <a:r>
-              <a:rPr lang="pt-BR" sz="1600" b="0" i="0" u="none" strike="noStrike" baseline="0" dirty="0"/>
-              <a:t>Loizos Psarakis, Dimitris Nathanael, Nicolas Marmaras</a:t>
-            </a:r>
-          </a:p>
-          <a:p>
-            <a:r>
-              <a:rPr lang="en-GB" sz="1600" dirty="0"/>
-              <a:t>Publisher: International Journal of Industrial Ergonomics</a:t>
-            </a:r>
-          </a:p>
-          <a:p>
-            <a:r>
-              <a:rPr lang="en-GB" sz="1600" dirty="0"/>
-              <a:t>Year: 2022</a:t>
-            </a:r>
-          </a:p>
-        </p:txBody>
-      </p:sp>
-      <p:pic>
-        <p:nvPicPr>
-          <p:cNvPr id="7" name="Picture 6">
-            <a:extLst>
-              <a:ext uri="{FF2B5EF4-FFF2-40B4-BE49-F238E27FC236}">
-                <a16:creationId xmlns:a16="http://schemas.microsoft.com/office/drawing/2014/main" id="{703D5B61-7770-DF66-3FDE-D1ADDFF156C3}"/>
-              </a:ext>
-            </a:extLst>
-          </p:cNvPr>
-          <p:cNvPicPr>
-            <a:picLocks noChangeAspect="1"/>
-          </p:cNvPicPr>
-          <p:nvPr/>
-        </p:nvPicPr>
-        <p:blipFill>
-          <a:blip r:embed="rId2"/>
-          <a:stretch>
-            <a:fillRect/>
-          </a:stretch>
-        </p:blipFill>
-        <p:spPr>
-          <a:xfrm>
-            <a:off x="6146681" y="3554952"/>
-            <a:ext cx="4552950" cy="3086100"/>
-          </a:xfrm>
-          <a:prstGeom prst="rect">
-            <a:avLst/>
-          </a:prstGeom>
-        </p:spPr>
-      </p:pic>
-      <p:sp>
-        <p:nvSpPr>
-          <p:cNvPr id="6" name="Slide Number Placeholder 5">
-            <a:extLst>
-              <a:ext uri="{FF2B5EF4-FFF2-40B4-BE49-F238E27FC236}">
-                <a16:creationId xmlns:a16="http://schemas.microsoft.com/office/drawing/2014/main" id="{8C11AB0C-91FF-8EDF-5997-C66E772A50CB}"/>
-              </a:ext>
-            </a:extLst>
-          </p:cNvPr>
-          <p:cNvSpPr>
-            <a:spLocks noGrp="1"/>
-          </p:cNvSpPr>
-          <p:nvPr>
-            <p:ph type="sldNum" sz="quarter" idx="12"/>
-          </p:nvPr>
-        </p:nvSpPr>
-        <p:spPr/>
-        <p:txBody>
-          <a:bodyPr/>
-          <a:lstStyle/>
-          <a:p>
-            <a:fld id="{3A98EE3D-8CD1-4C3F-BD1C-C98C9596463C}" type="slidenum">
-              <a:rPr lang="en-US" smtClean="0"/>
-              <a:pPr/>
-              <a:t>7</a:t>
-            </a:fld>
-            <a:endParaRPr lang="en-US" dirty="0"/>
-          </a:p>
-        </p:txBody>
-      </p:sp>
-    </p:spTree>
-    <p:extLst>
-      <p:ext uri="{BB962C8B-B14F-4D97-AF65-F5344CB8AC3E}">
-        <p14:creationId xmlns:p14="http://schemas.microsoft.com/office/powerpoint/2010/main" val="3143959040"/>
-      </p:ext>
-    </p:extLst>
-  </p:cSld>
-  <p:clrMapOvr>
-    <a:masterClrMapping/>
-  </p:clrMapOvr>
-</p:sld>
-</file>
-
-<file path=ppt/slides/slide8.xml><?xml version="1.0" encoding="utf-8"?>
-<p:sld xmlns:a="http://schemas.openxmlformats.org/drawingml/2006/main" xmlns:r="http://schemas.openxmlformats.org/officeDocument/2006/relationships" xmlns:p="http://schemas.openxmlformats.org/presentationml/2006/main">
-  <p:cSld>
-    <p:spTree>
-      <p:nvGrpSpPr>
-        <p:cNvPr id="1" name=""/>
-        <p:cNvGrpSpPr/>
-        <p:nvPr/>
-      </p:nvGrpSpPr>
-      <p:grpSpPr>
-        <a:xfrm>
-          <a:off x="0" y="0"/>
-          <a:ext cx="0" cy="0"/>
-          <a:chOff x="0" y="0"/>
-          <a:chExt cx="0" cy="0"/>
-        </a:xfrm>
-      </p:grpSpPr>
-      <p:sp>
-        <p:nvSpPr>
-          <p:cNvPr id="2" name="Title 1">
-            <a:extLst>
-              <a:ext uri="{FF2B5EF4-FFF2-40B4-BE49-F238E27FC236}">
-                <a16:creationId xmlns:a16="http://schemas.microsoft.com/office/drawing/2014/main" id="{5542C2D8-2864-205C-3DFE-B82FABC53E63}"/>
-              </a:ext>
-            </a:extLst>
-          </p:cNvPr>
-          <p:cNvSpPr>
-            <a:spLocks noGrp="1"/>
-          </p:cNvSpPr>
-          <p:nvPr>
-            <p:ph type="title"/>
-          </p:nvPr>
-        </p:nvSpPr>
-        <p:spPr>
-          <a:xfrm>
-            <a:off x="643466" y="786383"/>
-            <a:ext cx="3517567" cy="2642617"/>
-          </a:xfrm>
-        </p:spPr>
-        <p:txBody>
-          <a:bodyPr>
-            <a:noAutofit/>
-          </a:bodyPr>
-          <a:lstStyle/>
-          <a:p>
-            <a:r>
-              <a:rPr lang="en-GB" sz="2400" dirty="0"/>
               <a:t>Social </a:t>
             </a:r>
             <a:r>
@@ -6084,121 +5863,6 @@
               <a:t>Behaviors</a:t>
             </a:r>
             <a:endParaRPr lang="en-GB" sz="2400" dirty="0"/>
-          </a:p>
-        </p:txBody>
-      </p:sp>
-      <p:sp>
-        <p:nvSpPr>
-          <p:cNvPr id="3" name="Content Placeholder 2">
-            <a:extLst>
-              <a:ext uri="{FF2B5EF4-FFF2-40B4-BE49-F238E27FC236}">
-                <a16:creationId xmlns:a16="http://schemas.microsoft.com/office/drawing/2014/main" id="{98918E28-0EAA-F8BC-0A2A-8C51BCAA7EF4}"/>
-              </a:ext>
-            </a:extLst>
-          </p:cNvPr>
-          <p:cNvSpPr>
-            <a:spLocks noGrp="1"/>
-          </p:cNvSpPr>
-          <p:nvPr>
-            <p:ph idx="1"/>
-          </p:nvPr>
-        </p:nvSpPr>
-        <p:spPr>
-          <a:xfrm>
-            <a:off x="5458984" y="786384"/>
-            <a:ext cx="6089550" cy="4093524"/>
-          </a:xfrm>
-        </p:spPr>
-        <p:txBody>
-          <a:bodyPr>
-            <a:normAutofit/>
-          </a:bodyPr>
-          <a:lstStyle/>
-          <a:p>
-            <a:pPr>
-              <a:buFont typeface="Wingdings" panose="05000000000000000000" pitchFamily="2" charset="2"/>
-              <a:buChar char="Ø"/>
-            </a:pPr>
-            <a:r>
-              <a:rPr lang="en-GB" sz="1600" b="0" dirty="0">
-                <a:solidFill>
-                  <a:schemeClr val="tx1"/>
-                </a:solidFill>
-                <a:effectLst/>
-                <a:latin typeface="Consolas" panose="020B0609020204030204" pitchFamily="49" charset="0"/>
-              </a:rPr>
-              <a:t> The objective is to handle unexpected conditions:</a:t>
-            </a:r>
-          </a:p>
-          <a:p>
-            <a:pPr lvl="1">
-              <a:buFont typeface="Wingdings" panose="05000000000000000000" pitchFamily="2" charset="2"/>
-              <a:buChar char="Ø"/>
-            </a:pPr>
-            <a:r>
-              <a:rPr lang="en-GB" sz="1400" b="0" dirty="0">
-                <a:solidFill>
-                  <a:schemeClr val="tx1"/>
-                </a:solidFill>
-                <a:effectLst/>
-                <a:latin typeface="Consolas" panose="020B0609020204030204" pitchFamily="49" charset="0"/>
-              </a:rPr>
-              <a:t> when the human’s intention is estimated to be irrelevant to the assigned task and may be unknown to the robot, e.g., motivation is lost, another assignment is received, onset of tiredness;</a:t>
-            </a:r>
-          </a:p>
-          <a:p>
-            <a:pPr lvl="1">
-              <a:buFont typeface="Wingdings" panose="05000000000000000000" pitchFamily="2" charset="2"/>
-              <a:buChar char="Ø"/>
-            </a:pPr>
-            <a:r>
-              <a:rPr lang="en-GB" sz="1400" b="0" dirty="0">
-                <a:solidFill>
-                  <a:schemeClr val="tx1"/>
-                </a:solidFill>
-                <a:effectLst/>
-                <a:latin typeface="Consolas" panose="020B0609020204030204" pitchFamily="49" charset="0"/>
-              </a:rPr>
-              <a:t> when the human’s intention is relevant but the human doesn’t want the robot’s assistance in the given context, e.g., because of the human’s changing emotional states or the human’s task-relevant distrust for the robot;</a:t>
-            </a:r>
-          </a:p>
-          <a:p>
-            <a:pPr>
-              <a:buFont typeface="Wingdings" panose="05000000000000000000" pitchFamily="2" charset="2"/>
-              <a:buChar char="Ø"/>
-            </a:pPr>
-            <a:r>
-              <a:rPr lang="en-GB" sz="1600" b="0" dirty="0">
-                <a:solidFill>
-                  <a:schemeClr val="tx1"/>
-                </a:solidFill>
-                <a:effectLst/>
-                <a:latin typeface="Consolas" panose="020B0609020204030204" pitchFamily="49" charset="0"/>
-              </a:rPr>
-              <a:t> Partially observable Markov decision process (POMDP);</a:t>
-            </a:r>
-          </a:p>
-          <a:p>
-            <a:pPr>
-              <a:buFont typeface="Wingdings" panose="05000000000000000000" pitchFamily="2" charset="2"/>
-              <a:buChar char="Ø"/>
-            </a:pPr>
-            <a:r>
-              <a:rPr lang="en-GB" sz="1600" dirty="0">
-                <a:solidFill>
-                  <a:schemeClr val="tx1"/>
-                </a:solidFill>
-                <a:latin typeface="Consolas" panose="020B0609020204030204" pitchFamily="49" charset="0"/>
-              </a:rPr>
-              <a:t> Tested in Simulation.</a:t>
-            </a:r>
-            <a:endParaRPr lang="en-GB" sz="1600" b="0" dirty="0">
-              <a:solidFill>
-                <a:schemeClr val="tx1"/>
-              </a:solidFill>
-              <a:effectLst/>
-              <a:latin typeface="Consolas" panose="020B0609020204030204" pitchFamily="49" charset="0"/>
-            </a:endParaRPr>
           </a:p>
         </p:txBody>
       </p:sp>
@@ -6275,8 +5939,8 @@
         </p:blipFill>
         <p:spPr>
           <a:xfrm>
-            <a:off x="6370159" y="4231087"/>
-            <a:ext cx="4267200" cy="2390775"/>
+            <a:off x="6704673" y="4658620"/>
+            <a:ext cx="3517567" cy="1970780"/>
           </a:xfrm>
           <a:prstGeom prst="rect">
             <a:avLst/>
@@ -6307,9 +5971,199 @@
             <a:fld id="{3A98EE3D-8CD1-4C3F-BD1C-C98C9596463C}" type="slidenum">
               <a:rPr lang="en-US" smtClean="0"/>
               <a:pPr/>
-              <a:t>8</a:t>
+              <a:t>7</a:t>
             </a:fld>
             <a:endParaRPr lang="en-US" dirty="0"/>
+          </a:p>
+        </p:txBody>
+      </p:sp>
+      <p:sp>
+        <p:nvSpPr>
+          <p:cNvPr id="9" name="Content Placeholder 2">
+            <a:extLst>
+              <a:ext uri="{FF2B5EF4-FFF2-40B4-BE49-F238E27FC236}">
+                <a16:creationId xmlns:a16="http://schemas.microsoft.com/office/drawing/2014/main" id="{EBF3A331-D78F-EDE8-DAA0-68D8FC9C8A0F}"/>
+              </a:ext>
+            </a:extLst>
+          </p:cNvPr>
+          <p:cNvSpPr>
+            <a:spLocks noGrp="1"/>
+          </p:cNvSpPr>
+          <p:nvPr>
+            <p:ph idx="1"/>
+          </p:nvPr>
+        </p:nvSpPr>
+        <p:spPr>
+          <a:xfrm>
+            <a:off x="5378381" y="641552"/>
+            <a:ext cx="6170153" cy="4543007"/>
+          </a:xfrm>
+        </p:spPr>
+        <p:txBody>
+          <a:bodyPr>
+            <a:noAutofit/>
+          </a:bodyPr>
+          <a:lstStyle/>
+          <a:p>
+            <a:pPr>
+              <a:buFont typeface="Arial" panose="020B0604020202020204" pitchFamily="34" charset="0"/>
+              <a:buChar char="•"/>
+            </a:pPr>
+            <a:r>
+              <a:rPr lang="en-GB" sz="1600" b="1" dirty="0">
+                <a:solidFill>
+                  <a:schemeClr val="tx1"/>
+                </a:solidFill>
+                <a:latin typeface="Consolas" panose="020B0609020204030204" pitchFamily="49" charset="0"/>
+              </a:rPr>
+              <a:t> Objective: </a:t>
+            </a:r>
+            <a:r>
+              <a:rPr lang="en-GB" sz="1600" b="0" dirty="0">
+                <a:solidFill>
+                  <a:schemeClr val="tx1"/>
+                </a:solidFill>
+                <a:effectLst/>
+                <a:latin typeface="Consolas" panose="020B0609020204030204" pitchFamily="49" charset="0"/>
+              </a:rPr>
+              <a:t>handle unexpected conditions:</a:t>
+            </a:r>
+          </a:p>
+          <a:p>
+            <a:pPr lvl="1">
+              <a:buFont typeface="Arial" panose="020B0604020202020204" pitchFamily="34" charset="0"/>
+              <a:buChar char="•"/>
+            </a:pPr>
+            <a:r>
+              <a:rPr lang="en-GB" sz="1400" b="0" dirty="0">
+                <a:solidFill>
+                  <a:schemeClr val="tx1"/>
+                </a:solidFill>
+                <a:effectLst/>
+                <a:latin typeface="Consolas" panose="020B0609020204030204" pitchFamily="49" charset="0"/>
+              </a:rPr>
+              <a:t> when the human’s intention is estimated to be irrelevant to the assigned task and may be unknown to the robot, e.g., motivation is lost, another assignment is received, onset of tiredness;</a:t>
+            </a:r>
+          </a:p>
+          <a:p>
+            <a:pPr lvl="1">
+              <a:buFont typeface="Arial" panose="020B0604020202020204" pitchFamily="34" charset="0"/>
+              <a:buChar char="•"/>
+            </a:pPr>
+            <a:r>
+              <a:rPr lang="en-GB" sz="1400" b="0" dirty="0">
+                <a:solidFill>
+                  <a:schemeClr val="tx1"/>
+                </a:solidFill>
+                <a:effectLst/>
+                <a:latin typeface="Consolas" panose="020B0609020204030204" pitchFamily="49" charset="0"/>
+              </a:rPr>
+              <a:t> when the human’s intention is relevant but the human doesn’t want the robot’s assistance in the given context, e.g., because of the human’s changing emotional states or the human’s task-relevant distrust for the robot;</a:t>
+            </a:r>
+          </a:p>
+          <a:p>
+            <a:pPr>
+              <a:buFont typeface="Arial" panose="020B0604020202020204" pitchFamily="34" charset="0"/>
+              <a:buChar char="•"/>
+            </a:pPr>
+            <a:r>
+              <a:rPr lang="en-GB" sz="1600" b="1" dirty="0">
+                <a:solidFill>
+                  <a:schemeClr val="tx1"/>
+                </a:solidFill>
+                <a:latin typeface="Consolas" panose="020B0609020204030204" pitchFamily="49" charset="0"/>
+              </a:rPr>
+              <a:t> Sensors: </a:t>
+            </a:r>
+            <a:r>
+              <a:rPr lang="en-GB" sz="1600" dirty="0">
+                <a:solidFill>
+                  <a:schemeClr val="tx1"/>
+                </a:solidFill>
+                <a:latin typeface="Consolas" panose="020B0609020204030204" pitchFamily="49" charset="0"/>
+              </a:rPr>
+              <a:t>C</a:t>
+            </a:r>
+            <a:r>
+              <a:rPr lang="en-GB" sz="1600" b="0" dirty="0">
+                <a:solidFill>
+                  <a:schemeClr val="tx1"/>
+                </a:solidFill>
+                <a:effectLst/>
+                <a:latin typeface="Consolas" panose="020B0609020204030204" pitchFamily="49" charset="0"/>
+              </a:rPr>
+              <a:t>amera;</a:t>
+            </a:r>
+          </a:p>
+          <a:p>
+            <a:pPr>
+              <a:buFont typeface="Wingdings" panose="05000000000000000000" pitchFamily="2" charset="2"/>
+              <a:buChar char="Ø"/>
+            </a:pPr>
+            <a:r>
+              <a:rPr lang="en-GB" sz="1600" dirty="0">
+                <a:solidFill>
+                  <a:schemeClr val="tx1"/>
+                </a:solidFill>
+                <a:latin typeface="Consolas" panose="020B0609020204030204" pitchFamily="49" charset="0"/>
+              </a:rPr>
+              <a:t> </a:t>
+            </a:r>
+            <a:r>
+              <a:rPr lang="en-GB" sz="1600" b="1" dirty="0">
+                <a:solidFill>
+                  <a:schemeClr val="tx1"/>
+                </a:solidFill>
+                <a:latin typeface="Consolas" panose="020B0609020204030204" pitchFamily="49" charset="0"/>
+              </a:rPr>
+              <a:t>Methods: </a:t>
+            </a:r>
+            <a:r>
+              <a:rPr lang="en-GB" sz="1600" b="0" dirty="0">
+                <a:solidFill>
+                  <a:schemeClr val="tx1"/>
+                </a:solidFill>
+                <a:effectLst/>
+                <a:latin typeface="Consolas" panose="020B0609020204030204" pitchFamily="49" charset="0"/>
+              </a:rPr>
+              <a:t>Partially observable Markov decision process (POMDP);</a:t>
+            </a:r>
+          </a:p>
+          <a:p>
+            <a:pPr>
+              <a:buFont typeface="Arial" panose="020B0604020202020204" pitchFamily="34" charset="0"/>
+              <a:buChar char="•"/>
+            </a:pPr>
+            <a:r>
+              <a:rPr lang="en-GB" sz="1600" b="0" dirty="0">
+                <a:solidFill>
+                  <a:schemeClr val="tx1"/>
+                </a:solidFill>
+                <a:effectLst/>
+                <a:latin typeface="Consolas" panose="020B0609020204030204" pitchFamily="49" charset="0"/>
+              </a:rPr>
+              <a:t> </a:t>
+            </a:r>
+            <a:r>
+              <a:rPr lang="en-GB" sz="1600" b="1" dirty="0">
+                <a:solidFill>
+                  <a:schemeClr val="tx1"/>
+                </a:solidFill>
+                <a:effectLst/>
+                <a:latin typeface="Consolas" panose="020B0609020204030204" pitchFamily="49" charset="0"/>
+              </a:rPr>
+              <a:t>Contribution: </a:t>
+            </a:r>
+            <a:r>
+              <a:rPr lang="en-GB" sz="1600" dirty="0">
+                <a:solidFill>
+                  <a:schemeClr val="tx1"/>
+                </a:solidFill>
+                <a:latin typeface="Consolas" panose="020B0609020204030204" pitchFamily="49" charset="0"/>
+              </a:rPr>
+              <a:t>Alerts to unexpected situations that must be dealt with.</a:t>
+            </a:r>
+            <a:endParaRPr lang="en-GB" sz="1600" dirty="0"/>
           </a:p>
         </p:txBody>
       </p:sp>
@@ -6326,7 +6180,7 @@
 </p:sld>
 </file>
 
-<file path=ppt/slides/slide9.xml><?xml version="1.0" encoding="utf-8"?>
+<file path=ppt/slides/slide8.xml><?xml version="1.0" encoding="utf-8"?>
 <p:sld xmlns:a="http://schemas.openxmlformats.org/drawingml/2006/main" xmlns:r="http://schemas.openxmlformats.org/officeDocument/2006/relationships" xmlns:p="http://schemas.openxmlformats.org/presentationml/2006/main">
   <p:cSld>
     <p:bg>
@@ -7944,7 +7798,7 @@
           <a:p>
             <a:fld id="{3A98EE3D-8CD1-4C3F-BD1C-C98C9596463C}" type="slidenum">
               <a:rPr lang="en-US" smtClean="0"/>
-              <a:t>9</a:t>
+              <a:t>8</a:t>
             </a:fld>
             <a:endParaRPr lang="en-US" dirty="0"/>
           </a:p>
